--- a/Git_Tutorial_ICAIS.pptx
+++ b/Git_Tutorial_ICAIS.pptx
@@ -11,10 +11,10 @@
     <p:sldMasterId id="2147483740" r:id="rId7"/>
   </p:sldMasterIdLst>
   <p:notesMasterIdLst>
-    <p:notesMasterId r:id="rId30"/>
+    <p:notesMasterId r:id="rId45"/>
   </p:notesMasterIdLst>
   <p:handoutMasterIdLst>
-    <p:handoutMasterId r:id="rId31"/>
+    <p:handoutMasterId r:id="rId46"/>
   </p:handoutMasterIdLst>
   <p:sldIdLst>
     <p:sldId id="860" r:id="rId8"/>
@@ -28,17 +28,32 @@
     <p:sldId id="867" r:id="rId16"/>
     <p:sldId id="870" r:id="rId17"/>
     <p:sldId id="868" r:id="rId18"/>
-    <p:sldId id="872" r:id="rId19"/>
-    <p:sldId id="879" r:id="rId20"/>
-    <p:sldId id="874" r:id="rId21"/>
+    <p:sldId id="874" r:id="rId19"/>
+    <p:sldId id="872" r:id="rId20"/>
+    <p:sldId id="879" r:id="rId21"/>
     <p:sldId id="871" r:id="rId22"/>
     <p:sldId id="875" r:id="rId23"/>
     <p:sldId id="876" r:id="rId24"/>
     <p:sldId id="877" r:id="rId25"/>
     <p:sldId id="880" r:id="rId26"/>
     <p:sldId id="878" r:id="rId27"/>
-    <p:sldId id="862" r:id="rId28"/>
-    <p:sldId id="861" r:id="rId29"/>
+    <p:sldId id="881" r:id="rId28"/>
+    <p:sldId id="894" r:id="rId29"/>
+    <p:sldId id="884" r:id="rId30"/>
+    <p:sldId id="883" r:id="rId31"/>
+    <p:sldId id="886" r:id="rId32"/>
+    <p:sldId id="887" r:id="rId33"/>
+    <p:sldId id="888" r:id="rId34"/>
+    <p:sldId id="889" r:id="rId35"/>
+    <p:sldId id="890" r:id="rId36"/>
+    <p:sldId id="891" r:id="rId37"/>
+    <p:sldId id="893" r:id="rId38"/>
+    <p:sldId id="885" r:id="rId39"/>
+    <p:sldId id="862" r:id="rId40"/>
+    <p:sldId id="892" r:id="rId41"/>
+    <p:sldId id="895" r:id="rId42"/>
+    <p:sldId id="896" r:id="rId43"/>
+    <p:sldId id="861" r:id="rId44"/>
   </p:sldIdLst>
   <p:sldSz cx="12192000" cy="6858000"/>
   <p:notesSz cx="7099300" cy="10234613"/>
@@ -168,6 +183,75 @@
     </a:lvl9pPr>
   </p:defaultTextStyle>
   <p:extLst>
+    <p:ext uri="{521415D9-36F7-43E2-AB2F-B90AF26B5E84}">
+      <p14:sectionLst xmlns:p14="http://schemas.microsoft.com/office/powerpoint/2010/main">
+        <p14:section name="Title" id="{1B493C6F-B4E4-449F-810B-A9E475908C18}">
+          <p14:sldIdLst>
+            <p14:sldId id="860"/>
+            <p14:sldId id="863"/>
+          </p14:sldIdLst>
+        </p14:section>
+        <p14:section name="Motivation" id="{B169FDF8-3398-4534-ADB3-4F9DA72C470B}">
+          <p14:sldIdLst>
+            <p14:sldId id="869"/>
+            <p14:sldId id="864"/>
+            <p14:sldId id="745"/>
+            <p14:sldId id="865"/>
+            <p14:sldId id="866"/>
+            <p14:sldId id="873"/>
+            <p14:sldId id="867"/>
+          </p14:sldIdLst>
+        </p14:section>
+        <p14:section name="Basic Concepts" id="{9EB59AB4-3ACD-40B4-AA1E-9B24380D439E}">
+          <p14:sldIdLst>
+            <p14:sldId id="870"/>
+            <p14:sldId id="868"/>
+          </p14:sldIdLst>
+        </p14:section>
+        <p14:section name="Local Repo" id="{8268C74E-8DD3-4255-B0AC-867238E13336}">
+          <p14:sldIdLst>
+            <p14:sldId id="874"/>
+            <p14:sldId id="872"/>
+            <p14:sldId id="879"/>
+            <p14:sldId id="871"/>
+            <p14:sldId id="875"/>
+            <p14:sldId id="876"/>
+            <p14:sldId id="877"/>
+            <p14:sldId id="880"/>
+            <p14:sldId id="878"/>
+            <p14:sldId id="881"/>
+            <p14:sldId id="894"/>
+          </p14:sldIdLst>
+        </p14:section>
+        <p14:section name="Remote Repo" id="{2BCAB77A-69C1-4EDD-9BEB-94E899D79884}">
+          <p14:sldIdLst>
+            <p14:sldId id="884"/>
+            <p14:sldId id="883"/>
+            <p14:sldId id="886"/>
+            <p14:sldId id="887"/>
+            <p14:sldId id="888"/>
+            <p14:sldId id="889"/>
+            <p14:sldId id="890"/>
+            <p14:sldId id="891"/>
+            <p14:sldId id="893"/>
+          </p14:sldIdLst>
+        </p14:section>
+        <p14:section name="Resources" id="{E2C46E87-22F1-4105-8F84-3396E2145B29}">
+          <p14:sldIdLst>
+            <p14:sldId id="885"/>
+            <p14:sldId id="862"/>
+            <p14:sldId id="892"/>
+          </p14:sldIdLst>
+        </p14:section>
+        <p14:section name="Foo" id="{74358A17-ADE7-442C-BBF0-80981C64BA06}">
+          <p14:sldIdLst>
+            <p14:sldId id="895"/>
+            <p14:sldId id="896"/>
+            <p14:sldId id="861"/>
+          </p14:sldIdLst>
+        </p14:section>
+      </p14:sectionLst>
+    </p:ext>
     <p:ext uri="{EFAFB233-063F-42B5-8137-9DF3F51BA10A}">
       <p15:sldGuideLst xmlns:p15="http://schemas.microsoft.com/office/powerpoint/2012/main">
         <p15:guide id="1" orient="horz" pos="2160" userDrawn="1">
@@ -1058,7 +1142,7 @@
       </p:grpSpPr>
       <p:sp>
         <p:nvSpPr>
-          <p:cNvPr id="2" name="幻灯片图像占位符 1"/>
+          <p:cNvPr id="2" name="Slide Image Placeholder 1"/>
           <p:cNvSpPr>
             <a:spLocks noGrp="1" noRot="1" noChangeAspect="1"/>
           </p:cNvSpPr>
@@ -1075,7 +1159,7 @@
       </p:sp>
       <p:sp>
         <p:nvSpPr>
-          <p:cNvPr id="3" name="备注占位符 2"/>
+          <p:cNvPr id="3" name="Notes Placeholder 2"/>
           <p:cNvSpPr>
             <a:spLocks noGrp="1"/>
           </p:cNvSpPr>
@@ -1088,13 +1172,21 @@
           <a:bodyPr/>
           <a:lstStyle/>
           <a:p>
-            <a:endParaRPr lang="zh-CN" altLang="en-US" dirty="0"/>
-          </a:p>
-        </p:txBody>
-      </p:sp>
-      <p:sp>
-        <p:nvSpPr>
-          <p:cNvPr id="4" name="灯片编号占位符 3"/>
+            <a:r>
+              <a:rPr lang="en-US" dirty="0"/>
+              <a:t>Sub-word Parallel means a multiplier can be divided into several small multipliers to boost the </a:t>
+            </a:r>
+            <a:r>
+              <a:rPr lang="en-US" dirty="0" err="1"/>
+              <a:t>throughtpu</a:t>
+            </a:r>
+            <a:endParaRPr lang="en-US" dirty="0"/>
+          </a:p>
+        </p:txBody>
+      </p:sp>
+      <p:sp>
+        <p:nvSpPr>
+          <p:cNvPr id="4" name="Slide Number Placeholder 3"/>
           <p:cNvSpPr>
             <a:spLocks noGrp="1"/>
           </p:cNvSpPr>
@@ -1124,7 +1216,7 @@
     </p:spTree>
     <p:extLst>
       <p:ext uri="{BB962C8B-B14F-4D97-AF65-F5344CB8AC3E}">
-        <p14:creationId xmlns:p14="http://schemas.microsoft.com/office/powerpoint/2010/main" val="797622479"/>
+        <p14:creationId xmlns:p14="http://schemas.microsoft.com/office/powerpoint/2010/main" val="2992335648"/>
       </p:ext>
     </p:extLst>
   </p:cSld>
@@ -1219,7 +1311,7 @@
     </p:spTree>
     <p:extLst>
       <p:ext uri="{BB962C8B-B14F-4D97-AF65-F5344CB8AC3E}">
-        <p14:creationId xmlns:p14="http://schemas.microsoft.com/office/powerpoint/2010/main" val="415092139"/>
+        <p14:creationId xmlns:p14="http://schemas.microsoft.com/office/powerpoint/2010/main" val="797622479"/>
       </p:ext>
     </p:extLst>
   </p:cSld>
@@ -1248,7 +1340,7 @@
       </p:grpSpPr>
       <p:sp>
         <p:nvSpPr>
-          <p:cNvPr id="2" name="Slide Image Placeholder 1"/>
+          <p:cNvPr id="2" name="幻灯片图像占位符 1"/>
           <p:cNvSpPr>
             <a:spLocks noGrp="1" noRot="1" noChangeAspect="1"/>
           </p:cNvSpPr>
@@ -1265,7 +1357,7 @@
       </p:sp>
       <p:sp>
         <p:nvSpPr>
-          <p:cNvPr id="3" name="Notes Placeholder 2"/>
+          <p:cNvPr id="3" name="备注占位符 2"/>
           <p:cNvSpPr>
             <a:spLocks noGrp="1"/>
           </p:cNvSpPr>
@@ -1278,21 +1370,13 @@
           <a:bodyPr/>
           <a:lstStyle/>
           <a:p>
-            <a:r>
-              <a:rPr lang="en-US" dirty="0"/>
-              <a:t>Sub-word Parallel means a multiplier can be divided into several small multipliers to boost the </a:t>
-            </a:r>
-            <a:r>
-              <a:rPr lang="en-US" dirty="0" err="1"/>
-              <a:t>throughtpu</a:t>
-            </a:r>
-            <a:endParaRPr lang="en-US" dirty="0"/>
-          </a:p>
-        </p:txBody>
-      </p:sp>
-      <p:sp>
-        <p:nvSpPr>
-          <p:cNvPr id="4" name="Slide Number Placeholder 3"/>
+            <a:endParaRPr lang="zh-CN" altLang="en-US" dirty="0"/>
+          </a:p>
+        </p:txBody>
+      </p:sp>
+      <p:sp>
+        <p:nvSpPr>
+          <p:cNvPr id="4" name="灯片编号占位符 3"/>
           <p:cNvSpPr>
             <a:spLocks noGrp="1"/>
           </p:cNvSpPr>
@@ -1322,7 +1406,7 @@
     </p:spTree>
     <p:extLst>
       <p:ext uri="{BB962C8B-B14F-4D97-AF65-F5344CB8AC3E}">
-        <p14:creationId xmlns:p14="http://schemas.microsoft.com/office/powerpoint/2010/main" val="2992335648"/>
+        <p14:creationId xmlns:p14="http://schemas.microsoft.com/office/powerpoint/2010/main" val="415092139"/>
       </p:ext>
     </p:extLst>
   </p:cSld>
@@ -2090,7 +2174,7 @@
     </p:spTree>
     <p:extLst>
       <p:ext uri="{BB962C8B-B14F-4D97-AF65-F5344CB8AC3E}">
-        <p14:creationId xmlns:p14="http://schemas.microsoft.com/office/powerpoint/2010/main" val="799529445"/>
+        <p14:creationId xmlns:p14="http://schemas.microsoft.com/office/powerpoint/2010/main" val="1819751657"/>
       </p:ext>
     </p:extLst>
   </p:cSld>
@@ -2185,7 +2269,775 @@
     </p:spTree>
     <p:extLst>
       <p:ext uri="{BB962C8B-B14F-4D97-AF65-F5344CB8AC3E}">
-        <p14:creationId xmlns:p14="http://schemas.microsoft.com/office/powerpoint/2010/main" val="688736378"/>
+        <p14:creationId xmlns:p14="http://schemas.microsoft.com/office/powerpoint/2010/main" val="1434305943"/>
+      </p:ext>
+    </p:extLst>
+  </p:cSld>
+  <p:clrMapOvr>
+    <a:masterClrMapping/>
+  </p:clrMapOvr>
+</p:notes>
+</file>
+
+<file path=ppt/notesSlides/notesSlide22.xml><?xml version="1.0" encoding="utf-8"?>
+<p:notes xmlns:a="http://schemas.openxmlformats.org/drawingml/2006/main" xmlns:r="http://schemas.openxmlformats.org/officeDocument/2006/relationships" xmlns:p="http://schemas.openxmlformats.org/presentationml/2006/main">
+  <p:cSld>
+    <p:spTree>
+      <p:nvGrpSpPr>
+        <p:cNvPr id="1" name=""/>
+        <p:cNvGrpSpPr/>
+        <p:nvPr/>
+      </p:nvGrpSpPr>
+      <p:grpSpPr>
+        <a:xfrm>
+          <a:off x="0" y="0"/>
+          <a:ext cx="0" cy="0"/>
+          <a:chOff x="0" y="0"/>
+          <a:chExt cx="0" cy="0"/>
+        </a:xfrm>
+      </p:grpSpPr>
+      <p:sp>
+        <p:nvSpPr>
+          <p:cNvPr id="2" name="Slide Image Placeholder 1"/>
+          <p:cNvSpPr>
+            <a:spLocks noGrp="1" noRot="1" noChangeAspect="1"/>
+          </p:cNvSpPr>
+          <p:nvPr>
+            <p:ph type="sldImg"/>
+          </p:nvPr>
+        </p:nvSpPr>
+        <p:spPr>
+          <a:xfrm>
+            <a:off x="139700" y="768350"/>
+            <a:ext cx="6819900" cy="3836988"/>
+          </a:xfrm>
+        </p:spPr>
+      </p:sp>
+      <p:sp>
+        <p:nvSpPr>
+          <p:cNvPr id="3" name="Notes Placeholder 2"/>
+          <p:cNvSpPr>
+            <a:spLocks noGrp="1"/>
+          </p:cNvSpPr>
+          <p:nvPr>
+            <p:ph type="body" idx="1"/>
+          </p:nvPr>
+        </p:nvSpPr>
+        <p:spPr/>
+        <p:txBody>
+          <a:bodyPr/>
+          <a:lstStyle/>
+          <a:p>
+            <a:r>
+              <a:rPr lang="en-US" dirty="0"/>
+              <a:t>Sub-word Parallel means a multiplier can be divided into several small multipliers to boost the </a:t>
+            </a:r>
+            <a:r>
+              <a:rPr lang="en-US" dirty="0" err="1"/>
+              <a:t>throughtpu</a:t>
+            </a:r>
+            <a:endParaRPr lang="en-US" dirty="0"/>
+          </a:p>
+        </p:txBody>
+      </p:sp>
+      <p:sp>
+        <p:nvSpPr>
+          <p:cNvPr id="4" name="Slide Number Placeholder 3"/>
+          <p:cNvSpPr>
+            <a:spLocks noGrp="1"/>
+          </p:cNvSpPr>
+          <p:nvPr>
+            <p:ph type="sldNum" sz="quarter" idx="10"/>
+          </p:nvPr>
+        </p:nvSpPr>
+        <p:spPr/>
+        <p:txBody>
+          <a:bodyPr/>
+          <a:lstStyle/>
+          <a:p>
+            <a:pPr>
+              <a:defRPr/>
+            </a:pPr>
+            <a:fld id="{3B54E8E1-5FB2-4DE1-888D-4C9792C8894E}" type="slidenum">
+              <a:rPr lang="zh-CN" altLang="en-US" smtClean="0"/>
+              <a:pPr>
+                <a:defRPr/>
+              </a:pPr>
+              <a:t>23</a:t>
+            </a:fld>
+            <a:endParaRPr lang="zh-CN" altLang="en-US"/>
+          </a:p>
+        </p:txBody>
+      </p:sp>
+    </p:spTree>
+    <p:extLst>
+      <p:ext uri="{BB962C8B-B14F-4D97-AF65-F5344CB8AC3E}">
+        <p14:creationId xmlns:p14="http://schemas.microsoft.com/office/powerpoint/2010/main" val="3938124685"/>
+      </p:ext>
+    </p:extLst>
+  </p:cSld>
+  <p:clrMapOvr>
+    <a:masterClrMapping/>
+  </p:clrMapOvr>
+</p:notes>
+</file>
+
+<file path=ppt/notesSlides/notesSlide23.xml><?xml version="1.0" encoding="utf-8"?>
+<p:notes xmlns:a="http://schemas.openxmlformats.org/drawingml/2006/main" xmlns:r="http://schemas.openxmlformats.org/officeDocument/2006/relationships" xmlns:p="http://schemas.openxmlformats.org/presentationml/2006/main">
+  <p:cSld>
+    <p:spTree>
+      <p:nvGrpSpPr>
+        <p:cNvPr id="1" name=""/>
+        <p:cNvGrpSpPr/>
+        <p:nvPr/>
+      </p:nvGrpSpPr>
+      <p:grpSpPr>
+        <a:xfrm>
+          <a:off x="0" y="0"/>
+          <a:ext cx="0" cy="0"/>
+          <a:chOff x="0" y="0"/>
+          <a:chExt cx="0" cy="0"/>
+        </a:xfrm>
+      </p:grpSpPr>
+      <p:sp>
+        <p:nvSpPr>
+          <p:cNvPr id="2" name="幻灯片图像占位符 1"/>
+          <p:cNvSpPr>
+            <a:spLocks noGrp="1" noRot="1" noChangeAspect="1"/>
+          </p:cNvSpPr>
+          <p:nvPr>
+            <p:ph type="sldImg"/>
+          </p:nvPr>
+        </p:nvSpPr>
+        <p:spPr>
+          <a:xfrm>
+            <a:off x="139700" y="768350"/>
+            <a:ext cx="6819900" cy="3836988"/>
+          </a:xfrm>
+        </p:spPr>
+      </p:sp>
+      <p:sp>
+        <p:nvSpPr>
+          <p:cNvPr id="3" name="备注占位符 2"/>
+          <p:cNvSpPr>
+            <a:spLocks noGrp="1"/>
+          </p:cNvSpPr>
+          <p:nvPr>
+            <p:ph type="body" idx="1"/>
+          </p:nvPr>
+        </p:nvSpPr>
+        <p:spPr/>
+        <p:txBody>
+          <a:bodyPr/>
+          <a:lstStyle/>
+          <a:p>
+            <a:endParaRPr lang="zh-CN" altLang="en-US" dirty="0"/>
+          </a:p>
+        </p:txBody>
+      </p:sp>
+      <p:sp>
+        <p:nvSpPr>
+          <p:cNvPr id="4" name="灯片编号占位符 3"/>
+          <p:cNvSpPr>
+            <a:spLocks noGrp="1"/>
+          </p:cNvSpPr>
+          <p:nvPr>
+            <p:ph type="sldNum" sz="quarter" idx="10"/>
+          </p:nvPr>
+        </p:nvSpPr>
+        <p:spPr/>
+        <p:txBody>
+          <a:bodyPr/>
+          <a:lstStyle/>
+          <a:p>
+            <a:pPr>
+              <a:defRPr/>
+            </a:pPr>
+            <a:fld id="{3B54E8E1-5FB2-4DE1-888D-4C9792C8894E}" type="slidenum">
+              <a:rPr lang="zh-CN" altLang="en-US" smtClean="0"/>
+              <a:pPr>
+                <a:defRPr/>
+              </a:pPr>
+              <a:t>24</a:t>
+            </a:fld>
+            <a:endParaRPr lang="zh-CN" altLang="en-US"/>
+          </a:p>
+        </p:txBody>
+      </p:sp>
+    </p:spTree>
+    <p:extLst>
+      <p:ext uri="{BB962C8B-B14F-4D97-AF65-F5344CB8AC3E}">
+        <p14:creationId xmlns:p14="http://schemas.microsoft.com/office/powerpoint/2010/main" val="3130103280"/>
+      </p:ext>
+    </p:extLst>
+  </p:cSld>
+  <p:clrMapOvr>
+    <a:masterClrMapping/>
+  </p:clrMapOvr>
+</p:notes>
+</file>
+
+<file path=ppt/notesSlides/notesSlide24.xml><?xml version="1.0" encoding="utf-8"?>
+<p:notes xmlns:a="http://schemas.openxmlformats.org/drawingml/2006/main" xmlns:r="http://schemas.openxmlformats.org/officeDocument/2006/relationships" xmlns:p="http://schemas.openxmlformats.org/presentationml/2006/main">
+  <p:cSld>
+    <p:spTree>
+      <p:nvGrpSpPr>
+        <p:cNvPr id="1" name=""/>
+        <p:cNvGrpSpPr/>
+        <p:nvPr/>
+      </p:nvGrpSpPr>
+      <p:grpSpPr>
+        <a:xfrm>
+          <a:off x="0" y="0"/>
+          <a:ext cx="0" cy="0"/>
+          <a:chOff x="0" y="0"/>
+          <a:chExt cx="0" cy="0"/>
+        </a:xfrm>
+      </p:grpSpPr>
+      <p:sp>
+        <p:nvSpPr>
+          <p:cNvPr id="2" name="幻灯片图像占位符 1"/>
+          <p:cNvSpPr>
+            <a:spLocks noGrp="1" noRot="1" noChangeAspect="1"/>
+          </p:cNvSpPr>
+          <p:nvPr>
+            <p:ph type="sldImg"/>
+          </p:nvPr>
+        </p:nvSpPr>
+        <p:spPr>
+          <a:xfrm>
+            <a:off x="139700" y="768350"/>
+            <a:ext cx="6819900" cy="3836988"/>
+          </a:xfrm>
+        </p:spPr>
+      </p:sp>
+      <p:sp>
+        <p:nvSpPr>
+          <p:cNvPr id="3" name="备注占位符 2"/>
+          <p:cNvSpPr>
+            <a:spLocks noGrp="1"/>
+          </p:cNvSpPr>
+          <p:nvPr>
+            <p:ph type="body" idx="1"/>
+          </p:nvPr>
+        </p:nvSpPr>
+        <p:spPr/>
+        <p:txBody>
+          <a:bodyPr/>
+          <a:lstStyle/>
+          <a:p>
+            <a:endParaRPr lang="zh-CN" altLang="en-US" dirty="0"/>
+          </a:p>
+        </p:txBody>
+      </p:sp>
+      <p:sp>
+        <p:nvSpPr>
+          <p:cNvPr id="4" name="灯片编号占位符 3"/>
+          <p:cNvSpPr>
+            <a:spLocks noGrp="1"/>
+          </p:cNvSpPr>
+          <p:nvPr>
+            <p:ph type="sldNum" sz="quarter" idx="10"/>
+          </p:nvPr>
+        </p:nvSpPr>
+        <p:spPr/>
+        <p:txBody>
+          <a:bodyPr/>
+          <a:lstStyle/>
+          <a:p>
+            <a:pPr>
+              <a:defRPr/>
+            </a:pPr>
+            <a:fld id="{3B54E8E1-5FB2-4DE1-888D-4C9792C8894E}" type="slidenum">
+              <a:rPr lang="zh-CN" altLang="en-US" smtClean="0"/>
+              <a:pPr>
+                <a:defRPr/>
+              </a:pPr>
+              <a:t>25</a:t>
+            </a:fld>
+            <a:endParaRPr lang="zh-CN" altLang="en-US"/>
+          </a:p>
+        </p:txBody>
+      </p:sp>
+    </p:spTree>
+    <p:extLst>
+      <p:ext uri="{BB962C8B-B14F-4D97-AF65-F5344CB8AC3E}">
+        <p14:creationId xmlns:p14="http://schemas.microsoft.com/office/powerpoint/2010/main" val="733305045"/>
+      </p:ext>
+    </p:extLst>
+  </p:cSld>
+  <p:clrMapOvr>
+    <a:masterClrMapping/>
+  </p:clrMapOvr>
+</p:notes>
+</file>
+
+<file path=ppt/notesSlides/notesSlide25.xml><?xml version="1.0" encoding="utf-8"?>
+<p:notes xmlns:a="http://schemas.openxmlformats.org/drawingml/2006/main" xmlns:r="http://schemas.openxmlformats.org/officeDocument/2006/relationships" xmlns:p="http://schemas.openxmlformats.org/presentationml/2006/main">
+  <p:cSld>
+    <p:spTree>
+      <p:nvGrpSpPr>
+        <p:cNvPr id="1" name=""/>
+        <p:cNvGrpSpPr/>
+        <p:nvPr/>
+      </p:nvGrpSpPr>
+      <p:grpSpPr>
+        <a:xfrm>
+          <a:off x="0" y="0"/>
+          <a:ext cx="0" cy="0"/>
+          <a:chOff x="0" y="0"/>
+          <a:chExt cx="0" cy="0"/>
+        </a:xfrm>
+      </p:grpSpPr>
+      <p:sp>
+        <p:nvSpPr>
+          <p:cNvPr id="2" name="幻灯片图像占位符 1"/>
+          <p:cNvSpPr>
+            <a:spLocks noGrp="1" noRot="1" noChangeAspect="1"/>
+          </p:cNvSpPr>
+          <p:nvPr>
+            <p:ph type="sldImg"/>
+          </p:nvPr>
+        </p:nvSpPr>
+        <p:spPr>
+          <a:xfrm>
+            <a:off x="139700" y="768350"/>
+            <a:ext cx="6819900" cy="3836988"/>
+          </a:xfrm>
+        </p:spPr>
+      </p:sp>
+      <p:sp>
+        <p:nvSpPr>
+          <p:cNvPr id="3" name="备注占位符 2"/>
+          <p:cNvSpPr>
+            <a:spLocks noGrp="1"/>
+          </p:cNvSpPr>
+          <p:nvPr>
+            <p:ph type="body" idx="1"/>
+          </p:nvPr>
+        </p:nvSpPr>
+        <p:spPr/>
+        <p:txBody>
+          <a:bodyPr/>
+          <a:lstStyle/>
+          <a:p>
+            <a:endParaRPr lang="zh-CN" altLang="en-US" dirty="0"/>
+          </a:p>
+        </p:txBody>
+      </p:sp>
+      <p:sp>
+        <p:nvSpPr>
+          <p:cNvPr id="4" name="灯片编号占位符 3"/>
+          <p:cNvSpPr>
+            <a:spLocks noGrp="1"/>
+          </p:cNvSpPr>
+          <p:nvPr>
+            <p:ph type="sldNum" sz="quarter" idx="10"/>
+          </p:nvPr>
+        </p:nvSpPr>
+        <p:spPr/>
+        <p:txBody>
+          <a:bodyPr/>
+          <a:lstStyle/>
+          <a:p>
+            <a:pPr>
+              <a:defRPr/>
+            </a:pPr>
+            <a:fld id="{3B54E8E1-5FB2-4DE1-888D-4C9792C8894E}" type="slidenum">
+              <a:rPr lang="zh-CN" altLang="en-US" smtClean="0"/>
+              <a:pPr>
+                <a:defRPr/>
+              </a:pPr>
+              <a:t>26</a:t>
+            </a:fld>
+            <a:endParaRPr lang="zh-CN" altLang="en-US"/>
+          </a:p>
+        </p:txBody>
+      </p:sp>
+    </p:spTree>
+    <p:extLst>
+      <p:ext uri="{BB962C8B-B14F-4D97-AF65-F5344CB8AC3E}">
+        <p14:creationId xmlns:p14="http://schemas.microsoft.com/office/powerpoint/2010/main" val="492036981"/>
+      </p:ext>
+    </p:extLst>
+  </p:cSld>
+  <p:clrMapOvr>
+    <a:masterClrMapping/>
+  </p:clrMapOvr>
+</p:notes>
+</file>
+
+<file path=ppt/notesSlides/notesSlide26.xml><?xml version="1.0" encoding="utf-8"?>
+<p:notes xmlns:a="http://schemas.openxmlformats.org/drawingml/2006/main" xmlns:r="http://schemas.openxmlformats.org/officeDocument/2006/relationships" xmlns:p="http://schemas.openxmlformats.org/presentationml/2006/main">
+  <p:cSld>
+    <p:spTree>
+      <p:nvGrpSpPr>
+        <p:cNvPr id="1" name=""/>
+        <p:cNvGrpSpPr/>
+        <p:nvPr/>
+      </p:nvGrpSpPr>
+      <p:grpSpPr>
+        <a:xfrm>
+          <a:off x="0" y="0"/>
+          <a:ext cx="0" cy="0"/>
+          <a:chOff x="0" y="0"/>
+          <a:chExt cx="0" cy="0"/>
+        </a:xfrm>
+      </p:grpSpPr>
+      <p:sp>
+        <p:nvSpPr>
+          <p:cNvPr id="2" name="幻灯片图像占位符 1"/>
+          <p:cNvSpPr>
+            <a:spLocks noGrp="1" noRot="1" noChangeAspect="1"/>
+          </p:cNvSpPr>
+          <p:nvPr>
+            <p:ph type="sldImg"/>
+          </p:nvPr>
+        </p:nvSpPr>
+        <p:spPr>
+          <a:xfrm>
+            <a:off x="139700" y="768350"/>
+            <a:ext cx="6819900" cy="3836988"/>
+          </a:xfrm>
+        </p:spPr>
+      </p:sp>
+      <p:sp>
+        <p:nvSpPr>
+          <p:cNvPr id="3" name="备注占位符 2"/>
+          <p:cNvSpPr>
+            <a:spLocks noGrp="1"/>
+          </p:cNvSpPr>
+          <p:nvPr>
+            <p:ph type="body" idx="1"/>
+          </p:nvPr>
+        </p:nvSpPr>
+        <p:spPr/>
+        <p:txBody>
+          <a:bodyPr/>
+          <a:lstStyle/>
+          <a:p>
+            <a:endParaRPr lang="zh-CN" altLang="en-US" dirty="0"/>
+          </a:p>
+        </p:txBody>
+      </p:sp>
+      <p:sp>
+        <p:nvSpPr>
+          <p:cNvPr id="4" name="灯片编号占位符 3"/>
+          <p:cNvSpPr>
+            <a:spLocks noGrp="1"/>
+          </p:cNvSpPr>
+          <p:nvPr>
+            <p:ph type="sldNum" sz="quarter" idx="10"/>
+          </p:nvPr>
+        </p:nvSpPr>
+        <p:spPr/>
+        <p:txBody>
+          <a:bodyPr/>
+          <a:lstStyle/>
+          <a:p>
+            <a:pPr>
+              <a:defRPr/>
+            </a:pPr>
+            <a:fld id="{3B54E8E1-5FB2-4DE1-888D-4C9792C8894E}" type="slidenum">
+              <a:rPr lang="zh-CN" altLang="en-US" smtClean="0"/>
+              <a:pPr>
+                <a:defRPr/>
+              </a:pPr>
+              <a:t>27</a:t>
+            </a:fld>
+            <a:endParaRPr lang="zh-CN" altLang="en-US"/>
+          </a:p>
+        </p:txBody>
+      </p:sp>
+    </p:spTree>
+    <p:extLst>
+      <p:ext uri="{BB962C8B-B14F-4D97-AF65-F5344CB8AC3E}">
+        <p14:creationId xmlns:p14="http://schemas.microsoft.com/office/powerpoint/2010/main" val="2944650311"/>
+      </p:ext>
+    </p:extLst>
+  </p:cSld>
+  <p:clrMapOvr>
+    <a:masterClrMapping/>
+  </p:clrMapOvr>
+</p:notes>
+</file>
+
+<file path=ppt/notesSlides/notesSlide27.xml><?xml version="1.0" encoding="utf-8"?>
+<p:notes xmlns:a="http://schemas.openxmlformats.org/drawingml/2006/main" xmlns:r="http://schemas.openxmlformats.org/officeDocument/2006/relationships" xmlns:p="http://schemas.openxmlformats.org/presentationml/2006/main">
+  <p:cSld>
+    <p:spTree>
+      <p:nvGrpSpPr>
+        <p:cNvPr id="1" name=""/>
+        <p:cNvGrpSpPr/>
+        <p:nvPr/>
+      </p:nvGrpSpPr>
+      <p:grpSpPr>
+        <a:xfrm>
+          <a:off x="0" y="0"/>
+          <a:ext cx="0" cy="0"/>
+          <a:chOff x="0" y="0"/>
+          <a:chExt cx="0" cy="0"/>
+        </a:xfrm>
+      </p:grpSpPr>
+      <p:sp>
+        <p:nvSpPr>
+          <p:cNvPr id="2" name="幻灯片图像占位符 1"/>
+          <p:cNvSpPr>
+            <a:spLocks noGrp="1" noRot="1" noChangeAspect="1"/>
+          </p:cNvSpPr>
+          <p:nvPr>
+            <p:ph type="sldImg"/>
+          </p:nvPr>
+        </p:nvSpPr>
+        <p:spPr>
+          <a:xfrm>
+            <a:off x="139700" y="768350"/>
+            <a:ext cx="6819900" cy="3836988"/>
+          </a:xfrm>
+        </p:spPr>
+      </p:sp>
+      <p:sp>
+        <p:nvSpPr>
+          <p:cNvPr id="3" name="备注占位符 2"/>
+          <p:cNvSpPr>
+            <a:spLocks noGrp="1"/>
+          </p:cNvSpPr>
+          <p:nvPr>
+            <p:ph type="body" idx="1"/>
+          </p:nvPr>
+        </p:nvSpPr>
+        <p:spPr/>
+        <p:txBody>
+          <a:bodyPr/>
+          <a:lstStyle/>
+          <a:p>
+            <a:endParaRPr lang="zh-CN" altLang="en-US" dirty="0"/>
+          </a:p>
+        </p:txBody>
+      </p:sp>
+      <p:sp>
+        <p:nvSpPr>
+          <p:cNvPr id="4" name="灯片编号占位符 3"/>
+          <p:cNvSpPr>
+            <a:spLocks noGrp="1"/>
+          </p:cNvSpPr>
+          <p:nvPr>
+            <p:ph type="sldNum" sz="quarter" idx="10"/>
+          </p:nvPr>
+        </p:nvSpPr>
+        <p:spPr/>
+        <p:txBody>
+          <a:bodyPr/>
+          <a:lstStyle/>
+          <a:p>
+            <a:pPr>
+              <a:defRPr/>
+            </a:pPr>
+            <a:fld id="{3B54E8E1-5FB2-4DE1-888D-4C9792C8894E}" type="slidenum">
+              <a:rPr lang="zh-CN" altLang="en-US" smtClean="0"/>
+              <a:pPr>
+                <a:defRPr/>
+              </a:pPr>
+              <a:t>28</a:t>
+            </a:fld>
+            <a:endParaRPr lang="zh-CN" altLang="en-US"/>
+          </a:p>
+        </p:txBody>
+      </p:sp>
+    </p:spTree>
+    <p:extLst>
+      <p:ext uri="{BB962C8B-B14F-4D97-AF65-F5344CB8AC3E}">
+        <p14:creationId xmlns:p14="http://schemas.microsoft.com/office/powerpoint/2010/main" val="3031309371"/>
+      </p:ext>
+    </p:extLst>
+  </p:cSld>
+  <p:clrMapOvr>
+    <a:masterClrMapping/>
+  </p:clrMapOvr>
+</p:notes>
+</file>
+
+<file path=ppt/notesSlides/notesSlide28.xml><?xml version="1.0" encoding="utf-8"?>
+<p:notes xmlns:a="http://schemas.openxmlformats.org/drawingml/2006/main" xmlns:r="http://schemas.openxmlformats.org/officeDocument/2006/relationships" xmlns:p="http://schemas.openxmlformats.org/presentationml/2006/main">
+  <p:cSld>
+    <p:spTree>
+      <p:nvGrpSpPr>
+        <p:cNvPr id="1" name=""/>
+        <p:cNvGrpSpPr/>
+        <p:nvPr/>
+      </p:nvGrpSpPr>
+      <p:grpSpPr>
+        <a:xfrm>
+          <a:off x="0" y="0"/>
+          <a:ext cx="0" cy="0"/>
+          <a:chOff x="0" y="0"/>
+          <a:chExt cx="0" cy="0"/>
+        </a:xfrm>
+      </p:grpSpPr>
+      <p:sp>
+        <p:nvSpPr>
+          <p:cNvPr id="2" name="幻灯片图像占位符 1"/>
+          <p:cNvSpPr>
+            <a:spLocks noGrp="1" noRot="1" noChangeAspect="1"/>
+          </p:cNvSpPr>
+          <p:nvPr>
+            <p:ph type="sldImg"/>
+          </p:nvPr>
+        </p:nvSpPr>
+        <p:spPr>
+          <a:xfrm>
+            <a:off x="139700" y="768350"/>
+            <a:ext cx="6819900" cy="3836988"/>
+          </a:xfrm>
+        </p:spPr>
+      </p:sp>
+      <p:sp>
+        <p:nvSpPr>
+          <p:cNvPr id="3" name="备注占位符 2"/>
+          <p:cNvSpPr>
+            <a:spLocks noGrp="1"/>
+          </p:cNvSpPr>
+          <p:nvPr>
+            <p:ph type="body" idx="1"/>
+          </p:nvPr>
+        </p:nvSpPr>
+        <p:spPr/>
+        <p:txBody>
+          <a:bodyPr/>
+          <a:lstStyle/>
+          <a:p>
+            <a:endParaRPr lang="zh-CN" altLang="en-US" dirty="0"/>
+          </a:p>
+        </p:txBody>
+      </p:sp>
+      <p:sp>
+        <p:nvSpPr>
+          <p:cNvPr id="4" name="灯片编号占位符 3"/>
+          <p:cNvSpPr>
+            <a:spLocks noGrp="1"/>
+          </p:cNvSpPr>
+          <p:nvPr>
+            <p:ph type="sldNum" sz="quarter" idx="10"/>
+          </p:nvPr>
+        </p:nvSpPr>
+        <p:spPr/>
+        <p:txBody>
+          <a:bodyPr/>
+          <a:lstStyle/>
+          <a:p>
+            <a:pPr>
+              <a:defRPr/>
+            </a:pPr>
+            <a:fld id="{3B54E8E1-5FB2-4DE1-888D-4C9792C8894E}" type="slidenum">
+              <a:rPr lang="zh-CN" altLang="en-US" smtClean="0"/>
+              <a:pPr>
+                <a:defRPr/>
+              </a:pPr>
+              <a:t>29</a:t>
+            </a:fld>
+            <a:endParaRPr lang="zh-CN" altLang="en-US"/>
+          </a:p>
+        </p:txBody>
+      </p:sp>
+    </p:spTree>
+    <p:extLst>
+      <p:ext uri="{BB962C8B-B14F-4D97-AF65-F5344CB8AC3E}">
+        <p14:creationId xmlns:p14="http://schemas.microsoft.com/office/powerpoint/2010/main" val="3847243619"/>
+      </p:ext>
+    </p:extLst>
+  </p:cSld>
+  <p:clrMapOvr>
+    <a:masterClrMapping/>
+  </p:clrMapOvr>
+</p:notes>
+</file>
+
+<file path=ppt/notesSlides/notesSlide29.xml><?xml version="1.0" encoding="utf-8"?>
+<p:notes xmlns:a="http://schemas.openxmlformats.org/drawingml/2006/main" xmlns:r="http://schemas.openxmlformats.org/officeDocument/2006/relationships" xmlns:p="http://schemas.openxmlformats.org/presentationml/2006/main">
+  <p:cSld>
+    <p:spTree>
+      <p:nvGrpSpPr>
+        <p:cNvPr id="1" name=""/>
+        <p:cNvGrpSpPr/>
+        <p:nvPr/>
+      </p:nvGrpSpPr>
+      <p:grpSpPr>
+        <a:xfrm>
+          <a:off x="0" y="0"/>
+          <a:ext cx="0" cy="0"/>
+          <a:chOff x="0" y="0"/>
+          <a:chExt cx="0" cy="0"/>
+        </a:xfrm>
+      </p:grpSpPr>
+      <p:sp>
+        <p:nvSpPr>
+          <p:cNvPr id="2" name="幻灯片图像占位符 1"/>
+          <p:cNvSpPr>
+            <a:spLocks noGrp="1" noRot="1" noChangeAspect="1"/>
+          </p:cNvSpPr>
+          <p:nvPr>
+            <p:ph type="sldImg"/>
+          </p:nvPr>
+        </p:nvSpPr>
+        <p:spPr>
+          <a:xfrm>
+            <a:off x="139700" y="768350"/>
+            <a:ext cx="6819900" cy="3836988"/>
+          </a:xfrm>
+        </p:spPr>
+      </p:sp>
+      <p:sp>
+        <p:nvSpPr>
+          <p:cNvPr id="3" name="备注占位符 2"/>
+          <p:cNvSpPr>
+            <a:spLocks noGrp="1"/>
+          </p:cNvSpPr>
+          <p:nvPr>
+            <p:ph type="body" idx="1"/>
+          </p:nvPr>
+        </p:nvSpPr>
+        <p:spPr/>
+        <p:txBody>
+          <a:bodyPr/>
+          <a:lstStyle/>
+          <a:p>
+            <a:endParaRPr lang="zh-CN" altLang="en-US" dirty="0"/>
+          </a:p>
+        </p:txBody>
+      </p:sp>
+      <p:sp>
+        <p:nvSpPr>
+          <p:cNvPr id="4" name="灯片编号占位符 3"/>
+          <p:cNvSpPr>
+            <a:spLocks noGrp="1"/>
+          </p:cNvSpPr>
+          <p:nvPr>
+            <p:ph type="sldNum" sz="quarter" idx="10"/>
+          </p:nvPr>
+        </p:nvSpPr>
+        <p:spPr/>
+        <p:txBody>
+          <a:bodyPr/>
+          <a:lstStyle/>
+          <a:p>
+            <a:pPr>
+              <a:defRPr/>
+            </a:pPr>
+            <a:fld id="{3B54E8E1-5FB2-4DE1-888D-4C9792C8894E}" type="slidenum">
+              <a:rPr lang="zh-CN" altLang="en-US" smtClean="0"/>
+              <a:pPr>
+                <a:defRPr/>
+              </a:pPr>
+              <a:t>30</a:t>
+            </a:fld>
+            <a:endParaRPr lang="zh-CN" altLang="en-US"/>
+          </a:p>
+        </p:txBody>
+      </p:sp>
+    </p:spTree>
+    <p:extLst>
+      <p:ext uri="{BB962C8B-B14F-4D97-AF65-F5344CB8AC3E}">
+        <p14:creationId xmlns:p14="http://schemas.microsoft.com/office/powerpoint/2010/main" val="3492311271"/>
       </p:ext>
     </p:extLst>
   </p:cSld>
@@ -2281,6 +3133,679 @@
     <p:extLst>
       <p:ext uri="{BB962C8B-B14F-4D97-AF65-F5344CB8AC3E}">
         <p14:creationId xmlns:p14="http://schemas.microsoft.com/office/powerpoint/2010/main" val="1322485818"/>
+      </p:ext>
+    </p:extLst>
+  </p:cSld>
+  <p:clrMapOvr>
+    <a:masterClrMapping/>
+  </p:clrMapOvr>
+</p:notes>
+</file>
+
+<file path=ppt/notesSlides/notesSlide30.xml><?xml version="1.0" encoding="utf-8"?>
+<p:notes xmlns:a="http://schemas.openxmlformats.org/drawingml/2006/main" xmlns:r="http://schemas.openxmlformats.org/officeDocument/2006/relationships" xmlns:p="http://schemas.openxmlformats.org/presentationml/2006/main">
+  <p:cSld>
+    <p:spTree>
+      <p:nvGrpSpPr>
+        <p:cNvPr id="1" name=""/>
+        <p:cNvGrpSpPr/>
+        <p:nvPr/>
+      </p:nvGrpSpPr>
+      <p:grpSpPr>
+        <a:xfrm>
+          <a:off x="0" y="0"/>
+          <a:ext cx="0" cy="0"/>
+          <a:chOff x="0" y="0"/>
+          <a:chExt cx="0" cy="0"/>
+        </a:xfrm>
+      </p:grpSpPr>
+      <p:sp>
+        <p:nvSpPr>
+          <p:cNvPr id="2" name="幻灯片图像占位符 1"/>
+          <p:cNvSpPr>
+            <a:spLocks noGrp="1" noRot="1" noChangeAspect="1"/>
+          </p:cNvSpPr>
+          <p:nvPr>
+            <p:ph type="sldImg"/>
+          </p:nvPr>
+        </p:nvSpPr>
+        <p:spPr>
+          <a:xfrm>
+            <a:off x="139700" y="768350"/>
+            <a:ext cx="6819900" cy="3836988"/>
+          </a:xfrm>
+        </p:spPr>
+      </p:sp>
+      <p:sp>
+        <p:nvSpPr>
+          <p:cNvPr id="3" name="备注占位符 2"/>
+          <p:cNvSpPr>
+            <a:spLocks noGrp="1"/>
+          </p:cNvSpPr>
+          <p:nvPr>
+            <p:ph type="body" idx="1"/>
+          </p:nvPr>
+        </p:nvSpPr>
+        <p:spPr/>
+        <p:txBody>
+          <a:bodyPr/>
+          <a:lstStyle/>
+          <a:p>
+            <a:endParaRPr lang="zh-CN" altLang="en-US" dirty="0"/>
+          </a:p>
+        </p:txBody>
+      </p:sp>
+      <p:sp>
+        <p:nvSpPr>
+          <p:cNvPr id="4" name="灯片编号占位符 3"/>
+          <p:cNvSpPr>
+            <a:spLocks noGrp="1"/>
+          </p:cNvSpPr>
+          <p:nvPr>
+            <p:ph type="sldNum" sz="quarter" idx="10"/>
+          </p:nvPr>
+        </p:nvSpPr>
+        <p:spPr/>
+        <p:txBody>
+          <a:bodyPr/>
+          <a:lstStyle/>
+          <a:p>
+            <a:pPr>
+              <a:defRPr/>
+            </a:pPr>
+            <a:fld id="{3B54E8E1-5FB2-4DE1-888D-4C9792C8894E}" type="slidenum">
+              <a:rPr lang="zh-CN" altLang="en-US" smtClean="0"/>
+              <a:pPr>
+                <a:defRPr/>
+              </a:pPr>
+              <a:t>31</a:t>
+            </a:fld>
+            <a:endParaRPr lang="zh-CN" altLang="en-US"/>
+          </a:p>
+        </p:txBody>
+      </p:sp>
+    </p:spTree>
+    <p:extLst>
+      <p:ext uri="{BB962C8B-B14F-4D97-AF65-F5344CB8AC3E}">
+        <p14:creationId xmlns:p14="http://schemas.microsoft.com/office/powerpoint/2010/main" val="2788367039"/>
+      </p:ext>
+    </p:extLst>
+  </p:cSld>
+  <p:clrMapOvr>
+    <a:masterClrMapping/>
+  </p:clrMapOvr>
+</p:notes>
+</file>
+
+<file path=ppt/notesSlides/notesSlide31.xml><?xml version="1.0" encoding="utf-8"?>
+<p:notes xmlns:a="http://schemas.openxmlformats.org/drawingml/2006/main" xmlns:r="http://schemas.openxmlformats.org/officeDocument/2006/relationships" xmlns:p="http://schemas.openxmlformats.org/presentationml/2006/main">
+  <p:cSld>
+    <p:spTree>
+      <p:nvGrpSpPr>
+        <p:cNvPr id="1" name=""/>
+        <p:cNvGrpSpPr/>
+        <p:nvPr/>
+      </p:nvGrpSpPr>
+      <p:grpSpPr>
+        <a:xfrm>
+          <a:off x="0" y="0"/>
+          <a:ext cx="0" cy="0"/>
+          <a:chOff x="0" y="0"/>
+          <a:chExt cx="0" cy="0"/>
+        </a:xfrm>
+      </p:grpSpPr>
+      <p:sp>
+        <p:nvSpPr>
+          <p:cNvPr id="2" name="Slide Image Placeholder 1"/>
+          <p:cNvSpPr>
+            <a:spLocks noGrp="1" noRot="1" noChangeAspect="1"/>
+          </p:cNvSpPr>
+          <p:nvPr>
+            <p:ph type="sldImg"/>
+          </p:nvPr>
+        </p:nvSpPr>
+        <p:spPr>
+          <a:xfrm>
+            <a:off x="139700" y="768350"/>
+            <a:ext cx="6819900" cy="3836988"/>
+          </a:xfrm>
+        </p:spPr>
+      </p:sp>
+      <p:sp>
+        <p:nvSpPr>
+          <p:cNvPr id="3" name="Notes Placeholder 2"/>
+          <p:cNvSpPr>
+            <a:spLocks noGrp="1"/>
+          </p:cNvSpPr>
+          <p:nvPr>
+            <p:ph type="body" idx="1"/>
+          </p:nvPr>
+        </p:nvSpPr>
+        <p:spPr/>
+        <p:txBody>
+          <a:bodyPr/>
+          <a:lstStyle/>
+          <a:p>
+            <a:r>
+              <a:rPr lang="en-US" dirty="0"/>
+              <a:t>Sub-word Parallel means a multiplier can be divided into several small multipliers to boost the </a:t>
+            </a:r>
+            <a:r>
+              <a:rPr lang="en-US" dirty="0" err="1"/>
+              <a:t>throughtpu</a:t>
+            </a:r>
+            <a:endParaRPr lang="en-US" dirty="0"/>
+          </a:p>
+        </p:txBody>
+      </p:sp>
+      <p:sp>
+        <p:nvSpPr>
+          <p:cNvPr id="4" name="Slide Number Placeholder 3"/>
+          <p:cNvSpPr>
+            <a:spLocks noGrp="1"/>
+          </p:cNvSpPr>
+          <p:nvPr>
+            <p:ph type="sldNum" sz="quarter" idx="10"/>
+          </p:nvPr>
+        </p:nvSpPr>
+        <p:spPr/>
+        <p:txBody>
+          <a:bodyPr/>
+          <a:lstStyle/>
+          <a:p>
+            <a:pPr>
+              <a:defRPr/>
+            </a:pPr>
+            <a:fld id="{3B54E8E1-5FB2-4DE1-888D-4C9792C8894E}" type="slidenum">
+              <a:rPr lang="zh-CN" altLang="en-US" smtClean="0"/>
+              <a:pPr>
+                <a:defRPr/>
+              </a:pPr>
+              <a:t>32</a:t>
+            </a:fld>
+            <a:endParaRPr lang="zh-CN" altLang="en-US"/>
+          </a:p>
+        </p:txBody>
+      </p:sp>
+    </p:spTree>
+    <p:extLst>
+      <p:ext uri="{BB962C8B-B14F-4D97-AF65-F5344CB8AC3E}">
+        <p14:creationId xmlns:p14="http://schemas.microsoft.com/office/powerpoint/2010/main" val="1905333868"/>
+      </p:ext>
+    </p:extLst>
+  </p:cSld>
+  <p:clrMapOvr>
+    <a:masterClrMapping/>
+  </p:clrMapOvr>
+</p:notes>
+</file>
+
+<file path=ppt/notesSlides/notesSlide32.xml><?xml version="1.0" encoding="utf-8"?>
+<p:notes xmlns:a="http://schemas.openxmlformats.org/drawingml/2006/main" xmlns:r="http://schemas.openxmlformats.org/officeDocument/2006/relationships" xmlns:p="http://schemas.openxmlformats.org/presentationml/2006/main">
+  <p:cSld>
+    <p:spTree>
+      <p:nvGrpSpPr>
+        <p:cNvPr id="1" name=""/>
+        <p:cNvGrpSpPr/>
+        <p:nvPr/>
+      </p:nvGrpSpPr>
+      <p:grpSpPr>
+        <a:xfrm>
+          <a:off x="0" y="0"/>
+          <a:ext cx="0" cy="0"/>
+          <a:chOff x="0" y="0"/>
+          <a:chExt cx="0" cy="0"/>
+        </a:xfrm>
+      </p:grpSpPr>
+      <p:sp>
+        <p:nvSpPr>
+          <p:cNvPr id="2" name="幻灯片图像占位符 1"/>
+          <p:cNvSpPr>
+            <a:spLocks noGrp="1" noRot="1" noChangeAspect="1"/>
+          </p:cNvSpPr>
+          <p:nvPr>
+            <p:ph type="sldImg"/>
+          </p:nvPr>
+        </p:nvSpPr>
+        <p:spPr>
+          <a:xfrm>
+            <a:off x="139700" y="768350"/>
+            <a:ext cx="6819900" cy="3836988"/>
+          </a:xfrm>
+        </p:spPr>
+      </p:sp>
+      <p:sp>
+        <p:nvSpPr>
+          <p:cNvPr id="3" name="备注占位符 2"/>
+          <p:cNvSpPr>
+            <a:spLocks noGrp="1"/>
+          </p:cNvSpPr>
+          <p:nvPr>
+            <p:ph type="body" idx="1"/>
+          </p:nvPr>
+        </p:nvSpPr>
+        <p:spPr/>
+        <p:txBody>
+          <a:bodyPr/>
+          <a:lstStyle/>
+          <a:p>
+            <a:endParaRPr lang="zh-CN" altLang="en-US" dirty="0"/>
+          </a:p>
+        </p:txBody>
+      </p:sp>
+      <p:sp>
+        <p:nvSpPr>
+          <p:cNvPr id="4" name="灯片编号占位符 3"/>
+          <p:cNvSpPr>
+            <a:spLocks noGrp="1"/>
+          </p:cNvSpPr>
+          <p:nvPr>
+            <p:ph type="sldNum" sz="quarter" idx="10"/>
+          </p:nvPr>
+        </p:nvSpPr>
+        <p:spPr/>
+        <p:txBody>
+          <a:bodyPr/>
+          <a:lstStyle/>
+          <a:p>
+            <a:pPr>
+              <a:defRPr/>
+            </a:pPr>
+            <a:fld id="{3B54E8E1-5FB2-4DE1-888D-4C9792C8894E}" type="slidenum">
+              <a:rPr lang="zh-CN" altLang="en-US" smtClean="0"/>
+              <a:pPr>
+                <a:defRPr/>
+              </a:pPr>
+              <a:t>33</a:t>
+            </a:fld>
+            <a:endParaRPr lang="zh-CN" altLang="en-US"/>
+          </a:p>
+        </p:txBody>
+      </p:sp>
+    </p:spTree>
+    <p:extLst>
+      <p:ext uri="{BB962C8B-B14F-4D97-AF65-F5344CB8AC3E}">
+        <p14:creationId xmlns:p14="http://schemas.microsoft.com/office/powerpoint/2010/main" val="799529445"/>
+      </p:ext>
+    </p:extLst>
+  </p:cSld>
+  <p:clrMapOvr>
+    <a:masterClrMapping/>
+  </p:clrMapOvr>
+</p:notes>
+</file>
+
+<file path=ppt/notesSlides/notesSlide33.xml><?xml version="1.0" encoding="utf-8"?>
+<p:notes xmlns:a="http://schemas.openxmlformats.org/drawingml/2006/main" xmlns:r="http://schemas.openxmlformats.org/officeDocument/2006/relationships" xmlns:p="http://schemas.openxmlformats.org/presentationml/2006/main">
+  <p:cSld>
+    <p:spTree>
+      <p:nvGrpSpPr>
+        <p:cNvPr id="1" name=""/>
+        <p:cNvGrpSpPr/>
+        <p:nvPr/>
+      </p:nvGrpSpPr>
+      <p:grpSpPr>
+        <a:xfrm>
+          <a:off x="0" y="0"/>
+          <a:ext cx="0" cy="0"/>
+          <a:chOff x="0" y="0"/>
+          <a:chExt cx="0" cy="0"/>
+        </a:xfrm>
+      </p:grpSpPr>
+      <p:sp>
+        <p:nvSpPr>
+          <p:cNvPr id="2" name="幻灯片图像占位符 1"/>
+          <p:cNvSpPr>
+            <a:spLocks noGrp="1" noRot="1" noChangeAspect="1"/>
+          </p:cNvSpPr>
+          <p:nvPr>
+            <p:ph type="sldImg"/>
+          </p:nvPr>
+        </p:nvSpPr>
+        <p:spPr>
+          <a:xfrm>
+            <a:off x="139700" y="768350"/>
+            <a:ext cx="6819900" cy="3836988"/>
+          </a:xfrm>
+        </p:spPr>
+      </p:sp>
+      <p:sp>
+        <p:nvSpPr>
+          <p:cNvPr id="3" name="备注占位符 2"/>
+          <p:cNvSpPr>
+            <a:spLocks noGrp="1"/>
+          </p:cNvSpPr>
+          <p:nvPr>
+            <p:ph type="body" idx="1"/>
+          </p:nvPr>
+        </p:nvSpPr>
+        <p:spPr/>
+        <p:txBody>
+          <a:bodyPr/>
+          <a:lstStyle/>
+          <a:p>
+            <a:endParaRPr lang="zh-CN" altLang="en-US" dirty="0"/>
+          </a:p>
+        </p:txBody>
+      </p:sp>
+      <p:sp>
+        <p:nvSpPr>
+          <p:cNvPr id="4" name="灯片编号占位符 3"/>
+          <p:cNvSpPr>
+            <a:spLocks noGrp="1"/>
+          </p:cNvSpPr>
+          <p:nvPr>
+            <p:ph type="sldNum" sz="quarter" idx="10"/>
+          </p:nvPr>
+        </p:nvSpPr>
+        <p:spPr/>
+        <p:txBody>
+          <a:bodyPr/>
+          <a:lstStyle/>
+          <a:p>
+            <a:pPr>
+              <a:defRPr/>
+            </a:pPr>
+            <a:fld id="{3B54E8E1-5FB2-4DE1-888D-4C9792C8894E}" type="slidenum">
+              <a:rPr lang="zh-CN" altLang="en-US" smtClean="0"/>
+              <a:pPr>
+                <a:defRPr/>
+              </a:pPr>
+              <a:t>34</a:t>
+            </a:fld>
+            <a:endParaRPr lang="zh-CN" altLang="en-US"/>
+          </a:p>
+        </p:txBody>
+      </p:sp>
+    </p:spTree>
+    <p:extLst>
+      <p:ext uri="{BB962C8B-B14F-4D97-AF65-F5344CB8AC3E}">
+        <p14:creationId xmlns:p14="http://schemas.microsoft.com/office/powerpoint/2010/main" val="1026786919"/>
+      </p:ext>
+    </p:extLst>
+  </p:cSld>
+  <p:clrMapOvr>
+    <a:masterClrMapping/>
+  </p:clrMapOvr>
+</p:notes>
+</file>
+
+<file path=ppt/notesSlides/notesSlide34.xml><?xml version="1.0" encoding="utf-8"?>
+<p:notes xmlns:a="http://schemas.openxmlformats.org/drawingml/2006/main" xmlns:r="http://schemas.openxmlformats.org/officeDocument/2006/relationships" xmlns:p="http://schemas.openxmlformats.org/presentationml/2006/main">
+  <p:cSld>
+    <p:spTree>
+      <p:nvGrpSpPr>
+        <p:cNvPr id="1" name=""/>
+        <p:cNvGrpSpPr/>
+        <p:nvPr/>
+      </p:nvGrpSpPr>
+      <p:grpSpPr>
+        <a:xfrm>
+          <a:off x="0" y="0"/>
+          <a:ext cx="0" cy="0"/>
+          <a:chOff x="0" y="0"/>
+          <a:chExt cx="0" cy="0"/>
+        </a:xfrm>
+      </p:grpSpPr>
+      <p:sp>
+        <p:nvSpPr>
+          <p:cNvPr id="2" name="幻灯片图像占位符 1"/>
+          <p:cNvSpPr>
+            <a:spLocks noGrp="1" noRot="1" noChangeAspect="1"/>
+          </p:cNvSpPr>
+          <p:nvPr>
+            <p:ph type="sldImg"/>
+          </p:nvPr>
+        </p:nvSpPr>
+        <p:spPr>
+          <a:xfrm>
+            <a:off x="139700" y="768350"/>
+            <a:ext cx="6819900" cy="3836988"/>
+          </a:xfrm>
+        </p:spPr>
+      </p:sp>
+      <p:sp>
+        <p:nvSpPr>
+          <p:cNvPr id="3" name="备注占位符 2"/>
+          <p:cNvSpPr>
+            <a:spLocks noGrp="1"/>
+          </p:cNvSpPr>
+          <p:nvPr>
+            <p:ph type="body" idx="1"/>
+          </p:nvPr>
+        </p:nvSpPr>
+        <p:spPr/>
+        <p:txBody>
+          <a:bodyPr/>
+          <a:lstStyle/>
+          <a:p>
+            <a:endParaRPr lang="zh-CN" altLang="en-US" dirty="0"/>
+          </a:p>
+        </p:txBody>
+      </p:sp>
+      <p:sp>
+        <p:nvSpPr>
+          <p:cNvPr id="4" name="灯片编号占位符 3"/>
+          <p:cNvSpPr>
+            <a:spLocks noGrp="1"/>
+          </p:cNvSpPr>
+          <p:nvPr>
+            <p:ph type="sldNum" sz="quarter" idx="10"/>
+          </p:nvPr>
+        </p:nvSpPr>
+        <p:spPr/>
+        <p:txBody>
+          <a:bodyPr/>
+          <a:lstStyle/>
+          <a:p>
+            <a:pPr>
+              <a:defRPr/>
+            </a:pPr>
+            <a:fld id="{3B54E8E1-5FB2-4DE1-888D-4C9792C8894E}" type="slidenum">
+              <a:rPr lang="zh-CN" altLang="en-US" smtClean="0"/>
+              <a:pPr>
+                <a:defRPr/>
+              </a:pPr>
+              <a:t>35</a:t>
+            </a:fld>
+            <a:endParaRPr lang="zh-CN" altLang="en-US"/>
+          </a:p>
+        </p:txBody>
+      </p:sp>
+    </p:spTree>
+    <p:extLst>
+      <p:ext uri="{BB962C8B-B14F-4D97-AF65-F5344CB8AC3E}">
+        <p14:creationId xmlns:p14="http://schemas.microsoft.com/office/powerpoint/2010/main" val="1310658398"/>
+      </p:ext>
+    </p:extLst>
+  </p:cSld>
+  <p:clrMapOvr>
+    <a:masterClrMapping/>
+  </p:clrMapOvr>
+</p:notes>
+</file>
+
+<file path=ppt/notesSlides/notesSlide35.xml><?xml version="1.0" encoding="utf-8"?>
+<p:notes xmlns:a="http://schemas.openxmlformats.org/drawingml/2006/main" xmlns:r="http://schemas.openxmlformats.org/officeDocument/2006/relationships" xmlns:p="http://schemas.openxmlformats.org/presentationml/2006/main">
+  <p:cSld>
+    <p:spTree>
+      <p:nvGrpSpPr>
+        <p:cNvPr id="1" name=""/>
+        <p:cNvGrpSpPr/>
+        <p:nvPr/>
+      </p:nvGrpSpPr>
+      <p:grpSpPr>
+        <a:xfrm>
+          <a:off x="0" y="0"/>
+          <a:ext cx="0" cy="0"/>
+          <a:chOff x="0" y="0"/>
+          <a:chExt cx="0" cy="0"/>
+        </a:xfrm>
+      </p:grpSpPr>
+      <p:sp>
+        <p:nvSpPr>
+          <p:cNvPr id="2" name="幻灯片图像占位符 1"/>
+          <p:cNvSpPr>
+            <a:spLocks noGrp="1" noRot="1" noChangeAspect="1"/>
+          </p:cNvSpPr>
+          <p:nvPr>
+            <p:ph type="sldImg"/>
+          </p:nvPr>
+        </p:nvSpPr>
+        <p:spPr>
+          <a:xfrm>
+            <a:off x="139700" y="768350"/>
+            <a:ext cx="6819900" cy="3836988"/>
+          </a:xfrm>
+        </p:spPr>
+      </p:sp>
+      <p:sp>
+        <p:nvSpPr>
+          <p:cNvPr id="3" name="备注占位符 2"/>
+          <p:cNvSpPr>
+            <a:spLocks noGrp="1"/>
+          </p:cNvSpPr>
+          <p:nvPr>
+            <p:ph type="body" idx="1"/>
+          </p:nvPr>
+        </p:nvSpPr>
+        <p:spPr/>
+        <p:txBody>
+          <a:bodyPr/>
+          <a:lstStyle/>
+          <a:p>
+            <a:endParaRPr lang="zh-CN" altLang="en-US" dirty="0"/>
+          </a:p>
+        </p:txBody>
+      </p:sp>
+      <p:sp>
+        <p:nvSpPr>
+          <p:cNvPr id="4" name="灯片编号占位符 3"/>
+          <p:cNvSpPr>
+            <a:spLocks noGrp="1"/>
+          </p:cNvSpPr>
+          <p:nvPr>
+            <p:ph type="sldNum" sz="quarter" idx="10"/>
+          </p:nvPr>
+        </p:nvSpPr>
+        <p:spPr/>
+        <p:txBody>
+          <a:bodyPr/>
+          <a:lstStyle/>
+          <a:p>
+            <a:pPr>
+              <a:defRPr/>
+            </a:pPr>
+            <a:fld id="{3B54E8E1-5FB2-4DE1-888D-4C9792C8894E}" type="slidenum">
+              <a:rPr lang="zh-CN" altLang="en-US" smtClean="0"/>
+              <a:pPr>
+                <a:defRPr/>
+              </a:pPr>
+              <a:t>36</a:t>
+            </a:fld>
+            <a:endParaRPr lang="zh-CN" altLang="en-US"/>
+          </a:p>
+        </p:txBody>
+      </p:sp>
+    </p:spTree>
+    <p:extLst>
+      <p:ext uri="{BB962C8B-B14F-4D97-AF65-F5344CB8AC3E}">
+        <p14:creationId xmlns:p14="http://schemas.microsoft.com/office/powerpoint/2010/main" val="1966131540"/>
+      </p:ext>
+    </p:extLst>
+  </p:cSld>
+  <p:clrMapOvr>
+    <a:masterClrMapping/>
+  </p:clrMapOvr>
+</p:notes>
+</file>
+
+<file path=ppt/notesSlides/notesSlide36.xml><?xml version="1.0" encoding="utf-8"?>
+<p:notes xmlns:a="http://schemas.openxmlformats.org/drawingml/2006/main" xmlns:r="http://schemas.openxmlformats.org/officeDocument/2006/relationships" xmlns:p="http://schemas.openxmlformats.org/presentationml/2006/main">
+  <p:cSld>
+    <p:spTree>
+      <p:nvGrpSpPr>
+        <p:cNvPr id="1" name=""/>
+        <p:cNvGrpSpPr/>
+        <p:nvPr/>
+      </p:nvGrpSpPr>
+      <p:grpSpPr>
+        <a:xfrm>
+          <a:off x="0" y="0"/>
+          <a:ext cx="0" cy="0"/>
+          <a:chOff x="0" y="0"/>
+          <a:chExt cx="0" cy="0"/>
+        </a:xfrm>
+      </p:grpSpPr>
+      <p:sp>
+        <p:nvSpPr>
+          <p:cNvPr id="2" name="幻灯片图像占位符 1"/>
+          <p:cNvSpPr>
+            <a:spLocks noGrp="1" noRot="1" noChangeAspect="1"/>
+          </p:cNvSpPr>
+          <p:nvPr>
+            <p:ph type="sldImg"/>
+          </p:nvPr>
+        </p:nvSpPr>
+        <p:spPr>
+          <a:xfrm>
+            <a:off x="139700" y="768350"/>
+            <a:ext cx="6819900" cy="3836988"/>
+          </a:xfrm>
+        </p:spPr>
+      </p:sp>
+      <p:sp>
+        <p:nvSpPr>
+          <p:cNvPr id="3" name="备注占位符 2"/>
+          <p:cNvSpPr>
+            <a:spLocks noGrp="1"/>
+          </p:cNvSpPr>
+          <p:nvPr>
+            <p:ph type="body" idx="1"/>
+          </p:nvPr>
+        </p:nvSpPr>
+        <p:spPr/>
+        <p:txBody>
+          <a:bodyPr/>
+          <a:lstStyle/>
+          <a:p>
+            <a:endParaRPr lang="zh-CN" altLang="en-US" dirty="0"/>
+          </a:p>
+        </p:txBody>
+      </p:sp>
+      <p:sp>
+        <p:nvSpPr>
+          <p:cNvPr id="4" name="灯片编号占位符 3"/>
+          <p:cNvSpPr>
+            <a:spLocks noGrp="1"/>
+          </p:cNvSpPr>
+          <p:nvPr>
+            <p:ph type="sldNum" sz="quarter" idx="10"/>
+          </p:nvPr>
+        </p:nvSpPr>
+        <p:spPr/>
+        <p:txBody>
+          <a:bodyPr/>
+          <a:lstStyle/>
+          <a:p>
+            <a:pPr>
+              <a:defRPr/>
+            </a:pPr>
+            <a:fld id="{3B54E8E1-5FB2-4DE1-888D-4C9792C8894E}" type="slidenum">
+              <a:rPr lang="zh-CN" altLang="en-US" smtClean="0"/>
+              <a:pPr>
+                <a:defRPr/>
+              </a:pPr>
+              <a:t>37</a:t>
+            </a:fld>
+            <a:endParaRPr lang="zh-CN" altLang="en-US"/>
+          </a:p>
+        </p:txBody>
+      </p:sp>
+    </p:spTree>
+    <p:extLst>
+      <p:ext uri="{BB962C8B-B14F-4D97-AF65-F5344CB8AC3E}">
+        <p14:creationId xmlns:p14="http://schemas.microsoft.com/office/powerpoint/2010/main" val="688736378"/>
       </p:ext>
     </p:extLst>
   </p:cSld>
@@ -18839,658 +20364,6 @@
       </p:grpSpPr>
       <p:sp>
         <p:nvSpPr>
-          <p:cNvPr id="4" name="灯片编号占位符 3"/>
-          <p:cNvSpPr>
-            <a:spLocks noGrp="1"/>
-          </p:cNvSpPr>
-          <p:nvPr>
-            <p:ph type="sldNum" sz="quarter" idx="12"/>
-          </p:nvPr>
-        </p:nvSpPr>
-        <p:spPr/>
-        <p:txBody>
-          <a:bodyPr/>
-          <a:lstStyle/>
-          <a:p>
-            <a:pPr>
-              <a:defRPr/>
-            </a:pPr>
-            <a:fld id="{5F2A2E64-0435-4335-8CCE-EE46D16D8B12}" type="slidenum">
-              <a:rPr lang="zh-CN" altLang="en-US" smtClean="0"/>
-              <a:pPr>
-                <a:defRPr/>
-              </a:pPr>
-              <a:t>12</a:t>
-            </a:fld>
-            <a:endParaRPr lang="zh-CN" altLang="en-US" dirty="0"/>
-          </a:p>
-        </p:txBody>
-      </p:sp>
-      <p:sp>
-        <p:nvSpPr>
-          <p:cNvPr id="6" name="标题 2"/>
-          <p:cNvSpPr>
-            <a:spLocks noGrp="1"/>
-          </p:cNvSpPr>
-          <p:nvPr>
-            <p:ph type="title"/>
-          </p:nvPr>
-        </p:nvSpPr>
-        <p:spPr>
-          <a:xfrm>
-            <a:off x="3503712" y="260648"/>
-            <a:ext cx="5760640" cy="418058"/>
-          </a:xfrm>
-        </p:spPr>
-        <p:txBody>
-          <a:bodyPr>
-            <a:noAutofit/>
-          </a:bodyPr>
-          <a:lstStyle/>
-          <a:p>
-            <a:pPr algn="ctr"/>
-            <a:r>
-              <a:rPr lang="en-US" altLang="zh-CN" b="1" dirty="0">
-                <a:solidFill>
-                  <a:schemeClr val="bg1"/>
-                </a:solidFill>
-                <a:latin typeface="+mn-lt"/>
-              </a:rPr>
-              <a:t>Basic Concepts</a:t>
-            </a:r>
-            <a:endParaRPr lang="zh-CN" altLang="en-US" b="1" dirty="0">
-              <a:solidFill>
-                <a:schemeClr val="bg1"/>
-              </a:solidFill>
-              <a:latin typeface="+mn-lt"/>
-            </a:endParaRPr>
-          </a:p>
-        </p:txBody>
-      </p:sp>
-      <p:sp>
-        <p:nvSpPr>
-          <p:cNvPr id="5" name="内容占位符 4">
-            <a:extLst>
-              <a:ext uri="{FF2B5EF4-FFF2-40B4-BE49-F238E27FC236}">
-                <a16:creationId xmlns:a16="http://schemas.microsoft.com/office/drawing/2014/main" id="{D1F876F4-09C8-43EB-9898-EEB3AE25C516}"/>
-              </a:ext>
-            </a:extLst>
-          </p:cNvPr>
-          <p:cNvSpPr>
-            <a:spLocks noGrp="1"/>
-          </p:cNvSpPr>
-          <p:nvPr>
-            <p:ph idx="1"/>
-          </p:nvPr>
-        </p:nvSpPr>
-        <p:spPr/>
-        <p:txBody>
-          <a:bodyPr>
-            <a:normAutofit fontScale="92500" lnSpcReduction="20000"/>
-          </a:bodyPr>
-          <a:lstStyle/>
-          <a:p>
-            <a:pPr>
-              <a:lnSpc>
-                <a:spcPct val="125000"/>
-              </a:lnSpc>
-            </a:pPr>
-            <a:r>
-              <a:rPr lang="en-US" altLang="zh-CN" sz="2400" dirty="0"/>
-              <a:t>Git </a:t>
-            </a:r>
-            <a:r>
-              <a:rPr lang="zh-CN" altLang="en-US" sz="2400" dirty="0"/>
-              <a:t>的基本概念</a:t>
-            </a:r>
-            <a:endParaRPr lang="en-US" altLang="zh-CN" sz="2400" dirty="0"/>
-          </a:p>
-          <a:p>
-            <a:pPr lvl="1">
-              <a:lnSpc>
-                <a:spcPct val="125000"/>
-              </a:lnSpc>
-            </a:pPr>
-            <a:r>
-              <a:rPr lang="zh-CN" altLang="en-US" sz="2000" b="1" dirty="0"/>
-              <a:t>工作区（</a:t>
-            </a:r>
-            <a:r>
-              <a:rPr lang="en-US" altLang="zh-CN" sz="2000" b="1" dirty="0"/>
-              <a:t>working directory</a:t>
-            </a:r>
-            <a:r>
-              <a:rPr lang="zh-CN" altLang="en-US" sz="2000" b="1" dirty="0"/>
-              <a:t>）</a:t>
-            </a:r>
-            <a:endParaRPr lang="en-US" altLang="zh-CN" sz="2000" b="1" dirty="0"/>
-          </a:p>
-          <a:p>
-            <a:pPr lvl="1">
-              <a:lnSpc>
-                <a:spcPct val="125000"/>
-              </a:lnSpc>
-            </a:pPr>
-            <a:r>
-              <a:rPr lang="zh-CN" altLang="en-US" sz="2000" b="1" dirty="0"/>
-              <a:t>暂存区（</a:t>
-            </a:r>
-            <a:r>
-              <a:rPr lang="en-US" altLang="zh-CN" sz="2000" b="1" dirty="0"/>
-              <a:t>staging area, index</a:t>
-            </a:r>
-            <a:r>
-              <a:rPr lang="zh-CN" altLang="en-US" sz="2000" b="1" dirty="0"/>
-              <a:t>）</a:t>
-            </a:r>
-            <a:endParaRPr lang="en-US" altLang="zh-CN" sz="2000" b="1" dirty="0"/>
-          </a:p>
-          <a:p>
-            <a:pPr lvl="1">
-              <a:lnSpc>
-                <a:spcPct val="125000"/>
-              </a:lnSpc>
-            </a:pPr>
-            <a:r>
-              <a:rPr lang="zh-CN" altLang="en-US" sz="2000" b="1" dirty="0"/>
-              <a:t>本地仓库（</a:t>
-            </a:r>
-            <a:r>
-              <a:rPr lang="en-US" altLang="zh-CN" sz="2000" b="1" dirty="0"/>
-              <a:t>local repo</a:t>
-            </a:r>
-            <a:r>
-              <a:rPr lang="zh-CN" altLang="en-US" sz="2000" b="1" dirty="0"/>
-              <a:t>）</a:t>
-            </a:r>
-            <a:endParaRPr lang="en-US" altLang="zh-CN" sz="2000" b="1" dirty="0"/>
-          </a:p>
-          <a:p>
-            <a:pPr lvl="1">
-              <a:lnSpc>
-                <a:spcPct val="125000"/>
-              </a:lnSpc>
-            </a:pPr>
-            <a:r>
-              <a:rPr lang="zh-CN" altLang="en-US" sz="2000" dirty="0"/>
-              <a:t>远程仓库（</a:t>
-            </a:r>
-            <a:r>
-              <a:rPr lang="en-US" altLang="zh-CN" sz="2000" dirty="0"/>
-              <a:t>remote repo</a:t>
-            </a:r>
-            <a:r>
-              <a:rPr lang="zh-CN" altLang="en-US" sz="2000" dirty="0"/>
-              <a:t>）</a:t>
-            </a:r>
-            <a:endParaRPr lang="en-US" altLang="zh-CN" sz="2000" dirty="0"/>
-          </a:p>
-          <a:p>
-            <a:pPr>
-              <a:lnSpc>
-                <a:spcPct val="125000"/>
-              </a:lnSpc>
-            </a:pPr>
-            <a:r>
-              <a:rPr lang="zh-CN" altLang="en-US" sz="2400" dirty="0"/>
-              <a:t>高频命令</a:t>
-            </a:r>
-            <a:endParaRPr lang="en-US" altLang="zh-CN" sz="2400" dirty="0"/>
-          </a:p>
-          <a:p>
-            <a:pPr lvl="1">
-              <a:lnSpc>
-                <a:spcPct val="125000"/>
-              </a:lnSpc>
-            </a:pPr>
-            <a:r>
-              <a:rPr lang="en-US" altLang="zh-CN" sz="2000" b="1" dirty="0"/>
-              <a:t>$ git add</a:t>
-            </a:r>
-          </a:p>
-          <a:p>
-            <a:pPr lvl="1">
-              <a:lnSpc>
-                <a:spcPct val="125000"/>
-              </a:lnSpc>
-            </a:pPr>
-            <a:r>
-              <a:rPr lang="en-US" altLang="zh-CN" sz="2000" b="1" dirty="0"/>
-              <a:t>$ git commit</a:t>
-            </a:r>
-          </a:p>
-          <a:p>
-            <a:pPr lvl="1">
-              <a:lnSpc>
-                <a:spcPct val="125000"/>
-              </a:lnSpc>
-            </a:pPr>
-            <a:r>
-              <a:rPr lang="en-US" altLang="zh-CN" sz="2000" dirty="0"/>
-              <a:t>$ git push</a:t>
-            </a:r>
-          </a:p>
-          <a:p>
-            <a:pPr lvl="1">
-              <a:lnSpc>
-                <a:spcPct val="125000"/>
-              </a:lnSpc>
-            </a:pPr>
-            <a:r>
-              <a:rPr lang="en-US" altLang="zh-CN" sz="2000" dirty="0"/>
-              <a:t>$ git pull</a:t>
-            </a:r>
-          </a:p>
-          <a:p>
-            <a:pPr lvl="1">
-              <a:lnSpc>
-                <a:spcPct val="125000"/>
-              </a:lnSpc>
-            </a:pPr>
-            <a:r>
-              <a:rPr lang="en-US" altLang="zh-CN" sz="2000" dirty="0"/>
-              <a:t>$ git checkout</a:t>
-            </a:r>
-          </a:p>
-        </p:txBody>
-      </p:sp>
-      <p:pic>
-        <p:nvPicPr>
-          <p:cNvPr id="7" name="图片 6">
-            <a:extLst>
-              <a:ext uri="{FF2B5EF4-FFF2-40B4-BE49-F238E27FC236}">
-                <a16:creationId xmlns:a16="http://schemas.microsoft.com/office/drawing/2014/main" id="{6D642C78-EA20-4245-8770-62BF224271F8}"/>
-              </a:ext>
-            </a:extLst>
-          </p:cNvPr>
-          <p:cNvPicPr>
-            <a:picLocks noChangeAspect="1"/>
-          </p:cNvPicPr>
-          <p:nvPr/>
-        </p:nvPicPr>
-        <p:blipFill>
-          <a:blip r:embed="rId3">
-            <a:extLst>
-              <a:ext uri="{28A0092B-C50C-407E-A947-70E740481C1C}">
-                <a14:useLocalDpi xmlns:a14="http://schemas.microsoft.com/office/drawing/2010/main" val="0"/>
-              </a:ext>
-            </a:extLst>
-          </a:blip>
-          <a:stretch>
-            <a:fillRect/>
-          </a:stretch>
-        </p:blipFill>
-        <p:spPr>
-          <a:xfrm>
-            <a:off x="5519936" y="2155018"/>
-            <a:ext cx="5199112" cy="3692551"/>
-          </a:xfrm>
-          <a:prstGeom prst="rect">
-            <a:avLst/>
-          </a:prstGeom>
-        </p:spPr>
-      </p:pic>
-      <p:sp>
-        <p:nvSpPr>
-          <p:cNvPr id="2" name="矩形 1">
-            <a:extLst>
-              <a:ext uri="{FF2B5EF4-FFF2-40B4-BE49-F238E27FC236}">
-                <a16:creationId xmlns:a16="http://schemas.microsoft.com/office/drawing/2014/main" id="{BF8CDA05-C638-48D0-95F2-BCA439EC43EF}"/>
-              </a:ext>
-            </a:extLst>
-          </p:cNvPr>
-          <p:cNvSpPr/>
-          <p:nvPr/>
-        </p:nvSpPr>
-        <p:spPr>
-          <a:xfrm>
-            <a:off x="9048328" y="1975573"/>
-            <a:ext cx="1670720" cy="3871996"/>
-          </a:xfrm>
-          <a:prstGeom prst="rect">
-            <a:avLst/>
-          </a:prstGeom>
-          <a:solidFill>
-            <a:schemeClr val="bg1">
-              <a:alpha val="80000"/>
-            </a:schemeClr>
-          </a:solidFill>
-          <a:ln>
-            <a:noFill/>
-          </a:ln>
-        </p:spPr>
-        <p:style>
-          <a:lnRef idx="2">
-            <a:schemeClr val="accent1">
-              <a:shade val="50000"/>
-            </a:schemeClr>
-          </a:lnRef>
-          <a:fillRef idx="1">
-            <a:schemeClr val="accent1"/>
-          </a:fillRef>
-          <a:effectRef idx="0">
-            <a:schemeClr val="accent1"/>
-          </a:effectRef>
-          <a:fontRef idx="minor">
-            <a:schemeClr val="lt1"/>
-          </a:fontRef>
-        </p:style>
-        <p:txBody>
-          <a:bodyPr rtlCol="0" anchor="ctr"/>
-          <a:lstStyle/>
-          <a:p>
-            <a:pPr algn="ctr"/>
-            <a:endParaRPr lang="zh-CN" altLang="en-US"/>
-          </a:p>
-        </p:txBody>
-      </p:sp>
-    </p:spTree>
-    <p:extLst>
-      <p:ext uri="{BB962C8B-B14F-4D97-AF65-F5344CB8AC3E}">
-        <p14:creationId xmlns:p14="http://schemas.microsoft.com/office/powerpoint/2010/main" val="2816167779"/>
-      </p:ext>
-    </p:extLst>
-  </p:cSld>
-  <p:clrMapOvr>
-    <a:masterClrMapping/>
-  </p:clrMapOvr>
-</p:sld>
-</file>
-
-<file path=ppt/slides/slide13.xml><?xml version="1.0" encoding="utf-8"?>
-<p:sld xmlns:a="http://schemas.openxmlformats.org/drawingml/2006/main" xmlns:r="http://schemas.openxmlformats.org/officeDocument/2006/relationships" xmlns:p="http://schemas.openxmlformats.org/presentationml/2006/main">
-  <p:cSld>
-    <p:spTree>
-      <p:nvGrpSpPr>
-        <p:cNvPr id="1" name=""/>
-        <p:cNvGrpSpPr/>
-        <p:nvPr/>
-      </p:nvGrpSpPr>
-      <p:grpSpPr>
-        <a:xfrm>
-          <a:off x="0" y="0"/>
-          <a:ext cx="0" cy="0"/>
-          <a:chOff x="0" y="0"/>
-          <a:chExt cx="0" cy="0"/>
-        </a:xfrm>
-      </p:grpSpPr>
-      <p:sp>
-        <p:nvSpPr>
-          <p:cNvPr id="4" name="灯片编号占位符 3"/>
-          <p:cNvSpPr>
-            <a:spLocks noGrp="1"/>
-          </p:cNvSpPr>
-          <p:nvPr>
-            <p:ph type="sldNum" sz="quarter" idx="12"/>
-          </p:nvPr>
-        </p:nvSpPr>
-        <p:spPr/>
-        <p:txBody>
-          <a:bodyPr/>
-          <a:lstStyle/>
-          <a:p>
-            <a:pPr>
-              <a:defRPr/>
-            </a:pPr>
-            <a:fld id="{5F2A2E64-0435-4335-8CCE-EE46D16D8B12}" type="slidenum">
-              <a:rPr lang="zh-CN" altLang="en-US" smtClean="0"/>
-              <a:pPr>
-                <a:defRPr/>
-              </a:pPr>
-              <a:t>13</a:t>
-            </a:fld>
-            <a:endParaRPr lang="zh-CN" altLang="en-US" dirty="0"/>
-          </a:p>
-        </p:txBody>
-      </p:sp>
-      <p:sp>
-        <p:nvSpPr>
-          <p:cNvPr id="6" name="标题 2"/>
-          <p:cNvSpPr>
-            <a:spLocks noGrp="1"/>
-          </p:cNvSpPr>
-          <p:nvPr>
-            <p:ph type="title"/>
-          </p:nvPr>
-        </p:nvSpPr>
-        <p:spPr>
-          <a:xfrm>
-            <a:off x="3503712" y="260648"/>
-            <a:ext cx="5760640" cy="418058"/>
-          </a:xfrm>
-        </p:spPr>
-        <p:txBody>
-          <a:bodyPr>
-            <a:noAutofit/>
-          </a:bodyPr>
-          <a:lstStyle/>
-          <a:p>
-            <a:pPr algn="ctr"/>
-            <a:r>
-              <a:rPr lang="en-US" altLang="zh-CN" b="1" dirty="0">
-                <a:solidFill>
-                  <a:schemeClr val="bg1"/>
-                </a:solidFill>
-                <a:latin typeface="+mn-lt"/>
-              </a:rPr>
-              <a:t>Basic Concepts</a:t>
-            </a:r>
-            <a:endParaRPr lang="zh-CN" altLang="en-US" b="1" dirty="0">
-              <a:solidFill>
-                <a:schemeClr val="bg1"/>
-              </a:solidFill>
-              <a:latin typeface="+mn-lt"/>
-            </a:endParaRPr>
-          </a:p>
-        </p:txBody>
-      </p:sp>
-      <p:sp>
-        <p:nvSpPr>
-          <p:cNvPr id="5" name="内容占位符 4">
-            <a:extLst>
-              <a:ext uri="{FF2B5EF4-FFF2-40B4-BE49-F238E27FC236}">
-                <a16:creationId xmlns:a16="http://schemas.microsoft.com/office/drawing/2014/main" id="{D1F876F4-09C8-43EB-9898-EEB3AE25C516}"/>
-              </a:ext>
-            </a:extLst>
-          </p:cNvPr>
-          <p:cNvSpPr>
-            <a:spLocks noGrp="1"/>
-          </p:cNvSpPr>
-          <p:nvPr>
-            <p:ph idx="1"/>
-          </p:nvPr>
-        </p:nvSpPr>
-        <p:spPr/>
-        <p:txBody>
-          <a:bodyPr>
-            <a:normAutofit/>
-          </a:bodyPr>
-          <a:lstStyle/>
-          <a:p>
-            <a:pPr>
-              <a:lnSpc>
-                <a:spcPct val="125000"/>
-              </a:lnSpc>
-            </a:pPr>
-            <a:r>
-              <a:rPr lang="zh-CN" altLang="en-US" sz="2400" dirty="0"/>
-              <a:t>一个完整的本地仓库工作流程</a:t>
-            </a:r>
-            <a:endParaRPr lang="en-US" altLang="zh-CN" sz="2400" dirty="0"/>
-          </a:p>
-          <a:p>
-            <a:pPr lvl="1">
-              <a:lnSpc>
-                <a:spcPct val="125000"/>
-              </a:lnSpc>
-            </a:pPr>
-            <a:r>
-              <a:rPr lang="zh-CN" altLang="en-US" sz="1800" dirty="0"/>
-              <a:t>在根目录或子目录中创建新文件，或更新现有文件。</a:t>
-            </a:r>
-            <a:endParaRPr lang="en-US" altLang="zh-CN" sz="1800" dirty="0"/>
-          </a:p>
-          <a:p>
-            <a:pPr lvl="1">
-              <a:lnSpc>
-                <a:spcPct val="125000"/>
-              </a:lnSpc>
-            </a:pPr>
-            <a:r>
-              <a:rPr lang="zh-CN" altLang="en-US" sz="1800" dirty="0"/>
-              <a:t>对修改后的文件进行快照，然后保存到版本库的暂存区 </a:t>
-            </a:r>
-            <a:r>
-              <a:rPr lang="en-US" altLang="zh-CN" sz="1800" dirty="0"/>
-              <a:t>(stage)</a:t>
-            </a:r>
-          </a:p>
-          <a:p>
-            <a:pPr lvl="1">
-              <a:lnSpc>
-                <a:spcPct val="125000"/>
-              </a:lnSpc>
-            </a:pPr>
-            <a:r>
-              <a:rPr lang="zh-CN" altLang="en-US" sz="1800" dirty="0"/>
-              <a:t>提交更新 </a:t>
-            </a:r>
-            <a:r>
-              <a:rPr lang="en-US" altLang="zh-CN" sz="1800" dirty="0"/>
-              <a:t>(commit)</a:t>
-            </a:r>
-            <a:r>
-              <a:rPr lang="zh-CN" altLang="en-US" sz="1800" dirty="0"/>
-              <a:t>，将保存在暂存区域的文件快照永久转储到 </a:t>
-            </a:r>
-            <a:r>
-              <a:rPr lang="en-US" altLang="zh-CN" sz="1800" dirty="0"/>
-              <a:t>Git </a:t>
-            </a:r>
-            <a:r>
-              <a:rPr lang="zh-CN" altLang="en-US" sz="1800" dirty="0"/>
-              <a:t>目录中</a:t>
-            </a:r>
-            <a:endParaRPr lang="en-US" altLang="zh-CN" sz="1800" dirty="0"/>
-          </a:p>
-          <a:p>
-            <a:pPr>
-              <a:lnSpc>
-                <a:spcPct val="125000"/>
-              </a:lnSpc>
-            </a:pPr>
-            <a:r>
-              <a:rPr lang="zh-CN" altLang="en-US" sz="2200" dirty="0"/>
-              <a:t>举一个醋溜砖头菜谱的栗子</a:t>
-            </a:r>
-            <a:endParaRPr lang="en-US" altLang="zh-CN" sz="2200" dirty="0"/>
-          </a:p>
-        </p:txBody>
-      </p:sp>
-      <p:pic>
-        <p:nvPicPr>
-          <p:cNvPr id="3" name="图片 2">
-            <a:extLst>
-              <a:ext uri="{FF2B5EF4-FFF2-40B4-BE49-F238E27FC236}">
-                <a16:creationId xmlns:a16="http://schemas.microsoft.com/office/drawing/2014/main" id="{4C8A80A9-570D-4A15-A0C0-E49DB2F5B9F7}"/>
-              </a:ext>
-            </a:extLst>
-          </p:cNvPr>
-          <p:cNvPicPr>
-            <a:picLocks noChangeAspect="1"/>
-          </p:cNvPicPr>
-          <p:nvPr/>
-        </p:nvPicPr>
-        <p:blipFill>
-          <a:blip r:embed="rId3">
-            <a:extLst>
-              <a:ext uri="{28A0092B-C50C-407E-A947-70E740481C1C}">
-                <a14:useLocalDpi xmlns:a14="http://schemas.microsoft.com/office/drawing/2010/main" val="0"/>
-              </a:ext>
-            </a:extLst>
-          </a:blip>
-          <a:stretch>
-            <a:fillRect/>
-          </a:stretch>
-        </p:blipFill>
-        <p:spPr>
-          <a:xfrm>
-            <a:off x="6404403" y="3922312"/>
-            <a:ext cx="4362450" cy="2228850"/>
-          </a:xfrm>
-          <a:prstGeom prst="rect">
-            <a:avLst/>
-          </a:prstGeom>
-        </p:spPr>
-      </p:pic>
-      <p:pic>
-        <p:nvPicPr>
-          <p:cNvPr id="7" name="图片 6">
-            <a:extLst>
-              <a:ext uri="{FF2B5EF4-FFF2-40B4-BE49-F238E27FC236}">
-                <a16:creationId xmlns:a16="http://schemas.microsoft.com/office/drawing/2014/main" id="{4CE77530-8058-4440-9CD8-ACAC2B52C832}"/>
-              </a:ext>
-            </a:extLst>
-          </p:cNvPr>
-          <p:cNvPicPr>
-            <a:picLocks noChangeAspect="1"/>
-          </p:cNvPicPr>
-          <p:nvPr/>
-        </p:nvPicPr>
-        <p:blipFill>
-          <a:blip r:embed="rId4">
-            <a:extLst>
-              <a:ext uri="{28A0092B-C50C-407E-A947-70E740481C1C}">
-                <a14:useLocalDpi xmlns:a14="http://schemas.microsoft.com/office/drawing/2010/main" val="0"/>
-              </a:ext>
-            </a:extLst>
-          </a:blip>
-          <a:stretch>
-            <a:fillRect/>
-          </a:stretch>
-        </p:blipFill>
-        <p:spPr>
-          <a:xfrm>
-            <a:off x="1559496" y="4360977"/>
-            <a:ext cx="2866000" cy="1786058"/>
-          </a:xfrm>
-          <a:prstGeom prst="rect">
-            <a:avLst/>
-          </a:prstGeom>
-        </p:spPr>
-      </p:pic>
-    </p:spTree>
-    <p:extLst>
-      <p:ext uri="{BB962C8B-B14F-4D97-AF65-F5344CB8AC3E}">
-        <p14:creationId xmlns:p14="http://schemas.microsoft.com/office/powerpoint/2010/main" val="2882778846"/>
-      </p:ext>
-    </p:extLst>
-  </p:cSld>
-  <p:clrMapOvr>
-    <a:masterClrMapping/>
-  </p:clrMapOvr>
-</p:sld>
-</file>
-
-<file path=ppt/slides/slide14.xml><?xml version="1.0" encoding="utf-8"?>
-<p:sld xmlns:a="http://schemas.openxmlformats.org/drawingml/2006/main" xmlns:r="http://schemas.openxmlformats.org/officeDocument/2006/relationships" xmlns:p="http://schemas.openxmlformats.org/presentationml/2006/main">
-  <p:cSld>
-    <p:spTree>
-      <p:nvGrpSpPr>
-        <p:cNvPr id="1" name=""/>
-        <p:cNvGrpSpPr/>
-        <p:nvPr/>
-      </p:nvGrpSpPr>
-      <p:grpSpPr>
-        <a:xfrm>
-          <a:off x="0" y="0"/>
-          <a:ext cx="0" cy="0"/>
-          <a:chOff x="0" y="0"/>
-          <a:chExt cx="0" cy="0"/>
-        </a:xfrm>
-      </p:grpSpPr>
-      <p:sp>
-        <p:nvSpPr>
           <p:cNvPr id="9" name="内容占位符 8">
             <a:extLst>
               <a:ext uri="{FF2B5EF4-FFF2-40B4-BE49-F238E27FC236}">
@@ -19618,7 +20491,7 @@
               </a:lnSpc>
             </a:pPr>
             <a:r>
-              <a:rPr lang="zh-CN" altLang="en-US" dirty="0">
+              <a:rPr lang="zh-CN" altLang="en-US" b="1" dirty="0">
                 <a:solidFill>
                   <a:schemeClr val="tx1"/>
                 </a:solidFill>
@@ -19627,7 +20500,7 @@
               </a:rPr>
               <a:t>本地仓库</a:t>
             </a:r>
-            <a:endParaRPr lang="en-US" altLang="zh-CN" dirty="0">
+            <a:endParaRPr lang="en-US" altLang="zh-CN" b="1" dirty="0">
               <a:solidFill>
                 <a:schemeClr val="tx1"/>
               </a:solidFill>
@@ -19711,7 +20584,7 @@
               <a:pPr>
                 <a:defRPr/>
               </a:pPr>
-              <a:t>14</a:t>
+              <a:t>12</a:t>
             </a:fld>
             <a:endParaRPr lang="zh-CN" altLang="en-US"/>
           </a:p>
@@ -20002,6 +20875,658 @@
 </p:sld>
 </file>
 
+<file path=ppt/slides/slide13.xml><?xml version="1.0" encoding="utf-8"?>
+<p:sld xmlns:a="http://schemas.openxmlformats.org/drawingml/2006/main" xmlns:r="http://schemas.openxmlformats.org/officeDocument/2006/relationships" xmlns:p="http://schemas.openxmlformats.org/presentationml/2006/main">
+  <p:cSld>
+    <p:spTree>
+      <p:nvGrpSpPr>
+        <p:cNvPr id="1" name=""/>
+        <p:cNvGrpSpPr/>
+        <p:nvPr/>
+      </p:nvGrpSpPr>
+      <p:grpSpPr>
+        <a:xfrm>
+          <a:off x="0" y="0"/>
+          <a:ext cx="0" cy="0"/>
+          <a:chOff x="0" y="0"/>
+          <a:chExt cx="0" cy="0"/>
+        </a:xfrm>
+      </p:grpSpPr>
+      <p:sp>
+        <p:nvSpPr>
+          <p:cNvPr id="4" name="灯片编号占位符 3"/>
+          <p:cNvSpPr>
+            <a:spLocks noGrp="1"/>
+          </p:cNvSpPr>
+          <p:nvPr>
+            <p:ph type="sldNum" sz="quarter" idx="12"/>
+          </p:nvPr>
+        </p:nvSpPr>
+        <p:spPr/>
+        <p:txBody>
+          <a:bodyPr/>
+          <a:lstStyle/>
+          <a:p>
+            <a:pPr>
+              <a:defRPr/>
+            </a:pPr>
+            <a:fld id="{5F2A2E64-0435-4335-8CCE-EE46D16D8B12}" type="slidenum">
+              <a:rPr lang="zh-CN" altLang="en-US" smtClean="0"/>
+              <a:pPr>
+                <a:defRPr/>
+              </a:pPr>
+              <a:t>13</a:t>
+            </a:fld>
+            <a:endParaRPr lang="zh-CN" altLang="en-US" dirty="0"/>
+          </a:p>
+        </p:txBody>
+      </p:sp>
+      <p:sp>
+        <p:nvSpPr>
+          <p:cNvPr id="6" name="标题 2"/>
+          <p:cNvSpPr>
+            <a:spLocks noGrp="1"/>
+          </p:cNvSpPr>
+          <p:nvPr>
+            <p:ph type="title"/>
+          </p:nvPr>
+        </p:nvSpPr>
+        <p:spPr>
+          <a:xfrm>
+            <a:off x="3503712" y="260648"/>
+            <a:ext cx="5760640" cy="418058"/>
+          </a:xfrm>
+        </p:spPr>
+        <p:txBody>
+          <a:bodyPr>
+            <a:noAutofit/>
+          </a:bodyPr>
+          <a:lstStyle/>
+          <a:p>
+            <a:pPr algn="ctr"/>
+            <a:r>
+              <a:rPr lang="en-US" altLang="zh-CN" b="1" dirty="0">
+                <a:solidFill>
+                  <a:schemeClr val="bg1"/>
+                </a:solidFill>
+                <a:latin typeface="+mn-lt"/>
+              </a:rPr>
+              <a:t>Local Repo</a:t>
+            </a:r>
+            <a:endParaRPr lang="zh-CN" altLang="en-US" b="1" dirty="0">
+              <a:solidFill>
+                <a:schemeClr val="bg1"/>
+              </a:solidFill>
+              <a:latin typeface="+mn-lt"/>
+            </a:endParaRPr>
+          </a:p>
+        </p:txBody>
+      </p:sp>
+      <p:sp>
+        <p:nvSpPr>
+          <p:cNvPr id="5" name="内容占位符 4">
+            <a:extLst>
+              <a:ext uri="{FF2B5EF4-FFF2-40B4-BE49-F238E27FC236}">
+                <a16:creationId xmlns:a16="http://schemas.microsoft.com/office/drawing/2014/main" id="{D1F876F4-09C8-43EB-9898-EEB3AE25C516}"/>
+              </a:ext>
+            </a:extLst>
+          </p:cNvPr>
+          <p:cNvSpPr>
+            <a:spLocks noGrp="1"/>
+          </p:cNvSpPr>
+          <p:nvPr>
+            <p:ph idx="1"/>
+          </p:nvPr>
+        </p:nvSpPr>
+        <p:spPr/>
+        <p:txBody>
+          <a:bodyPr>
+            <a:normAutofit fontScale="92500" lnSpcReduction="20000"/>
+          </a:bodyPr>
+          <a:lstStyle/>
+          <a:p>
+            <a:pPr>
+              <a:lnSpc>
+                <a:spcPct val="125000"/>
+              </a:lnSpc>
+            </a:pPr>
+            <a:r>
+              <a:rPr lang="en-US" altLang="zh-CN" sz="2400" dirty="0"/>
+              <a:t>Git </a:t>
+            </a:r>
+            <a:r>
+              <a:rPr lang="zh-CN" altLang="en-US" sz="2400" dirty="0"/>
+              <a:t>的基本概念</a:t>
+            </a:r>
+            <a:endParaRPr lang="en-US" altLang="zh-CN" sz="2400" dirty="0"/>
+          </a:p>
+          <a:p>
+            <a:pPr lvl="1">
+              <a:lnSpc>
+                <a:spcPct val="125000"/>
+              </a:lnSpc>
+            </a:pPr>
+            <a:r>
+              <a:rPr lang="zh-CN" altLang="en-US" sz="2000" b="1" dirty="0"/>
+              <a:t>工作区（</a:t>
+            </a:r>
+            <a:r>
+              <a:rPr lang="en-US" altLang="zh-CN" sz="2000" b="1" dirty="0"/>
+              <a:t>working directory</a:t>
+            </a:r>
+            <a:r>
+              <a:rPr lang="zh-CN" altLang="en-US" sz="2000" b="1" dirty="0"/>
+              <a:t>）</a:t>
+            </a:r>
+            <a:endParaRPr lang="en-US" altLang="zh-CN" sz="2000" b="1" dirty="0"/>
+          </a:p>
+          <a:p>
+            <a:pPr lvl="1">
+              <a:lnSpc>
+                <a:spcPct val="125000"/>
+              </a:lnSpc>
+            </a:pPr>
+            <a:r>
+              <a:rPr lang="zh-CN" altLang="en-US" sz="2000" b="1" dirty="0"/>
+              <a:t>暂存区（</a:t>
+            </a:r>
+            <a:r>
+              <a:rPr lang="en-US" altLang="zh-CN" sz="2000" b="1" dirty="0"/>
+              <a:t>staging area, index</a:t>
+            </a:r>
+            <a:r>
+              <a:rPr lang="zh-CN" altLang="en-US" sz="2000" b="1" dirty="0"/>
+              <a:t>）</a:t>
+            </a:r>
+            <a:endParaRPr lang="en-US" altLang="zh-CN" sz="2000" b="1" dirty="0"/>
+          </a:p>
+          <a:p>
+            <a:pPr lvl="1">
+              <a:lnSpc>
+                <a:spcPct val="125000"/>
+              </a:lnSpc>
+            </a:pPr>
+            <a:r>
+              <a:rPr lang="zh-CN" altLang="en-US" sz="2000" b="1" dirty="0"/>
+              <a:t>本地仓库（</a:t>
+            </a:r>
+            <a:r>
+              <a:rPr lang="en-US" altLang="zh-CN" sz="2000" b="1" dirty="0"/>
+              <a:t>local repo</a:t>
+            </a:r>
+            <a:r>
+              <a:rPr lang="zh-CN" altLang="en-US" sz="2000" b="1" dirty="0"/>
+              <a:t>）</a:t>
+            </a:r>
+            <a:endParaRPr lang="en-US" altLang="zh-CN" sz="2000" b="1" dirty="0"/>
+          </a:p>
+          <a:p>
+            <a:pPr lvl="1">
+              <a:lnSpc>
+                <a:spcPct val="125000"/>
+              </a:lnSpc>
+            </a:pPr>
+            <a:r>
+              <a:rPr lang="zh-CN" altLang="en-US" sz="2000" dirty="0"/>
+              <a:t>远程仓库（</a:t>
+            </a:r>
+            <a:r>
+              <a:rPr lang="en-US" altLang="zh-CN" sz="2000" dirty="0"/>
+              <a:t>remote repo</a:t>
+            </a:r>
+            <a:r>
+              <a:rPr lang="zh-CN" altLang="en-US" sz="2000" dirty="0"/>
+              <a:t>）</a:t>
+            </a:r>
+            <a:endParaRPr lang="en-US" altLang="zh-CN" sz="2000" dirty="0"/>
+          </a:p>
+          <a:p>
+            <a:pPr>
+              <a:lnSpc>
+                <a:spcPct val="125000"/>
+              </a:lnSpc>
+            </a:pPr>
+            <a:r>
+              <a:rPr lang="zh-CN" altLang="en-US" sz="2400" dirty="0"/>
+              <a:t>高频命令</a:t>
+            </a:r>
+            <a:endParaRPr lang="en-US" altLang="zh-CN" sz="2400" dirty="0"/>
+          </a:p>
+          <a:p>
+            <a:pPr lvl="1">
+              <a:lnSpc>
+                <a:spcPct val="125000"/>
+              </a:lnSpc>
+            </a:pPr>
+            <a:r>
+              <a:rPr lang="en-US" altLang="zh-CN" sz="2000" b="1" dirty="0"/>
+              <a:t>$ git add</a:t>
+            </a:r>
+          </a:p>
+          <a:p>
+            <a:pPr lvl="1">
+              <a:lnSpc>
+                <a:spcPct val="125000"/>
+              </a:lnSpc>
+            </a:pPr>
+            <a:r>
+              <a:rPr lang="en-US" altLang="zh-CN" sz="2000" b="1" dirty="0"/>
+              <a:t>$ git commit</a:t>
+            </a:r>
+          </a:p>
+          <a:p>
+            <a:pPr lvl="1">
+              <a:lnSpc>
+                <a:spcPct val="125000"/>
+              </a:lnSpc>
+            </a:pPr>
+            <a:r>
+              <a:rPr lang="en-US" altLang="zh-CN" sz="2000" dirty="0"/>
+              <a:t>$ git push</a:t>
+            </a:r>
+          </a:p>
+          <a:p>
+            <a:pPr lvl="1">
+              <a:lnSpc>
+                <a:spcPct val="125000"/>
+              </a:lnSpc>
+            </a:pPr>
+            <a:r>
+              <a:rPr lang="en-US" altLang="zh-CN" sz="2000" dirty="0"/>
+              <a:t>$ git pull</a:t>
+            </a:r>
+          </a:p>
+          <a:p>
+            <a:pPr lvl="1">
+              <a:lnSpc>
+                <a:spcPct val="125000"/>
+              </a:lnSpc>
+            </a:pPr>
+            <a:r>
+              <a:rPr lang="en-US" altLang="zh-CN" sz="2000" b="1" dirty="0"/>
+              <a:t>$ git checkout</a:t>
+            </a:r>
+          </a:p>
+        </p:txBody>
+      </p:sp>
+      <p:pic>
+        <p:nvPicPr>
+          <p:cNvPr id="7" name="图片 6">
+            <a:extLst>
+              <a:ext uri="{FF2B5EF4-FFF2-40B4-BE49-F238E27FC236}">
+                <a16:creationId xmlns:a16="http://schemas.microsoft.com/office/drawing/2014/main" id="{6D642C78-EA20-4245-8770-62BF224271F8}"/>
+              </a:ext>
+            </a:extLst>
+          </p:cNvPr>
+          <p:cNvPicPr>
+            <a:picLocks noChangeAspect="1"/>
+          </p:cNvPicPr>
+          <p:nvPr/>
+        </p:nvPicPr>
+        <p:blipFill>
+          <a:blip r:embed="rId3">
+            <a:extLst>
+              <a:ext uri="{28A0092B-C50C-407E-A947-70E740481C1C}">
+                <a14:useLocalDpi xmlns:a14="http://schemas.microsoft.com/office/drawing/2010/main" val="0"/>
+              </a:ext>
+            </a:extLst>
+          </a:blip>
+          <a:stretch>
+            <a:fillRect/>
+          </a:stretch>
+        </p:blipFill>
+        <p:spPr>
+          <a:xfrm>
+            <a:off x="5519936" y="2155018"/>
+            <a:ext cx="5199112" cy="3692551"/>
+          </a:xfrm>
+          <a:prstGeom prst="rect">
+            <a:avLst/>
+          </a:prstGeom>
+        </p:spPr>
+      </p:pic>
+      <p:sp>
+        <p:nvSpPr>
+          <p:cNvPr id="2" name="矩形 1">
+            <a:extLst>
+              <a:ext uri="{FF2B5EF4-FFF2-40B4-BE49-F238E27FC236}">
+                <a16:creationId xmlns:a16="http://schemas.microsoft.com/office/drawing/2014/main" id="{BF8CDA05-C638-48D0-95F2-BCA439EC43EF}"/>
+              </a:ext>
+            </a:extLst>
+          </p:cNvPr>
+          <p:cNvSpPr/>
+          <p:nvPr/>
+        </p:nvSpPr>
+        <p:spPr>
+          <a:xfrm>
+            <a:off x="9048328" y="1975573"/>
+            <a:ext cx="1670720" cy="3871996"/>
+          </a:xfrm>
+          <a:prstGeom prst="rect">
+            <a:avLst/>
+          </a:prstGeom>
+          <a:solidFill>
+            <a:schemeClr val="bg1">
+              <a:alpha val="80000"/>
+            </a:schemeClr>
+          </a:solidFill>
+          <a:ln>
+            <a:noFill/>
+          </a:ln>
+        </p:spPr>
+        <p:style>
+          <a:lnRef idx="2">
+            <a:schemeClr val="accent1">
+              <a:shade val="50000"/>
+            </a:schemeClr>
+          </a:lnRef>
+          <a:fillRef idx="1">
+            <a:schemeClr val="accent1"/>
+          </a:fillRef>
+          <a:effectRef idx="0">
+            <a:schemeClr val="accent1"/>
+          </a:effectRef>
+          <a:fontRef idx="minor">
+            <a:schemeClr val="lt1"/>
+          </a:fontRef>
+        </p:style>
+        <p:txBody>
+          <a:bodyPr rtlCol="0" anchor="ctr"/>
+          <a:lstStyle/>
+          <a:p>
+            <a:pPr algn="ctr"/>
+            <a:endParaRPr lang="zh-CN" altLang="en-US"/>
+          </a:p>
+        </p:txBody>
+      </p:sp>
+    </p:spTree>
+    <p:extLst>
+      <p:ext uri="{BB962C8B-B14F-4D97-AF65-F5344CB8AC3E}">
+        <p14:creationId xmlns:p14="http://schemas.microsoft.com/office/powerpoint/2010/main" val="2816167779"/>
+      </p:ext>
+    </p:extLst>
+  </p:cSld>
+  <p:clrMapOvr>
+    <a:masterClrMapping/>
+  </p:clrMapOvr>
+</p:sld>
+</file>
+
+<file path=ppt/slides/slide14.xml><?xml version="1.0" encoding="utf-8"?>
+<p:sld xmlns:a="http://schemas.openxmlformats.org/drawingml/2006/main" xmlns:r="http://schemas.openxmlformats.org/officeDocument/2006/relationships" xmlns:p="http://schemas.openxmlformats.org/presentationml/2006/main">
+  <p:cSld>
+    <p:spTree>
+      <p:nvGrpSpPr>
+        <p:cNvPr id="1" name=""/>
+        <p:cNvGrpSpPr/>
+        <p:nvPr/>
+      </p:nvGrpSpPr>
+      <p:grpSpPr>
+        <a:xfrm>
+          <a:off x="0" y="0"/>
+          <a:ext cx="0" cy="0"/>
+          <a:chOff x="0" y="0"/>
+          <a:chExt cx="0" cy="0"/>
+        </a:xfrm>
+      </p:grpSpPr>
+      <p:sp>
+        <p:nvSpPr>
+          <p:cNvPr id="4" name="灯片编号占位符 3"/>
+          <p:cNvSpPr>
+            <a:spLocks noGrp="1"/>
+          </p:cNvSpPr>
+          <p:nvPr>
+            <p:ph type="sldNum" sz="quarter" idx="12"/>
+          </p:nvPr>
+        </p:nvSpPr>
+        <p:spPr/>
+        <p:txBody>
+          <a:bodyPr/>
+          <a:lstStyle/>
+          <a:p>
+            <a:pPr>
+              <a:defRPr/>
+            </a:pPr>
+            <a:fld id="{5F2A2E64-0435-4335-8CCE-EE46D16D8B12}" type="slidenum">
+              <a:rPr lang="zh-CN" altLang="en-US" smtClean="0"/>
+              <a:pPr>
+                <a:defRPr/>
+              </a:pPr>
+              <a:t>14</a:t>
+            </a:fld>
+            <a:endParaRPr lang="zh-CN" altLang="en-US" dirty="0"/>
+          </a:p>
+        </p:txBody>
+      </p:sp>
+      <p:sp>
+        <p:nvSpPr>
+          <p:cNvPr id="6" name="标题 2"/>
+          <p:cNvSpPr>
+            <a:spLocks noGrp="1"/>
+          </p:cNvSpPr>
+          <p:nvPr>
+            <p:ph type="title"/>
+          </p:nvPr>
+        </p:nvSpPr>
+        <p:spPr>
+          <a:xfrm>
+            <a:off x="3503712" y="260648"/>
+            <a:ext cx="5760640" cy="418058"/>
+          </a:xfrm>
+        </p:spPr>
+        <p:txBody>
+          <a:bodyPr>
+            <a:noAutofit/>
+          </a:bodyPr>
+          <a:lstStyle/>
+          <a:p>
+            <a:pPr algn="ctr"/>
+            <a:r>
+              <a:rPr lang="en-US" altLang="zh-CN" b="1" dirty="0">
+                <a:solidFill>
+                  <a:schemeClr val="bg1"/>
+                </a:solidFill>
+                <a:latin typeface="+mn-lt"/>
+              </a:rPr>
+              <a:t>Local Repo</a:t>
+            </a:r>
+            <a:endParaRPr lang="zh-CN" altLang="en-US" b="1" dirty="0">
+              <a:solidFill>
+                <a:schemeClr val="bg1"/>
+              </a:solidFill>
+              <a:latin typeface="+mn-lt"/>
+            </a:endParaRPr>
+          </a:p>
+        </p:txBody>
+      </p:sp>
+      <p:sp>
+        <p:nvSpPr>
+          <p:cNvPr id="5" name="内容占位符 4">
+            <a:extLst>
+              <a:ext uri="{FF2B5EF4-FFF2-40B4-BE49-F238E27FC236}">
+                <a16:creationId xmlns:a16="http://schemas.microsoft.com/office/drawing/2014/main" id="{D1F876F4-09C8-43EB-9898-EEB3AE25C516}"/>
+              </a:ext>
+            </a:extLst>
+          </p:cNvPr>
+          <p:cNvSpPr>
+            <a:spLocks noGrp="1"/>
+          </p:cNvSpPr>
+          <p:nvPr>
+            <p:ph idx="1"/>
+          </p:nvPr>
+        </p:nvSpPr>
+        <p:spPr/>
+        <p:txBody>
+          <a:bodyPr>
+            <a:normAutofit/>
+          </a:bodyPr>
+          <a:lstStyle/>
+          <a:p>
+            <a:pPr>
+              <a:lnSpc>
+                <a:spcPct val="125000"/>
+              </a:lnSpc>
+            </a:pPr>
+            <a:r>
+              <a:rPr lang="zh-CN" altLang="en-US" sz="2400" dirty="0"/>
+              <a:t>一个完整的本地仓库工作流程</a:t>
+            </a:r>
+            <a:endParaRPr lang="en-US" altLang="zh-CN" sz="2400" dirty="0"/>
+          </a:p>
+          <a:p>
+            <a:pPr lvl="1">
+              <a:lnSpc>
+                <a:spcPct val="125000"/>
+              </a:lnSpc>
+            </a:pPr>
+            <a:r>
+              <a:rPr lang="zh-CN" altLang="en-US" sz="1800" dirty="0"/>
+              <a:t>在根目录或子目录中创建新文件，或更新现有文件。</a:t>
+            </a:r>
+            <a:endParaRPr lang="en-US" altLang="zh-CN" sz="1800" dirty="0"/>
+          </a:p>
+          <a:p>
+            <a:pPr lvl="1">
+              <a:lnSpc>
+                <a:spcPct val="125000"/>
+              </a:lnSpc>
+            </a:pPr>
+            <a:r>
+              <a:rPr lang="zh-CN" altLang="en-US" sz="1800" dirty="0"/>
+              <a:t>对修改后的文件进行快照，然后保存到版本库的暂存区 </a:t>
+            </a:r>
+            <a:r>
+              <a:rPr lang="en-US" altLang="zh-CN" sz="1800" dirty="0"/>
+              <a:t>(stage)</a:t>
+            </a:r>
+          </a:p>
+          <a:p>
+            <a:pPr lvl="1">
+              <a:lnSpc>
+                <a:spcPct val="125000"/>
+              </a:lnSpc>
+            </a:pPr>
+            <a:r>
+              <a:rPr lang="zh-CN" altLang="en-US" sz="1800" dirty="0"/>
+              <a:t>提交更新 </a:t>
+            </a:r>
+            <a:r>
+              <a:rPr lang="en-US" altLang="zh-CN" sz="1800" dirty="0"/>
+              <a:t>(commit)</a:t>
+            </a:r>
+            <a:r>
+              <a:rPr lang="zh-CN" altLang="en-US" sz="1800" dirty="0"/>
+              <a:t>，将保存在暂存区域的文件快照永久转储到 </a:t>
+            </a:r>
+            <a:r>
+              <a:rPr lang="en-US" altLang="zh-CN" sz="1800" dirty="0"/>
+              <a:t>Git </a:t>
+            </a:r>
+            <a:r>
+              <a:rPr lang="zh-CN" altLang="en-US" sz="1800" dirty="0"/>
+              <a:t>目录中</a:t>
+            </a:r>
+            <a:endParaRPr lang="en-US" altLang="zh-CN" sz="1800" dirty="0"/>
+          </a:p>
+          <a:p>
+            <a:pPr>
+              <a:lnSpc>
+                <a:spcPct val="125000"/>
+              </a:lnSpc>
+            </a:pPr>
+            <a:r>
+              <a:rPr lang="zh-CN" altLang="en-US" sz="2200" dirty="0"/>
+              <a:t>举一个醋溜砖头菜谱的栗子</a:t>
+            </a:r>
+            <a:endParaRPr lang="en-US" altLang="zh-CN" sz="2200" dirty="0"/>
+          </a:p>
+        </p:txBody>
+      </p:sp>
+      <p:pic>
+        <p:nvPicPr>
+          <p:cNvPr id="3" name="图片 2">
+            <a:extLst>
+              <a:ext uri="{FF2B5EF4-FFF2-40B4-BE49-F238E27FC236}">
+                <a16:creationId xmlns:a16="http://schemas.microsoft.com/office/drawing/2014/main" id="{4C8A80A9-570D-4A15-A0C0-E49DB2F5B9F7}"/>
+              </a:ext>
+            </a:extLst>
+          </p:cNvPr>
+          <p:cNvPicPr>
+            <a:picLocks noChangeAspect="1"/>
+          </p:cNvPicPr>
+          <p:nvPr/>
+        </p:nvPicPr>
+        <p:blipFill>
+          <a:blip r:embed="rId3">
+            <a:extLst>
+              <a:ext uri="{28A0092B-C50C-407E-A947-70E740481C1C}">
+                <a14:useLocalDpi xmlns:a14="http://schemas.microsoft.com/office/drawing/2010/main" val="0"/>
+              </a:ext>
+            </a:extLst>
+          </a:blip>
+          <a:stretch>
+            <a:fillRect/>
+          </a:stretch>
+        </p:blipFill>
+        <p:spPr>
+          <a:xfrm>
+            <a:off x="6404403" y="3922312"/>
+            <a:ext cx="4362450" cy="2228850"/>
+          </a:xfrm>
+          <a:prstGeom prst="rect">
+            <a:avLst/>
+          </a:prstGeom>
+        </p:spPr>
+      </p:pic>
+      <p:pic>
+        <p:nvPicPr>
+          <p:cNvPr id="7" name="图片 6">
+            <a:extLst>
+              <a:ext uri="{FF2B5EF4-FFF2-40B4-BE49-F238E27FC236}">
+                <a16:creationId xmlns:a16="http://schemas.microsoft.com/office/drawing/2014/main" id="{4CE77530-8058-4440-9CD8-ACAC2B52C832}"/>
+              </a:ext>
+            </a:extLst>
+          </p:cNvPr>
+          <p:cNvPicPr>
+            <a:picLocks noChangeAspect="1"/>
+          </p:cNvPicPr>
+          <p:nvPr/>
+        </p:nvPicPr>
+        <p:blipFill>
+          <a:blip r:embed="rId4">
+            <a:extLst>
+              <a:ext uri="{28A0092B-C50C-407E-A947-70E740481C1C}">
+                <a14:useLocalDpi xmlns:a14="http://schemas.microsoft.com/office/drawing/2010/main" val="0"/>
+              </a:ext>
+            </a:extLst>
+          </a:blip>
+          <a:stretch>
+            <a:fillRect/>
+          </a:stretch>
+        </p:blipFill>
+        <p:spPr>
+          <a:xfrm>
+            <a:off x="1559496" y="4360977"/>
+            <a:ext cx="2866000" cy="1786058"/>
+          </a:xfrm>
+          <a:prstGeom prst="rect">
+            <a:avLst/>
+          </a:prstGeom>
+        </p:spPr>
+      </p:pic>
+    </p:spTree>
+    <p:extLst>
+      <p:ext uri="{BB962C8B-B14F-4D97-AF65-F5344CB8AC3E}">
+        <p14:creationId xmlns:p14="http://schemas.microsoft.com/office/powerpoint/2010/main" val="2882778846"/>
+      </p:ext>
+    </p:extLst>
+  </p:cSld>
+  <p:clrMapOvr>
+    <a:masterClrMapping/>
+  </p:clrMapOvr>
+</p:sld>
+</file>
+
 <file path=ppt/slides/slide15.xml><?xml version="1.0" encoding="utf-8"?>
 <p:sld xmlns:a="http://schemas.openxmlformats.org/drawingml/2006/main" xmlns:r="http://schemas.openxmlformats.org/officeDocument/2006/relationships" xmlns:p="http://schemas.openxmlformats.org/presentationml/2006/main">
   <p:cSld>
@@ -20215,6 +21740,34 @@
             <a:r>
               <a:rPr lang="zh-CN" altLang="en-US" sz="2000" dirty="0"/>
               <a:t>放弃对项目内特定文件的追踪</a:t>
+            </a:r>
+            <a:endParaRPr lang="en-US" altLang="zh-CN" sz="2000" dirty="0"/>
+          </a:p>
+          <a:p>
+            <a:pPr lvl="1">
+              <a:lnSpc>
+                <a:spcPct val="125000"/>
+              </a:lnSpc>
+            </a:pPr>
+            <a:r>
+              <a:rPr lang="zh-CN" altLang="en-US" sz="2000" dirty="0"/>
+              <a:t>编写 </a:t>
+            </a:r>
+            <a:r>
+              <a:rPr lang="en-US" altLang="zh-CN" sz="2000" dirty="0"/>
+              <a:t>.</a:t>
+            </a:r>
+            <a:r>
+              <a:rPr lang="en-US" altLang="zh-CN" sz="2000" dirty="0" err="1"/>
+              <a:t>gitignore</a:t>
+            </a:r>
+            <a:r>
+              <a:rPr lang="en-US" altLang="zh-CN" sz="2000" dirty="0"/>
+              <a:t> </a:t>
+            </a:r>
+            <a:r>
+              <a:rPr lang="zh-CN" altLang="en-US" sz="2000" dirty="0"/>
+              <a:t>文件</a:t>
             </a:r>
             <a:endParaRPr lang="en-US" altLang="zh-CN" sz="2000" dirty="0"/>
           </a:p>
@@ -21210,10 +22763,11 @@
           </a:bodyPr>
           <a:lstStyle/>
           <a:p>
-            <a:pPr>
+            <a:pPr marL="0" indent="0">
               <a:lnSpc>
                 <a:spcPct val="125000"/>
               </a:lnSpc>
+              <a:buNone/>
             </a:pPr>
             <a:r>
               <a:rPr lang="zh-CN" altLang="en-US" sz="2400" dirty="0"/>
@@ -21269,7 +22823,7 @@
         </p:blipFill>
         <p:spPr>
           <a:xfrm>
-            <a:off x="1415480" y="2615056"/>
+            <a:off x="1343472" y="2525333"/>
             <a:ext cx="3473690" cy="3651630"/>
           </a:xfrm>
           <a:prstGeom prst="rect">
@@ -21277,6 +22831,134 @@
           </a:prstGeom>
         </p:spPr>
       </p:pic>
+      <p:pic>
+        <p:nvPicPr>
+          <p:cNvPr id="2" name="图片 1">
+            <a:extLst>
+              <a:ext uri="{FF2B5EF4-FFF2-40B4-BE49-F238E27FC236}">
+                <a16:creationId xmlns:a16="http://schemas.microsoft.com/office/drawing/2014/main" id="{C19BDAD6-F347-49ED-99A4-E10E791B7881}"/>
+              </a:ext>
+            </a:extLst>
+          </p:cNvPr>
+          <p:cNvPicPr>
+            <a:picLocks noChangeAspect="1"/>
+          </p:cNvPicPr>
+          <p:nvPr/>
+        </p:nvPicPr>
+        <p:blipFill>
+          <a:blip r:embed="rId4"/>
+          <a:stretch>
+            <a:fillRect/>
+          </a:stretch>
+        </p:blipFill>
+        <p:spPr>
+          <a:xfrm>
+            <a:off x="7386395" y="2525333"/>
+            <a:ext cx="3228975" cy="3895725"/>
+          </a:xfrm>
+          <a:prstGeom prst="rect">
+            <a:avLst/>
+          </a:prstGeom>
+        </p:spPr>
+      </p:pic>
+      <p:sp>
+        <p:nvSpPr>
+          <p:cNvPr id="8" name="矩形 7">
+            <a:extLst>
+              <a:ext uri="{FF2B5EF4-FFF2-40B4-BE49-F238E27FC236}">
+                <a16:creationId xmlns:a16="http://schemas.microsoft.com/office/drawing/2014/main" id="{6E464A9E-4186-4F99-991E-C497AEB7FD63}"/>
+              </a:ext>
+            </a:extLst>
+          </p:cNvPr>
+          <p:cNvSpPr/>
+          <p:nvPr/>
+        </p:nvSpPr>
+        <p:spPr>
+          <a:xfrm>
+            <a:off x="6636060" y="1825625"/>
+            <a:ext cx="5086457" cy="520592"/>
+          </a:xfrm>
+          <a:prstGeom prst="rect">
+            <a:avLst/>
+          </a:prstGeom>
+        </p:spPr>
+        <p:txBody>
+          <a:bodyPr wrap="none">
+            <a:spAutoFit/>
+          </a:bodyPr>
+          <a:lstStyle/>
+          <a:p>
+            <a:pPr lvl="0" fontAlgn="auto">
+              <a:lnSpc>
+                <a:spcPct val="125000"/>
+              </a:lnSpc>
+              <a:spcBef>
+                <a:spcPts val="1000"/>
+              </a:spcBef>
+              <a:spcAft>
+                <a:spcPts val="0"/>
+              </a:spcAft>
+            </a:pPr>
+            <a:r>
+              <a:rPr lang="zh-CN" altLang="en-US" sz="2400" dirty="0">
+                <a:solidFill>
+                  <a:prstClr val="black"/>
+                </a:solidFill>
+                <a:latin typeface="Calibri"/>
+                <a:ea typeface="等线" panose="02010600030101010101" pitchFamily="2" charset="-122"/>
+              </a:rPr>
+              <a:t>将修改文件移出暂存区</a:t>
+            </a:r>
+            <a:r>
+              <a:rPr lang="en-US" altLang="zh-CN" sz="2400" dirty="0">
+                <a:solidFill>
+                  <a:prstClr val="black"/>
+                </a:solidFill>
+                <a:latin typeface="Calibri"/>
+                <a:ea typeface="等线" panose="02010600030101010101" pitchFamily="2" charset="-122"/>
+              </a:rPr>
+              <a:t> </a:t>
+            </a:r>
+            <a:r>
+              <a:rPr lang="zh-CN" altLang="en-US" sz="2400" dirty="0">
+                <a:solidFill>
+                  <a:prstClr val="black"/>
+                </a:solidFill>
+                <a:latin typeface="Calibri"/>
+                <a:ea typeface="等线" panose="02010600030101010101" pitchFamily="2" charset="-122"/>
+              </a:rPr>
+              <a:t>（</a:t>
+            </a:r>
+            <a:r>
+              <a:rPr lang="en-US" altLang="zh-CN" sz="2400" dirty="0">
+                <a:solidFill>
+                  <a:prstClr val="black"/>
+                </a:solidFill>
+                <a:latin typeface="Calibri"/>
+                <a:ea typeface="等线" panose="02010600030101010101" pitchFamily="2" charset="-122"/>
+              </a:rPr>
+              <a:t>VS Code</a:t>
+            </a:r>
+            <a:r>
+              <a:rPr lang="zh-CN" altLang="en-US" sz="2400" dirty="0">
+                <a:solidFill>
+                  <a:prstClr val="black"/>
+                </a:solidFill>
+                <a:latin typeface="Calibri"/>
+                <a:ea typeface="等线" panose="02010600030101010101" pitchFamily="2" charset="-122"/>
+              </a:rPr>
+              <a:t>）</a:t>
+            </a:r>
+            <a:endParaRPr lang="en-US" altLang="zh-CN" sz="2000" dirty="0">
+              <a:solidFill>
+                <a:prstClr val="black"/>
+              </a:solidFill>
+              <a:latin typeface="Calibri"/>
+              <a:ea typeface="等线" panose="02010600030101010101" pitchFamily="2" charset="-122"/>
+            </a:endParaRPr>
+          </a:p>
+        </p:txBody>
+      </p:sp>
     </p:spTree>
     <p:extLst>
       <p:ext uri="{BB962C8B-B14F-4D97-AF65-F5344CB8AC3E}">
@@ -21925,7 +23607,7 @@
         </p:spPr>
         <p:txBody>
           <a:bodyPr>
-            <a:normAutofit fontScale="85000" lnSpcReduction="20000"/>
+            <a:normAutofit fontScale="92500" lnSpcReduction="10000"/>
           </a:bodyPr>
           <a:lstStyle/>
           <a:p>
@@ -21935,10 +23617,10 @@
               </a:lnSpc>
             </a:pPr>
             <a:r>
-              <a:rPr lang="zh-CN" altLang="en-US" dirty="0"/>
+              <a:rPr lang="zh-CN" altLang="en-US" sz="2400" dirty="0"/>
               <a:t>完成一次提交</a:t>
             </a:r>
-            <a:endParaRPr lang="en-US" altLang="zh-CN" dirty="0"/>
+            <a:endParaRPr lang="en-US" altLang="zh-CN" sz="2400" dirty="0"/>
           </a:p>
           <a:p>
             <a:pPr lvl="1">
@@ -21947,22 +23629,22 @@
               </a:lnSpc>
             </a:pPr>
             <a:r>
-              <a:rPr lang="en-US" altLang="zh-CN" sz="2100" dirty="0"/>
+              <a:rPr lang="en-US" altLang="zh-CN" sz="1900" dirty="0"/>
               <a:t>$</a:t>
             </a:r>
             <a:r>
-              <a:rPr lang="en-US" altLang="zh-CN" sz="2100" b="1" dirty="0"/>
+              <a:rPr lang="en-US" altLang="zh-CN" sz="1900" b="1" dirty="0"/>
               <a:t> git commit </a:t>
             </a:r>
             <a:r>
-              <a:rPr lang="en-US" altLang="zh-CN" sz="2100" dirty="0"/>
+              <a:rPr lang="en-US" altLang="zh-CN" sz="1900" dirty="0"/>
               <a:t>-m "&lt;Commit Message&gt;"	# </a:t>
             </a:r>
             <a:r>
-              <a:rPr lang="zh-CN" altLang="en-US" sz="2100" dirty="0"/>
+              <a:rPr lang="zh-CN" altLang="en-US" sz="1900" dirty="0"/>
               <a:t>把暂存区文件在本地仓库更新</a:t>
             </a:r>
-            <a:endParaRPr lang="en-US" altLang="zh-CN" sz="2100" dirty="0"/>
+            <a:endParaRPr lang="en-US" altLang="zh-CN" sz="1900" dirty="0"/>
           </a:p>
           <a:p>
             <a:pPr lvl="1">
@@ -21971,26 +23653,26 @@
               </a:lnSpc>
             </a:pPr>
             <a:r>
-              <a:rPr lang="en-US" altLang="zh-CN" sz="2100" dirty="0"/>
+              <a:rPr lang="en-US" altLang="zh-CN" sz="1900" dirty="0"/>
               <a:t>$</a:t>
             </a:r>
             <a:r>
-              <a:rPr lang="zh-CN" altLang="en-US" sz="2100" dirty="0"/>
+              <a:rPr lang="zh-CN" altLang="en-US" sz="1900" dirty="0"/>
               <a:t> </a:t>
             </a:r>
             <a:r>
-              <a:rPr lang="en-US" altLang="zh-CN" sz="2100" b="1" dirty="0"/>
+              <a:rPr lang="en-US" altLang="zh-CN" sz="1900" b="1" dirty="0"/>
               <a:t>git commit </a:t>
             </a:r>
             <a:r>
-              <a:rPr lang="en-US" altLang="zh-CN" sz="2100" dirty="0"/>
+              <a:rPr lang="en-US" altLang="zh-CN" sz="1900" dirty="0"/>
               <a:t>-a -m “&lt;Commit Message&gt;”	# </a:t>
             </a:r>
             <a:r>
-              <a:rPr lang="zh-CN" altLang="en-US" sz="2100" dirty="0"/>
+              <a:rPr lang="zh-CN" altLang="en-US" sz="1900" dirty="0"/>
               <a:t>把所有修改文件提交到暂存区并提交</a:t>
             </a:r>
-            <a:endParaRPr lang="en-US" altLang="zh-CN" sz="2100" dirty="0"/>
+            <a:endParaRPr lang="en-US" altLang="zh-CN" sz="1900" dirty="0"/>
           </a:p>
           <a:p>
             <a:pPr lvl="1">
@@ -21998,7 +23680,29 @@
                 <a:spcPct val="125000"/>
               </a:lnSpc>
             </a:pPr>
-            <a:endParaRPr lang="en-US" altLang="zh-CN" sz="2400" dirty="0"/>
+            <a:r>
+              <a:rPr lang="zh-CN" altLang="en-US" sz="1900" dirty="0"/>
+              <a:t>注：</a:t>
+            </a:r>
+            <a:r>
+              <a:rPr lang="en-US" altLang="zh-CN" sz="1900" dirty="0"/>
+              <a:t>Commit Message </a:t>
+            </a:r>
+            <a:r>
+              <a:rPr lang="zh-CN" altLang="en-US" sz="1900" dirty="0"/>
+              <a:t>非常重要。这将是版本回退的重要依据。请按照规范填写。详见</a:t>
+            </a:r>
+            <a:r>
+              <a:rPr lang="zh-CN" altLang="en-US" sz="1900" dirty="0">
+                <a:hlinkClick r:id="rId3"/>
+              </a:rPr>
+              <a:t>这里</a:t>
+            </a:r>
+            <a:r>
+              <a:rPr lang="zh-CN" altLang="en-US" sz="1900" dirty="0"/>
+              <a:t>。</a:t>
+            </a:r>
+            <a:endParaRPr lang="en-US" altLang="zh-CN" sz="1800" dirty="0"/>
           </a:p>
           <a:p>
             <a:pPr>
@@ -22007,10 +23711,10 @@
               </a:lnSpc>
             </a:pPr>
             <a:r>
-              <a:rPr lang="zh-CN" altLang="en-US" dirty="0"/>
+              <a:rPr lang="zh-CN" altLang="en-US" sz="2400" dirty="0"/>
               <a:t>查看提交记录</a:t>
             </a:r>
-            <a:endParaRPr lang="en-US" altLang="zh-CN" dirty="0"/>
+            <a:endParaRPr lang="en-US" altLang="zh-CN" sz="2400" dirty="0"/>
           </a:p>
           <a:p>
             <a:pPr lvl="1">
@@ -22019,22 +23723,14 @@
               </a:lnSpc>
             </a:pPr>
             <a:r>
-              <a:rPr lang="en-US" altLang="zh-CN" sz="2100" dirty="0"/>
+              <a:rPr lang="en-US" altLang="zh-CN" sz="1900" dirty="0"/>
               <a:t>$ </a:t>
             </a:r>
             <a:r>
-              <a:rPr lang="en-US" altLang="zh-CN" sz="2100" b="1" dirty="0"/>
+              <a:rPr lang="en-US" altLang="zh-CN" sz="1900" b="1" dirty="0"/>
               <a:t>git log</a:t>
             </a:r>
-          </a:p>
-          <a:p>
-            <a:pPr marL="457200" lvl="1" indent="0">
-              <a:lnSpc>
-                <a:spcPct val="125000"/>
-              </a:lnSpc>
-              <a:buNone/>
-            </a:pPr>
-            <a:endParaRPr lang="en-US" altLang="zh-CN" dirty="0"/>
+            <a:endParaRPr lang="en-US" altLang="zh-CN" sz="1800" dirty="0"/>
           </a:p>
           <a:p>
             <a:pPr>
@@ -22043,10 +23739,10 @@
               </a:lnSpc>
             </a:pPr>
             <a:r>
-              <a:rPr lang="zh-CN" altLang="en-US" dirty="0"/>
+              <a:rPr lang="zh-CN" altLang="en-US" sz="2400" dirty="0"/>
               <a:t>撤销提交</a:t>
             </a:r>
-            <a:endParaRPr lang="en-US" altLang="zh-CN" dirty="0"/>
+            <a:endParaRPr lang="en-US" altLang="zh-CN" sz="2400" dirty="0"/>
           </a:p>
           <a:p>
             <a:pPr lvl="1">
@@ -22055,30 +23751,30 @@
               </a:lnSpc>
             </a:pPr>
             <a:r>
-              <a:rPr lang="en-US" altLang="zh-CN" sz="2100" dirty="0"/>
+              <a:rPr lang="en-US" altLang="zh-CN" sz="1900" dirty="0"/>
               <a:t>$ </a:t>
             </a:r>
             <a:r>
-              <a:rPr lang="en-US" altLang="zh-CN" sz="2100" b="1" dirty="0"/>
+              <a:rPr lang="en-US" altLang="zh-CN" sz="1900" b="1" dirty="0"/>
               <a:t>git reset </a:t>
             </a:r>
             <a:r>
-              <a:rPr lang="en-US" altLang="zh-CN" sz="2100" dirty="0"/>
+              <a:rPr lang="en-US" altLang="zh-CN" sz="1900" dirty="0"/>
               <a:t>--soft HEAD^	# </a:t>
             </a:r>
             <a:r>
-              <a:rPr lang="zh-CN" altLang="en-US" sz="2100" dirty="0"/>
+              <a:rPr lang="zh-CN" altLang="en-US" sz="1900" dirty="0"/>
               <a:t>撤销上一次提交，</a:t>
             </a:r>
             <a:r>
-              <a:rPr lang="en-US" altLang="zh-CN" sz="2100" dirty="0"/>
+              <a:rPr lang="en-US" altLang="zh-CN" sz="1900" dirty="0"/>
               <a:t>^ </a:t>
             </a:r>
             <a:r>
-              <a:rPr lang="zh-CN" altLang="en-US" sz="2100" dirty="0"/>
+              <a:rPr lang="zh-CN" altLang="en-US" sz="1900" dirty="0"/>
               <a:t>代表上一次提交</a:t>
             </a:r>
-            <a:endParaRPr lang="en-US" altLang="zh-CN" sz="2100" dirty="0"/>
+            <a:endParaRPr lang="en-US" altLang="zh-CN" sz="1900" dirty="0"/>
           </a:p>
           <a:p>
             <a:pPr lvl="1">
@@ -22087,66 +23783,50 @@
               </a:lnSpc>
             </a:pPr>
             <a:r>
-              <a:rPr lang="en-US" altLang="zh-CN" sz="2100" dirty="0"/>
+              <a:rPr lang="en-US" altLang="zh-CN" sz="1900" dirty="0"/>
               <a:t>$</a:t>
             </a:r>
             <a:r>
-              <a:rPr lang="zh-CN" altLang="en-US" sz="2100" dirty="0"/>
+              <a:rPr lang="zh-CN" altLang="en-US" sz="1900" dirty="0"/>
               <a:t> </a:t>
             </a:r>
             <a:r>
-              <a:rPr lang="en-US" altLang="zh-CN" sz="2100" b="1" dirty="0"/>
+              <a:rPr lang="en-US" altLang="zh-CN" sz="1900" b="1" dirty="0"/>
               <a:t>git</a:t>
             </a:r>
             <a:r>
-              <a:rPr lang="zh-CN" altLang="en-US" sz="2100" b="1" dirty="0"/>
+              <a:rPr lang="zh-CN" altLang="en-US" sz="1900" b="1" dirty="0"/>
               <a:t> </a:t>
             </a:r>
             <a:r>
-              <a:rPr lang="en-US" altLang="zh-CN" sz="2100" b="1" dirty="0"/>
+              <a:rPr lang="en-US" altLang="zh-CN" sz="1900" b="1" dirty="0"/>
               <a:t>reset </a:t>
             </a:r>
             <a:r>
-              <a:rPr lang="en-US" altLang="zh-CN" sz="2100" dirty="0"/>
+              <a:rPr lang="en-US" altLang="zh-CN" sz="1900" dirty="0"/>
               <a:t>–soft &lt;HASH_ID&gt;	# </a:t>
             </a:r>
             <a:r>
-              <a:rPr lang="zh-CN" altLang="en-US" sz="2100" dirty="0"/>
+              <a:rPr lang="zh-CN" altLang="en-US" sz="1900" dirty="0"/>
               <a:t>回退到该 </a:t>
             </a:r>
             <a:r>
-              <a:rPr lang="en-US" altLang="zh-CN" sz="2100" dirty="0"/>
+              <a:rPr lang="en-US" altLang="zh-CN" sz="1900" dirty="0"/>
               <a:t>HASH_ID </a:t>
             </a:r>
             <a:r>
-              <a:rPr lang="zh-CN" altLang="en-US" sz="2100" dirty="0"/>
+              <a:rPr lang="zh-CN" altLang="en-US" sz="1900" dirty="0"/>
               <a:t>记录之前，所有文件恢复至提交到 </a:t>
             </a:r>
             <a:r>
-              <a:rPr lang="en-US" altLang="zh-CN" sz="2100" dirty="0"/>
+              <a:rPr lang="en-US" altLang="zh-CN" sz="1900" dirty="0"/>
               <a:t>HASH_ID </a:t>
             </a:r>
             <a:r>
-              <a:rPr lang="zh-CN" altLang="en-US" sz="2100" dirty="0"/>
+              <a:rPr lang="zh-CN" altLang="en-US" sz="1900" dirty="0"/>
               <a:t>时的状态</a:t>
             </a:r>
-            <a:endParaRPr lang="en-US" altLang="zh-CN" sz="2100" dirty="0"/>
-          </a:p>
-          <a:p>
-            <a:pPr lvl="1">
-              <a:lnSpc>
-                <a:spcPct val="125000"/>
-              </a:lnSpc>
-            </a:pPr>
-            <a:endParaRPr lang="en-US" altLang="zh-CN" sz="2000" dirty="0"/>
-          </a:p>
-          <a:p>
-            <a:pPr lvl="1">
-              <a:lnSpc>
-                <a:spcPct val="125000"/>
-              </a:lnSpc>
-            </a:pPr>
-            <a:endParaRPr lang="en-US" altLang="zh-CN" sz="2000" dirty="0"/>
+            <a:endParaRPr lang="en-US" altLang="zh-CN" sz="1900" dirty="0"/>
           </a:p>
         </p:txBody>
       </p:sp>
@@ -22221,8 +23901,8 @@
         </p:nvSpPr>
         <p:spPr>
           <a:xfrm>
-            <a:off x="3503712" y="260648"/>
-            <a:ext cx="5760640" cy="418058"/>
+            <a:off x="2423592" y="260648"/>
+            <a:ext cx="9145016" cy="418058"/>
           </a:xfrm>
         </p:spPr>
         <p:txBody>
@@ -22233,20 +23913,14 @@
           <a:p>
             <a:pPr algn="ctr"/>
             <a:r>
-              <a:rPr lang="en-US" altLang="zh-CN" b="1" dirty="0">
+              <a:rPr lang="en-US" altLang="zh-CN" sz="4000" b="1" dirty="0">
                 <a:solidFill>
                   <a:schemeClr val="bg1"/>
                 </a:solidFill>
                 <a:latin typeface="+mn-lt"/>
               </a:rPr>
-              <a:t>Resources</a:t>
-            </a:r>
-            <a:endParaRPr lang="zh-CN" altLang="en-US" sz="3600" b="1" dirty="0">
-              <a:solidFill>
-                <a:schemeClr val="bg1"/>
-              </a:solidFill>
-              <a:latin typeface="+mn-lt"/>
-            </a:endParaRPr>
+              <a:t>Committing Changes to Git</a:t>
+            </a:r>
           </a:p>
         </p:txBody>
       </p:sp>
@@ -22266,120 +23940,162 @@
             <p:ph idx="1"/>
           </p:nvPr>
         </p:nvSpPr>
-        <p:spPr/>
+        <p:spPr>
+          <a:xfrm>
+            <a:off x="838200" y="1825625"/>
+            <a:ext cx="10515600" cy="4351338"/>
+          </a:xfrm>
+        </p:spPr>
         <p:txBody>
           <a:bodyPr>
-            <a:normAutofit fontScale="92500" lnSpcReduction="20000"/>
+            <a:normAutofit/>
           </a:bodyPr>
           <a:lstStyle/>
           <a:p>
-            <a:r>
-              <a:rPr lang="en-US" altLang="zh-CN" dirty="0">
-                <a:hlinkClick r:id="rId3"/>
+            <a:pPr marL="0" indent="0">
+              <a:lnSpc>
+                <a:spcPct val="125000"/>
+              </a:lnSpc>
+              <a:buNone/>
+            </a:pPr>
+            <a:r>
+              <a:rPr lang="zh-CN" altLang="en-US" dirty="0"/>
+              <a:t>完成一次提交</a:t>
+            </a:r>
+            <a:endParaRPr lang="en-US" altLang="zh-CN" sz="2000" dirty="0"/>
+          </a:p>
+          <a:p>
+            <a:pPr lvl="1">
+              <a:lnSpc>
+                <a:spcPct val="125000"/>
+              </a:lnSpc>
+            </a:pPr>
+            <a:endParaRPr lang="en-US" altLang="zh-CN" sz="2000" dirty="0"/>
+          </a:p>
+        </p:txBody>
+      </p:sp>
+      <p:pic>
+        <p:nvPicPr>
+          <p:cNvPr id="2" name="图片 1">
+            <a:extLst>
+              <a:ext uri="{FF2B5EF4-FFF2-40B4-BE49-F238E27FC236}">
+                <a16:creationId xmlns:a16="http://schemas.microsoft.com/office/drawing/2014/main" id="{3D4F7A62-BD95-4396-A683-1AC297BBBD67}"/>
+              </a:ext>
+            </a:extLst>
+          </p:cNvPr>
+          <p:cNvPicPr>
+            <a:picLocks noChangeAspect="1"/>
+          </p:cNvPicPr>
+          <p:nvPr/>
+        </p:nvPicPr>
+        <p:blipFill>
+          <a:blip r:embed="rId3"/>
+          <a:stretch>
+            <a:fillRect/>
+          </a:stretch>
+        </p:blipFill>
+        <p:spPr>
+          <a:xfrm>
+            <a:off x="623392" y="2549236"/>
+            <a:ext cx="2786917" cy="3791504"/>
+          </a:xfrm>
+          <a:prstGeom prst="rect">
+            <a:avLst/>
+          </a:prstGeom>
+        </p:spPr>
+      </p:pic>
+      <p:sp>
+        <p:nvSpPr>
+          <p:cNvPr id="8" name="矩形 7">
+            <a:extLst>
+              <a:ext uri="{FF2B5EF4-FFF2-40B4-BE49-F238E27FC236}">
+                <a16:creationId xmlns:a16="http://schemas.microsoft.com/office/drawing/2014/main" id="{49F85057-A2EF-475C-9684-FA80227B5D08}"/>
+              </a:ext>
+            </a:extLst>
+          </p:cNvPr>
+          <p:cNvSpPr/>
+          <p:nvPr/>
+        </p:nvSpPr>
+        <p:spPr>
+          <a:xfrm>
+            <a:off x="6816080" y="1825625"/>
+            <a:ext cx="2374368" cy="591957"/>
+          </a:xfrm>
+          <a:prstGeom prst="rect">
+            <a:avLst/>
+          </a:prstGeom>
+        </p:spPr>
+        <p:txBody>
+          <a:bodyPr wrap="none">
+            <a:spAutoFit/>
+          </a:bodyPr>
+          <a:lstStyle/>
+          <a:p>
+            <a:pPr lvl="0" fontAlgn="auto">
+              <a:lnSpc>
+                <a:spcPct val="125000"/>
+              </a:lnSpc>
+              <a:spcBef>
+                <a:spcPts val="1000"/>
+              </a:spcBef>
+              <a:spcAft>
+                <a:spcPts val="0"/>
+              </a:spcAft>
+            </a:pPr>
+            <a:r>
+              <a:rPr lang="zh-CN" altLang="en-US" sz="2800" dirty="0">
+                <a:solidFill>
+                  <a:prstClr val="black"/>
+                </a:solidFill>
+                <a:latin typeface="Calibri"/>
+                <a:ea typeface="等线" panose="02010600030101010101" pitchFamily="2" charset="-122"/>
               </a:rPr>
-              <a:t>https://guides.github.com/activities/hello-world/</a:t>
-            </a:r>
-            <a:endParaRPr lang="en-US" altLang="zh-CN" dirty="0"/>
-          </a:p>
-          <a:p>
-            <a:pPr lvl="1"/>
-            <a:r>
-              <a:rPr lang="en-US" altLang="zh-CN" dirty="0"/>
-              <a:t>GitHub </a:t>
-            </a:r>
-            <a:r>
-              <a:rPr lang="zh-CN" altLang="en-US" dirty="0"/>
-              <a:t>提供的一个简短概述</a:t>
-            </a:r>
-            <a:endParaRPr lang="en-US" altLang="zh-CN" dirty="0"/>
-          </a:p>
-          <a:p>
-            <a:r>
-              <a:rPr lang="en-US" altLang="zh-CN" dirty="0">
-                <a:hlinkClick r:id="rId4"/>
-              </a:rPr>
-              <a:t>https://try.github.io/</a:t>
-            </a:r>
-            <a:endParaRPr lang="en-US" altLang="zh-CN" dirty="0"/>
-          </a:p>
-          <a:p>
-            <a:pPr lvl="1"/>
-            <a:r>
-              <a:rPr lang="en-US" altLang="zh-CN" dirty="0"/>
-              <a:t>GitHub </a:t>
-            </a:r>
-            <a:r>
-              <a:rPr lang="zh-CN" altLang="en-US" dirty="0"/>
-              <a:t>提供的一个在线交互教程</a:t>
-            </a:r>
-            <a:endParaRPr lang="en-US" altLang="zh-CN" dirty="0"/>
-          </a:p>
-          <a:p>
-            <a:r>
-              <a:rPr lang="en-US" altLang="zh-CN" dirty="0">
-                <a:hlinkClick r:id="rId5"/>
-              </a:rPr>
-              <a:t>https://www.ruanyifeng.com/blog/2015/12/git-cheat-sheet.html</a:t>
-            </a:r>
-            <a:endParaRPr lang="en-US" altLang="zh-CN" dirty="0"/>
-          </a:p>
-          <a:p>
-            <a:pPr lvl="1"/>
-            <a:r>
-              <a:rPr lang="zh-CN" altLang="en-US" dirty="0"/>
-              <a:t>阮一峰总结的 </a:t>
-            </a:r>
-            <a:r>
-              <a:rPr lang="en-US" altLang="zh-CN" dirty="0"/>
-              <a:t>Git Cheat Sheet</a:t>
-            </a:r>
-          </a:p>
-          <a:p>
-            <a:r>
-              <a:rPr lang="en-US" altLang="zh-CN" dirty="0">
-                <a:hlinkClick r:id="rId6"/>
-              </a:rPr>
-              <a:t>https://git-scm.com/docs/gittutorial</a:t>
-            </a:r>
-            <a:endParaRPr lang="en-US" altLang="zh-CN" dirty="0"/>
-          </a:p>
-          <a:p>
-            <a:r>
-              <a:rPr lang="en-US" altLang="zh-CN" dirty="0">
-                <a:hlinkClick r:id="rId7"/>
-              </a:rPr>
-              <a:t>http://www.vogella.com/tutorials/Git/article.html</a:t>
-            </a:r>
-            <a:endParaRPr lang="en-US" altLang="zh-CN" dirty="0"/>
-          </a:p>
-          <a:p>
-            <a:pPr lvl="1"/>
-            <a:r>
-              <a:rPr lang="zh-CN" altLang="en-US" dirty="0"/>
-              <a:t>以上两个均是非常详细（长）的教程</a:t>
-            </a:r>
-            <a:endParaRPr lang="en-US" altLang="zh-CN" dirty="0"/>
-          </a:p>
-          <a:p>
-            <a:endParaRPr lang="en-US" altLang="zh-CN" dirty="0"/>
-          </a:p>
-          <a:p>
-            <a:r>
-              <a:rPr lang="en-US" altLang="zh-CN" b="1" dirty="0"/>
-              <a:t>Docs</a:t>
-            </a:r>
-            <a:r>
-              <a:rPr lang="zh-CN" altLang="en-US" b="1" dirty="0"/>
-              <a:t>内的其他补充文档也是极好的</a:t>
-            </a:r>
-            <a:endParaRPr lang="en-US" altLang="zh-CN" b="1" dirty="0"/>
-          </a:p>
-        </p:txBody>
-      </p:sp>
+              <a:t>撤销一次提交</a:t>
+            </a:r>
+            <a:endParaRPr lang="en-US" altLang="zh-CN" sz="2000" dirty="0">
+              <a:solidFill>
+                <a:prstClr val="black"/>
+              </a:solidFill>
+              <a:latin typeface="Calibri"/>
+              <a:ea typeface="等线" panose="02010600030101010101" pitchFamily="2" charset="-122"/>
+            </a:endParaRPr>
+          </a:p>
+        </p:txBody>
+      </p:sp>
+      <p:pic>
+        <p:nvPicPr>
+          <p:cNvPr id="10" name="图片 9">
+            <a:extLst>
+              <a:ext uri="{FF2B5EF4-FFF2-40B4-BE49-F238E27FC236}">
+                <a16:creationId xmlns:a16="http://schemas.microsoft.com/office/drawing/2014/main" id="{A7172310-4371-43B3-B31D-F3579EC4C4A7}"/>
+              </a:ext>
+            </a:extLst>
+          </p:cNvPr>
+          <p:cNvPicPr>
+            <a:picLocks noChangeAspect="1"/>
+          </p:cNvPicPr>
+          <p:nvPr/>
+        </p:nvPicPr>
+        <p:blipFill>
+          <a:blip r:embed="rId4"/>
+          <a:stretch>
+            <a:fillRect/>
+          </a:stretch>
+        </p:blipFill>
+        <p:spPr>
+          <a:xfrm>
+            <a:off x="5087888" y="2720885"/>
+            <a:ext cx="6096000" cy="3152775"/>
+          </a:xfrm>
+          <a:prstGeom prst="rect">
+            <a:avLst/>
+          </a:prstGeom>
+        </p:spPr>
+      </p:pic>
     </p:spTree>
     <p:extLst>
       <p:ext uri="{BB962C8B-B14F-4D97-AF65-F5344CB8AC3E}">
-        <p14:creationId xmlns:p14="http://schemas.microsoft.com/office/powerpoint/2010/main" val="2834078066"/>
+        <p14:creationId xmlns:p14="http://schemas.microsoft.com/office/powerpoint/2010/main" val="148828475"/>
       </p:ext>
     </p:extLst>
   </p:cSld>
@@ -22447,8 +24163,8 @@
         </p:nvSpPr>
         <p:spPr>
           <a:xfrm>
-            <a:off x="3503712" y="260648"/>
-            <a:ext cx="5760640" cy="418058"/>
+            <a:off x="2423592" y="260648"/>
+            <a:ext cx="9145016" cy="418058"/>
           </a:xfrm>
         </p:spPr>
         <p:txBody>
@@ -22459,15 +24175,24 @@
           <a:p>
             <a:pPr algn="ctr"/>
             <a:r>
-              <a:rPr lang="en-US" altLang="zh-CN" b="1" dirty="0">
+              <a:rPr lang="en-US" altLang="zh-CN" sz="4000" b="1" dirty="0">
                 <a:solidFill>
                   <a:schemeClr val="bg1"/>
                 </a:solidFill>
                 <a:latin typeface="+mn-lt"/>
               </a:rPr>
-              <a:t>Fin.</a:t>
-            </a:r>
-            <a:endParaRPr lang="zh-CN" altLang="en-US" b="1" dirty="0">
+              <a:t>.</a:t>
+            </a:r>
+            <a:r>
+              <a:rPr lang="en-US" altLang="zh-CN" sz="4000" b="1" dirty="0" err="1">
+                <a:solidFill>
+                  <a:schemeClr val="bg1"/>
+                </a:solidFill>
+                <a:latin typeface="+mn-lt"/>
+              </a:rPr>
+              <a:t>gitignore</a:t>
+            </a:r>
+            <a:endParaRPr lang="en-US" altLang="zh-CN" sz="4000" b="1" dirty="0">
               <a:solidFill>
                 <a:schemeClr val="bg1"/>
               </a:solidFill>
@@ -22476,24 +24201,73 @@
           </a:p>
         </p:txBody>
       </p:sp>
+      <p:sp>
+        <p:nvSpPr>
+          <p:cNvPr id="5" name="内容占位符 4">
+            <a:extLst>
+              <a:ext uri="{FF2B5EF4-FFF2-40B4-BE49-F238E27FC236}">
+                <a16:creationId xmlns:a16="http://schemas.microsoft.com/office/drawing/2014/main" id="{D1F876F4-09C8-43EB-9898-EEB3AE25C516}"/>
+              </a:ext>
+            </a:extLst>
+          </p:cNvPr>
+          <p:cNvSpPr>
+            <a:spLocks noGrp="1"/>
+          </p:cNvSpPr>
+          <p:nvPr>
+            <p:ph idx="1"/>
+          </p:nvPr>
+        </p:nvSpPr>
+        <p:spPr>
+          <a:xfrm>
+            <a:off x="838200" y="1825625"/>
+            <a:ext cx="10515600" cy="4351338"/>
+          </a:xfrm>
+        </p:spPr>
+        <p:txBody>
+          <a:bodyPr>
+            <a:normAutofit/>
+          </a:bodyPr>
+          <a:lstStyle/>
+          <a:p>
+            <a:pPr>
+              <a:lnSpc>
+                <a:spcPct val="125000"/>
+              </a:lnSpc>
+            </a:pPr>
+            <a:r>
+              <a:rPr lang="zh-CN" altLang="en-US" sz="2400" dirty="0"/>
+              <a:t>我懒得写了，建议大家直接读</a:t>
+            </a:r>
+            <a:r>
+              <a:rPr lang="zh-CN" altLang="en-US" sz="2400" dirty="0">
+                <a:hlinkClick r:id="rId3"/>
+              </a:rPr>
+              <a:t>这里</a:t>
+            </a:r>
+            <a:r>
+              <a:rPr lang="zh-CN" altLang="en-US" sz="2400" dirty="0"/>
+              <a:t>。</a:t>
+            </a:r>
+            <a:endParaRPr lang="en-US" altLang="zh-CN" sz="2400" dirty="0"/>
+          </a:p>
+        </p:txBody>
+      </p:sp>
       <p:pic>
         <p:nvPicPr>
-          <p:cNvPr id="3" name="内容占位符 2">
+          <p:cNvPr id="8" name="图片 7">
             <a:extLst>
               <a:ext uri="{FF2B5EF4-FFF2-40B4-BE49-F238E27FC236}">
-                <a16:creationId xmlns:a16="http://schemas.microsoft.com/office/drawing/2014/main" id="{E5B6F959-E64E-4855-BB1E-C43DC056F766}"/>
+                <a16:creationId xmlns:a16="http://schemas.microsoft.com/office/drawing/2014/main" id="{0E96CAD4-CB5F-4574-8798-2262ED29C4E7}"/>
               </a:ext>
             </a:extLst>
           </p:cNvPr>
           <p:cNvPicPr>
-            <a:picLocks noGrp="1" noChangeAspect="1"/>
+            <a:picLocks noChangeAspect="1"/>
           </p:cNvPicPr>
-          <p:nvPr>
-            <p:ph idx="1"/>
-          </p:nvPr>
+          <p:nvPr/>
         </p:nvPicPr>
         <p:blipFill>
-          <a:blip r:embed="rId3">
+          <a:blip r:embed="rId4">
             <a:extLst>
               <a:ext uri="{28A0092B-C50C-407E-A947-70E740481C1C}">
                 <a14:useLocalDpi xmlns:a14="http://schemas.microsoft.com/office/drawing/2010/main" val="0"/>
@@ -22506,15 +24280,18 @@
         </p:blipFill>
         <p:spPr>
           <a:xfrm>
-            <a:off x="3015407" y="1825625"/>
-            <a:ext cx="6161186" cy="4351338"/>
+            <a:off x="1127448" y="2996952"/>
+            <a:ext cx="4762500" cy="2628900"/>
           </a:xfrm>
+          <a:prstGeom prst="rect">
+            <a:avLst/>
+          </a:prstGeom>
         </p:spPr>
       </p:pic>
     </p:spTree>
     <p:extLst>
       <p:ext uri="{BB962C8B-B14F-4D97-AF65-F5344CB8AC3E}">
-        <p14:creationId xmlns:p14="http://schemas.microsoft.com/office/powerpoint/2010/main" val="3732252959"/>
+        <p14:creationId xmlns:p14="http://schemas.microsoft.com/office/powerpoint/2010/main" val="346292116"/>
       </p:ext>
     </p:extLst>
   </p:cSld>
@@ -22524,7 +24301,7 @@
 </p:sld>
 </file>
 
-<file path=ppt/slides/slide3.xml><?xml version="1.0" encoding="utf-8"?>
+<file path=ppt/slides/slide23.xml><?xml version="1.0" encoding="utf-8"?>
 <p:sld xmlns:a="http://schemas.openxmlformats.org/drawingml/2006/main" xmlns:r="http://schemas.openxmlformats.org/officeDocument/2006/relationships" xmlns:p="http://schemas.openxmlformats.org/presentationml/2006/main">
   <p:cSld>
     <p:spTree>
@@ -22568,6 +24345,74 @@
               </a:lnSpc>
             </a:pPr>
             <a:r>
+              <a:rPr lang="en-US" altLang="zh-CN" dirty="0">
+                <a:solidFill>
+                  <a:schemeClr val="tx1"/>
+                </a:solidFill>
+                <a:latin typeface="等线" panose="02010600030101010101" pitchFamily="2" charset="-122"/>
+                <a:ea typeface="等线" panose="02010600030101010101" pitchFamily="2" charset="-122"/>
+              </a:rPr>
+              <a:t>Git </a:t>
+            </a:r>
+            <a:r>
+              <a:rPr lang="zh-CN" altLang="en-US" dirty="0">
+                <a:solidFill>
+                  <a:schemeClr val="tx1"/>
+                </a:solidFill>
+                <a:latin typeface="等线" panose="02010600030101010101" pitchFamily="2" charset="-122"/>
+                <a:ea typeface="等线" panose="02010600030101010101" pitchFamily="2" charset="-122"/>
+              </a:rPr>
+              <a:t>的使用需求</a:t>
+            </a:r>
+            <a:endParaRPr lang="en-US" altLang="zh-CN" dirty="0">
+              <a:solidFill>
+                <a:schemeClr val="tx1"/>
+              </a:solidFill>
+              <a:latin typeface="等线" panose="02010600030101010101" pitchFamily="2" charset="-122"/>
+              <a:ea typeface="等线" panose="02010600030101010101" pitchFamily="2" charset="-122"/>
+            </a:endParaRPr>
+          </a:p>
+          <a:p>
+            <a:pPr>
+              <a:lnSpc>
+                <a:spcPct val="150000"/>
+              </a:lnSpc>
+            </a:pPr>
+            <a:r>
+              <a:rPr lang="en-US" altLang="zh-CN" dirty="0">
+                <a:solidFill>
+                  <a:schemeClr val="tx1"/>
+                </a:solidFill>
+                <a:latin typeface="等线" panose="02010600030101010101" pitchFamily="2" charset="-122"/>
+                <a:ea typeface="等线" panose="02010600030101010101" pitchFamily="2" charset="-122"/>
+              </a:rPr>
+              <a:t>Git </a:t>
+            </a:r>
+            <a:r>
+              <a:rPr lang="zh-CN" altLang="en-US" dirty="0">
+                <a:solidFill>
+                  <a:schemeClr val="tx1"/>
+                </a:solidFill>
+                <a:latin typeface="等线" panose="02010600030101010101" pitchFamily="2" charset="-122"/>
+                <a:ea typeface="等线" panose="02010600030101010101" pitchFamily="2" charset="-122"/>
+              </a:rPr>
+              <a:t>的基本概念</a:t>
+            </a:r>
+            <a:endParaRPr lang="en-US" altLang="zh-CN" dirty="0">
+              <a:solidFill>
+                <a:schemeClr val="tx1"/>
+              </a:solidFill>
+              <a:latin typeface="等线" panose="02010600030101010101" pitchFamily="2" charset="-122"/>
+              <a:ea typeface="等线" panose="02010600030101010101" pitchFamily="2" charset="-122"/>
+            </a:endParaRPr>
+          </a:p>
+          <a:p>
+            <a:pPr>
+              <a:lnSpc>
+                <a:spcPct val="150000"/>
+              </a:lnSpc>
+            </a:pPr>
+            <a:r>
               <a:rPr lang="en-US" altLang="zh-CN" b="1" dirty="0">
                 <a:solidFill>
                   <a:schemeClr val="tx1"/>
@@ -22585,7 +24430,55 @@
                 <a:latin typeface="等线" panose="02010600030101010101" pitchFamily="2" charset="-122"/>
                 <a:ea typeface="等线" panose="02010600030101010101" pitchFamily="2" charset="-122"/>
               </a:rPr>
-              <a:t>的使用需求</a:t>
+              <a:t>的使用方法</a:t>
+            </a:r>
+            <a:endParaRPr lang="en-US" altLang="zh-CN" b="1" dirty="0">
+              <a:solidFill>
+                <a:schemeClr val="tx1"/>
+              </a:solidFill>
+              <a:latin typeface="等线" panose="02010600030101010101" pitchFamily="2" charset="-122"/>
+              <a:ea typeface="等线" panose="02010600030101010101" pitchFamily="2" charset="-122"/>
+            </a:endParaRPr>
+          </a:p>
+          <a:p>
+            <a:pPr lvl="1">
+              <a:lnSpc>
+                <a:spcPct val="150000"/>
+              </a:lnSpc>
+            </a:pPr>
+            <a:r>
+              <a:rPr lang="zh-CN" altLang="en-US" dirty="0">
+                <a:solidFill>
+                  <a:schemeClr val="tx1"/>
+                </a:solidFill>
+                <a:latin typeface="等线" panose="02010600030101010101" pitchFamily="2" charset="-122"/>
+                <a:ea typeface="等线" panose="02010600030101010101" pitchFamily="2" charset="-122"/>
+              </a:rPr>
+              <a:t>本地仓库</a:t>
+            </a:r>
+            <a:endParaRPr lang="en-US" altLang="zh-CN" dirty="0">
+              <a:solidFill>
+                <a:schemeClr val="tx1"/>
+              </a:solidFill>
+              <a:latin typeface="等线" panose="02010600030101010101" pitchFamily="2" charset="-122"/>
+              <a:ea typeface="等线" panose="02010600030101010101" pitchFamily="2" charset="-122"/>
+            </a:endParaRPr>
+          </a:p>
+          <a:p>
+            <a:pPr lvl="1">
+              <a:lnSpc>
+                <a:spcPct val="150000"/>
+              </a:lnSpc>
+            </a:pPr>
+            <a:r>
+              <a:rPr lang="zh-CN" altLang="en-US" b="1" dirty="0">
+                <a:solidFill>
+                  <a:schemeClr val="tx1"/>
+                </a:solidFill>
+                <a:latin typeface="等线" panose="02010600030101010101" pitchFamily="2" charset="-122"/>
+                <a:ea typeface="等线" panose="02010600030101010101" pitchFamily="2" charset="-122"/>
+              </a:rPr>
+              <a:t>远程仓库</a:t>
             </a:r>
             <a:endParaRPr lang="en-US" altLang="zh-CN" b="1" dirty="0">
               <a:solidFill>
@@ -22619,122 +24512,6 @@
                 <a:latin typeface="等线" panose="02010600030101010101" pitchFamily="2" charset="-122"/>
                 <a:ea typeface="等线" panose="02010600030101010101" pitchFamily="2" charset="-122"/>
               </a:rPr>
-              <a:t>的基本概念</a:t>
-            </a:r>
-            <a:endParaRPr lang="en-US" altLang="zh-CN" dirty="0">
-              <a:solidFill>
-                <a:schemeClr val="tx1"/>
-              </a:solidFill>
-              <a:latin typeface="等线" panose="02010600030101010101" pitchFamily="2" charset="-122"/>
-              <a:ea typeface="等线" panose="02010600030101010101" pitchFamily="2" charset="-122"/>
-            </a:endParaRPr>
-          </a:p>
-          <a:p>
-            <a:pPr>
-              <a:lnSpc>
-                <a:spcPct val="150000"/>
-              </a:lnSpc>
-            </a:pPr>
-            <a:r>
-              <a:rPr lang="en-US" altLang="zh-CN" dirty="0">
-                <a:solidFill>
-                  <a:schemeClr val="tx1"/>
-                </a:solidFill>
-                <a:latin typeface="等线" panose="02010600030101010101" pitchFamily="2" charset="-122"/>
-                <a:ea typeface="等线" panose="02010600030101010101" pitchFamily="2" charset="-122"/>
-              </a:rPr>
-              <a:t>Git </a:t>
-            </a:r>
-            <a:r>
-              <a:rPr lang="zh-CN" altLang="en-US" dirty="0">
-                <a:solidFill>
-                  <a:schemeClr val="tx1"/>
-                </a:solidFill>
-                <a:latin typeface="等线" panose="02010600030101010101" pitchFamily="2" charset="-122"/>
-                <a:ea typeface="等线" panose="02010600030101010101" pitchFamily="2" charset="-122"/>
-              </a:rPr>
-              <a:t>的使用方法</a:t>
-            </a:r>
-            <a:endParaRPr lang="en-US" altLang="zh-CN" dirty="0">
-              <a:solidFill>
-                <a:schemeClr val="tx1"/>
-              </a:solidFill>
-              <a:latin typeface="等线" panose="02010600030101010101" pitchFamily="2" charset="-122"/>
-              <a:ea typeface="等线" panose="02010600030101010101" pitchFamily="2" charset="-122"/>
-            </a:endParaRPr>
-          </a:p>
-          <a:p>
-            <a:pPr lvl="1">
-              <a:lnSpc>
-                <a:spcPct val="150000"/>
-              </a:lnSpc>
-            </a:pPr>
-            <a:r>
-              <a:rPr lang="zh-CN" altLang="en-US" dirty="0">
-                <a:solidFill>
-                  <a:schemeClr val="tx1"/>
-                </a:solidFill>
-                <a:latin typeface="等线" panose="02010600030101010101" pitchFamily="2" charset="-122"/>
-                <a:ea typeface="等线" panose="02010600030101010101" pitchFamily="2" charset="-122"/>
-              </a:rPr>
-              <a:t>本地仓库</a:t>
-            </a:r>
-            <a:endParaRPr lang="en-US" altLang="zh-CN" dirty="0">
-              <a:solidFill>
-                <a:schemeClr val="tx1"/>
-              </a:solidFill>
-              <a:latin typeface="等线" panose="02010600030101010101" pitchFamily="2" charset="-122"/>
-              <a:ea typeface="等线" panose="02010600030101010101" pitchFamily="2" charset="-122"/>
-            </a:endParaRPr>
-          </a:p>
-          <a:p>
-            <a:pPr lvl="1">
-              <a:lnSpc>
-                <a:spcPct val="150000"/>
-              </a:lnSpc>
-            </a:pPr>
-            <a:r>
-              <a:rPr lang="zh-CN" altLang="en-US" dirty="0">
-                <a:solidFill>
-                  <a:schemeClr val="tx1"/>
-                </a:solidFill>
-                <a:latin typeface="等线" panose="02010600030101010101" pitchFamily="2" charset="-122"/>
-                <a:ea typeface="等线" panose="02010600030101010101" pitchFamily="2" charset="-122"/>
-              </a:rPr>
-              <a:t>远程仓库</a:t>
-            </a:r>
-            <a:endParaRPr lang="en-US" altLang="zh-CN" dirty="0">
-              <a:solidFill>
-                <a:schemeClr val="tx1"/>
-              </a:solidFill>
-              <a:latin typeface="等线" panose="02010600030101010101" pitchFamily="2" charset="-122"/>
-              <a:ea typeface="等线" panose="02010600030101010101" pitchFamily="2" charset="-122"/>
-            </a:endParaRPr>
-          </a:p>
-          <a:p>
-            <a:pPr>
-              <a:lnSpc>
-                <a:spcPct val="150000"/>
-              </a:lnSpc>
-            </a:pPr>
-            <a:r>
-              <a:rPr lang="en-US" altLang="zh-CN" dirty="0">
-                <a:solidFill>
-                  <a:schemeClr val="tx1"/>
-                </a:solidFill>
-                <a:latin typeface="等线" panose="02010600030101010101" pitchFamily="2" charset="-122"/>
-                <a:ea typeface="等线" panose="02010600030101010101" pitchFamily="2" charset="-122"/>
-              </a:rPr>
-              <a:t>Git </a:t>
-            </a:r>
-            <a:r>
-              <a:rPr lang="zh-CN" altLang="en-US" dirty="0">
-                <a:solidFill>
-                  <a:schemeClr val="tx1"/>
-                </a:solidFill>
-                <a:latin typeface="等线" panose="02010600030101010101" pitchFamily="2" charset="-122"/>
-                <a:ea typeface="等线" panose="02010600030101010101" pitchFamily="2" charset="-122"/>
-              </a:rPr>
               <a:t>其他学习资源</a:t>
             </a:r>
           </a:p>
@@ -22763,7 +24540,7 @@
               <a:pPr>
                 <a:defRPr/>
               </a:pPr>
-              <a:t>3</a:t>
+              <a:t>23</a:t>
             </a:fld>
             <a:endParaRPr lang="zh-CN" altLang="en-US"/>
           </a:p>
@@ -23044,7 +24821,4425 @@
     </p:spTree>
     <p:extLst>
       <p:ext uri="{BB962C8B-B14F-4D97-AF65-F5344CB8AC3E}">
+        <p14:creationId xmlns:p14="http://schemas.microsoft.com/office/powerpoint/2010/main" val="2040506502"/>
+      </p:ext>
+    </p:extLst>
+  </p:cSld>
+  <p:clrMapOvr>
+    <a:masterClrMapping/>
+  </p:clrMapOvr>
+</p:sld>
+</file>
+
+<file path=ppt/slides/slide24.xml><?xml version="1.0" encoding="utf-8"?>
+<p:sld xmlns:a="http://schemas.openxmlformats.org/drawingml/2006/main" xmlns:r="http://schemas.openxmlformats.org/officeDocument/2006/relationships" xmlns:p="http://schemas.openxmlformats.org/presentationml/2006/main">
+  <p:cSld>
+    <p:spTree>
+      <p:nvGrpSpPr>
+        <p:cNvPr id="1" name=""/>
+        <p:cNvGrpSpPr/>
+        <p:nvPr/>
+      </p:nvGrpSpPr>
+      <p:grpSpPr>
+        <a:xfrm>
+          <a:off x="0" y="0"/>
+          <a:ext cx="0" cy="0"/>
+          <a:chOff x="0" y="0"/>
+          <a:chExt cx="0" cy="0"/>
+        </a:xfrm>
+      </p:grpSpPr>
+      <p:sp>
+        <p:nvSpPr>
+          <p:cNvPr id="4" name="灯片编号占位符 3"/>
+          <p:cNvSpPr>
+            <a:spLocks noGrp="1"/>
+          </p:cNvSpPr>
+          <p:nvPr>
+            <p:ph type="sldNum" sz="quarter" idx="12"/>
+          </p:nvPr>
+        </p:nvSpPr>
+        <p:spPr/>
+        <p:txBody>
+          <a:bodyPr/>
+          <a:lstStyle/>
+          <a:p>
+            <a:pPr>
+              <a:defRPr/>
+            </a:pPr>
+            <a:fld id="{5F2A2E64-0435-4335-8CCE-EE46D16D8B12}" type="slidenum">
+              <a:rPr lang="zh-CN" altLang="en-US" smtClean="0"/>
+              <a:pPr>
+                <a:defRPr/>
+              </a:pPr>
+              <a:t>24</a:t>
+            </a:fld>
+            <a:endParaRPr lang="zh-CN" altLang="en-US" dirty="0"/>
+          </a:p>
+        </p:txBody>
+      </p:sp>
+      <p:sp>
+        <p:nvSpPr>
+          <p:cNvPr id="6" name="标题 2"/>
+          <p:cNvSpPr>
+            <a:spLocks noGrp="1"/>
+          </p:cNvSpPr>
+          <p:nvPr>
+            <p:ph type="title"/>
+          </p:nvPr>
+        </p:nvSpPr>
+        <p:spPr>
+          <a:xfrm>
+            <a:off x="3503712" y="260648"/>
+            <a:ext cx="5760640" cy="418058"/>
+          </a:xfrm>
+        </p:spPr>
+        <p:txBody>
+          <a:bodyPr>
+            <a:noAutofit/>
+          </a:bodyPr>
+          <a:lstStyle/>
+          <a:p>
+            <a:pPr algn="ctr"/>
+            <a:r>
+              <a:rPr lang="en-US" altLang="zh-CN" b="1" dirty="0">
+                <a:solidFill>
+                  <a:schemeClr val="bg1"/>
+                </a:solidFill>
+                <a:latin typeface="+mn-lt"/>
+              </a:rPr>
+              <a:t>Remote Repo</a:t>
+            </a:r>
+            <a:endParaRPr lang="zh-CN" altLang="en-US" b="1" dirty="0">
+              <a:solidFill>
+                <a:schemeClr val="bg1"/>
+              </a:solidFill>
+              <a:latin typeface="+mn-lt"/>
+            </a:endParaRPr>
+          </a:p>
+        </p:txBody>
+      </p:sp>
+      <p:sp>
+        <p:nvSpPr>
+          <p:cNvPr id="5" name="内容占位符 4">
+            <a:extLst>
+              <a:ext uri="{FF2B5EF4-FFF2-40B4-BE49-F238E27FC236}">
+                <a16:creationId xmlns:a16="http://schemas.microsoft.com/office/drawing/2014/main" id="{D1F876F4-09C8-43EB-9898-EEB3AE25C516}"/>
+              </a:ext>
+            </a:extLst>
+          </p:cNvPr>
+          <p:cNvSpPr>
+            <a:spLocks noGrp="1"/>
+          </p:cNvSpPr>
+          <p:nvPr>
+            <p:ph idx="1"/>
+          </p:nvPr>
+        </p:nvSpPr>
+        <p:spPr/>
+        <p:txBody>
+          <a:bodyPr>
+            <a:normAutofit fontScale="92500" lnSpcReduction="20000"/>
+          </a:bodyPr>
+          <a:lstStyle/>
+          <a:p>
+            <a:pPr>
+              <a:lnSpc>
+                <a:spcPct val="125000"/>
+              </a:lnSpc>
+            </a:pPr>
+            <a:r>
+              <a:rPr lang="en-US" altLang="zh-CN" sz="2400" dirty="0"/>
+              <a:t>Git </a:t>
+            </a:r>
+            <a:r>
+              <a:rPr lang="zh-CN" altLang="en-US" sz="2400" dirty="0"/>
+              <a:t>的基本概念</a:t>
+            </a:r>
+            <a:endParaRPr lang="en-US" altLang="zh-CN" sz="2400" dirty="0"/>
+          </a:p>
+          <a:p>
+            <a:pPr lvl="1">
+              <a:lnSpc>
+                <a:spcPct val="125000"/>
+              </a:lnSpc>
+            </a:pPr>
+            <a:r>
+              <a:rPr lang="zh-CN" altLang="en-US" sz="2000" dirty="0"/>
+              <a:t>工作区（</a:t>
+            </a:r>
+            <a:r>
+              <a:rPr lang="en-US" altLang="zh-CN" sz="2000" dirty="0"/>
+              <a:t>working directory</a:t>
+            </a:r>
+            <a:r>
+              <a:rPr lang="zh-CN" altLang="en-US" sz="2000" dirty="0"/>
+              <a:t>）</a:t>
+            </a:r>
+            <a:endParaRPr lang="en-US" altLang="zh-CN" sz="2000" dirty="0"/>
+          </a:p>
+          <a:p>
+            <a:pPr lvl="1">
+              <a:lnSpc>
+                <a:spcPct val="125000"/>
+              </a:lnSpc>
+            </a:pPr>
+            <a:r>
+              <a:rPr lang="zh-CN" altLang="en-US" sz="2000" dirty="0"/>
+              <a:t>暂存区（</a:t>
+            </a:r>
+            <a:r>
+              <a:rPr lang="en-US" altLang="zh-CN" sz="2000" dirty="0"/>
+              <a:t>staging area, index</a:t>
+            </a:r>
+            <a:r>
+              <a:rPr lang="zh-CN" altLang="en-US" sz="2000" dirty="0"/>
+              <a:t>）</a:t>
+            </a:r>
+            <a:endParaRPr lang="en-US" altLang="zh-CN" sz="2000" dirty="0"/>
+          </a:p>
+          <a:p>
+            <a:pPr lvl="1">
+              <a:lnSpc>
+                <a:spcPct val="125000"/>
+              </a:lnSpc>
+            </a:pPr>
+            <a:r>
+              <a:rPr lang="zh-CN" altLang="en-US" sz="2000" dirty="0"/>
+              <a:t>本地仓库（</a:t>
+            </a:r>
+            <a:r>
+              <a:rPr lang="en-US" altLang="zh-CN" sz="2000" dirty="0"/>
+              <a:t>local repo</a:t>
+            </a:r>
+            <a:r>
+              <a:rPr lang="zh-CN" altLang="en-US" sz="2000" dirty="0"/>
+              <a:t>）</a:t>
+            </a:r>
+            <a:endParaRPr lang="en-US" altLang="zh-CN" sz="2000" dirty="0"/>
+          </a:p>
+          <a:p>
+            <a:pPr lvl="1">
+              <a:lnSpc>
+                <a:spcPct val="125000"/>
+              </a:lnSpc>
+            </a:pPr>
+            <a:r>
+              <a:rPr lang="zh-CN" altLang="en-US" sz="2000" b="1" dirty="0"/>
+              <a:t>远程仓库（</a:t>
+            </a:r>
+            <a:r>
+              <a:rPr lang="en-US" altLang="zh-CN" sz="2000" b="1" dirty="0"/>
+              <a:t>remote repo</a:t>
+            </a:r>
+            <a:r>
+              <a:rPr lang="zh-CN" altLang="en-US" sz="2000" b="1" dirty="0"/>
+              <a:t>）</a:t>
+            </a:r>
+            <a:endParaRPr lang="en-US" altLang="zh-CN" sz="2000" b="1" dirty="0"/>
+          </a:p>
+          <a:p>
+            <a:pPr>
+              <a:lnSpc>
+                <a:spcPct val="125000"/>
+              </a:lnSpc>
+            </a:pPr>
+            <a:r>
+              <a:rPr lang="zh-CN" altLang="en-US" sz="2400" dirty="0"/>
+              <a:t>高频命令</a:t>
+            </a:r>
+            <a:endParaRPr lang="en-US" altLang="zh-CN" sz="2400" dirty="0"/>
+          </a:p>
+          <a:p>
+            <a:pPr lvl="1">
+              <a:lnSpc>
+                <a:spcPct val="125000"/>
+              </a:lnSpc>
+            </a:pPr>
+            <a:r>
+              <a:rPr lang="en-US" altLang="zh-CN" sz="2000" dirty="0"/>
+              <a:t>$ git add</a:t>
+            </a:r>
+          </a:p>
+          <a:p>
+            <a:pPr lvl="1">
+              <a:lnSpc>
+                <a:spcPct val="125000"/>
+              </a:lnSpc>
+            </a:pPr>
+            <a:r>
+              <a:rPr lang="en-US" altLang="zh-CN" sz="2000" dirty="0"/>
+              <a:t>$ git commit</a:t>
+            </a:r>
+          </a:p>
+          <a:p>
+            <a:pPr lvl="1">
+              <a:lnSpc>
+                <a:spcPct val="125000"/>
+              </a:lnSpc>
+            </a:pPr>
+            <a:r>
+              <a:rPr lang="en-US" altLang="zh-CN" sz="2000" b="1" dirty="0"/>
+              <a:t>$ git push</a:t>
+            </a:r>
+          </a:p>
+          <a:p>
+            <a:pPr lvl="1">
+              <a:lnSpc>
+                <a:spcPct val="125000"/>
+              </a:lnSpc>
+            </a:pPr>
+            <a:r>
+              <a:rPr lang="en-US" altLang="zh-CN" sz="2000" b="1" dirty="0"/>
+              <a:t>$ git pull</a:t>
+            </a:r>
+          </a:p>
+          <a:p>
+            <a:pPr lvl="1">
+              <a:lnSpc>
+                <a:spcPct val="125000"/>
+              </a:lnSpc>
+            </a:pPr>
+            <a:r>
+              <a:rPr lang="en-US" altLang="zh-CN" sz="2000" dirty="0"/>
+              <a:t>$ git checkout</a:t>
+            </a:r>
+          </a:p>
+        </p:txBody>
+      </p:sp>
+      <p:pic>
+        <p:nvPicPr>
+          <p:cNvPr id="7" name="图片 6">
+            <a:extLst>
+              <a:ext uri="{FF2B5EF4-FFF2-40B4-BE49-F238E27FC236}">
+                <a16:creationId xmlns:a16="http://schemas.microsoft.com/office/drawing/2014/main" id="{6D642C78-EA20-4245-8770-62BF224271F8}"/>
+              </a:ext>
+            </a:extLst>
+          </p:cNvPr>
+          <p:cNvPicPr>
+            <a:picLocks noChangeAspect="1"/>
+          </p:cNvPicPr>
+          <p:nvPr/>
+        </p:nvPicPr>
+        <p:blipFill>
+          <a:blip r:embed="rId3">
+            <a:extLst>
+              <a:ext uri="{28A0092B-C50C-407E-A947-70E740481C1C}">
+                <a14:useLocalDpi xmlns:a14="http://schemas.microsoft.com/office/drawing/2010/main" val="0"/>
+              </a:ext>
+            </a:extLst>
+          </a:blip>
+          <a:stretch>
+            <a:fillRect/>
+          </a:stretch>
+        </p:blipFill>
+        <p:spPr>
+          <a:xfrm>
+            <a:off x="5519936" y="2155018"/>
+            <a:ext cx="5199112" cy="3692551"/>
+          </a:xfrm>
+          <a:prstGeom prst="rect">
+            <a:avLst/>
+          </a:prstGeom>
+        </p:spPr>
+      </p:pic>
+      <p:sp>
+        <p:nvSpPr>
+          <p:cNvPr id="2" name="矩形 1">
+            <a:extLst>
+              <a:ext uri="{FF2B5EF4-FFF2-40B4-BE49-F238E27FC236}">
+                <a16:creationId xmlns:a16="http://schemas.microsoft.com/office/drawing/2014/main" id="{BF8CDA05-C638-48D0-95F2-BCA439EC43EF}"/>
+              </a:ext>
+            </a:extLst>
+          </p:cNvPr>
+          <p:cNvSpPr/>
+          <p:nvPr/>
+        </p:nvSpPr>
+        <p:spPr>
+          <a:xfrm>
+            <a:off x="5512966" y="1975573"/>
+            <a:ext cx="2239217" cy="3871996"/>
+          </a:xfrm>
+          <a:prstGeom prst="rect">
+            <a:avLst/>
+          </a:prstGeom>
+          <a:solidFill>
+            <a:schemeClr val="bg1">
+              <a:alpha val="80000"/>
+            </a:schemeClr>
+          </a:solidFill>
+          <a:ln>
+            <a:noFill/>
+          </a:ln>
+        </p:spPr>
+        <p:style>
+          <a:lnRef idx="2">
+            <a:schemeClr val="accent1">
+              <a:shade val="50000"/>
+            </a:schemeClr>
+          </a:lnRef>
+          <a:fillRef idx="1">
+            <a:schemeClr val="accent1"/>
+          </a:fillRef>
+          <a:effectRef idx="0">
+            <a:schemeClr val="accent1"/>
+          </a:effectRef>
+          <a:fontRef idx="minor">
+            <a:schemeClr val="lt1"/>
+          </a:fontRef>
+        </p:style>
+        <p:txBody>
+          <a:bodyPr rtlCol="0" anchor="ctr"/>
+          <a:lstStyle/>
+          <a:p>
+            <a:pPr algn="ctr"/>
+            <a:endParaRPr lang="zh-CN" altLang="en-US"/>
+          </a:p>
+        </p:txBody>
+      </p:sp>
+    </p:spTree>
+    <p:extLst>
+      <p:ext uri="{BB962C8B-B14F-4D97-AF65-F5344CB8AC3E}">
+        <p14:creationId xmlns:p14="http://schemas.microsoft.com/office/powerpoint/2010/main" val="3375176310"/>
+      </p:ext>
+    </p:extLst>
+  </p:cSld>
+  <p:clrMapOvr>
+    <a:masterClrMapping/>
+  </p:clrMapOvr>
+</p:sld>
+</file>
+
+<file path=ppt/slides/slide25.xml><?xml version="1.0" encoding="utf-8"?>
+<p:sld xmlns:a="http://schemas.openxmlformats.org/drawingml/2006/main" xmlns:r="http://schemas.openxmlformats.org/officeDocument/2006/relationships" xmlns:p="http://schemas.openxmlformats.org/presentationml/2006/main">
+  <p:cSld>
+    <p:spTree>
+      <p:nvGrpSpPr>
+        <p:cNvPr id="1" name=""/>
+        <p:cNvGrpSpPr/>
+        <p:nvPr/>
+      </p:nvGrpSpPr>
+      <p:grpSpPr>
+        <a:xfrm>
+          <a:off x="0" y="0"/>
+          <a:ext cx="0" cy="0"/>
+          <a:chOff x="0" y="0"/>
+          <a:chExt cx="0" cy="0"/>
+        </a:xfrm>
+      </p:grpSpPr>
+      <p:sp>
+        <p:nvSpPr>
+          <p:cNvPr id="4" name="灯片编号占位符 3"/>
+          <p:cNvSpPr>
+            <a:spLocks noGrp="1"/>
+          </p:cNvSpPr>
+          <p:nvPr>
+            <p:ph type="sldNum" sz="quarter" idx="12"/>
+          </p:nvPr>
+        </p:nvSpPr>
+        <p:spPr/>
+        <p:txBody>
+          <a:bodyPr/>
+          <a:lstStyle/>
+          <a:p>
+            <a:pPr>
+              <a:defRPr/>
+            </a:pPr>
+            <a:fld id="{5F2A2E64-0435-4335-8CCE-EE46D16D8B12}" type="slidenum">
+              <a:rPr lang="zh-CN" altLang="en-US" smtClean="0"/>
+              <a:pPr>
+                <a:defRPr/>
+              </a:pPr>
+              <a:t>25</a:t>
+            </a:fld>
+            <a:endParaRPr lang="zh-CN" altLang="en-US" dirty="0"/>
+          </a:p>
+        </p:txBody>
+      </p:sp>
+      <p:sp>
+        <p:nvSpPr>
+          <p:cNvPr id="6" name="标题 2"/>
+          <p:cNvSpPr>
+            <a:spLocks noGrp="1"/>
+          </p:cNvSpPr>
+          <p:nvPr>
+            <p:ph type="title"/>
+          </p:nvPr>
+        </p:nvSpPr>
+        <p:spPr>
+          <a:xfrm>
+            <a:off x="3503712" y="260648"/>
+            <a:ext cx="5760640" cy="418058"/>
+          </a:xfrm>
+        </p:spPr>
+        <p:txBody>
+          <a:bodyPr>
+            <a:noAutofit/>
+          </a:bodyPr>
+          <a:lstStyle/>
+          <a:p>
+            <a:pPr algn="ctr"/>
+            <a:r>
+              <a:rPr lang="en-US" altLang="zh-CN" b="1" dirty="0">
+                <a:solidFill>
+                  <a:schemeClr val="bg1"/>
+                </a:solidFill>
+                <a:latin typeface="+mn-lt"/>
+              </a:rPr>
+              <a:t>Local Repo</a:t>
+            </a:r>
+            <a:endParaRPr lang="zh-CN" altLang="en-US" b="1" dirty="0">
+              <a:solidFill>
+                <a:schemeClr val="bg1"/>
+              </a:solidFill>
+              <a:latin typeface="+mn-lt"/>
+            </a:endParaRPr>
+          </a:p>
+        </p:txBody>
+      </p:sp>
+      <p:sp>
+        <p:nvSpPr>
+          <p:cNvPr id="5" name="内容占位符 4">
+            <a:extLst>
+              <a:ext uri="{FF2B5EF4-FFF2-40B4-BE49-F238E27FC236}">
+                <a16:creationId xmlns:a16="http://schemas.microsoft.com/office/drawing/2014/main" id="{D1F876F4-09C8-43EB-9898-EEB3AE25C516}"/>
+              </a:ext>
+            </a:extLst>
+          </p:cNvPr>
+          <p:cNvSpPr>
+            <a:spLocks noGrp="1"/>
+          </p:cNvSpPr>
+          <p:nvPr>
+            <p:ph idx="1"/>
+          </p:nvPr>
+        </p:nvSpPr>
+        <p:spPr/>
+        <p:txBody>
+          <a:bodyPr>
+            <a:normAutofit/>
+          </a:bodyPr>
+          <a:lstStyle/>
+          <a:p>
+            <a:pPr>
+              <a:lnSpc>
+                <a:spcPct val="125000"/>
+              </a:lnSpc>
+            </a:pPr>
+            <a:r>
+              <a:rPr lang="zh-CN" altLang="en-US" dirty="0"/>
+              <a:t>一个完整的远程协作流程</a:t>
+            </a:r>
+            <a:endParaRPr lang="en-US" altLang="zh-CN" dirty="0"/>
+          </a:p>
+          <a:p>
+            <a:pPr lvl="1">
+              <a:lnSpc>
+                <a:spcPct val="125000"/>
+              </a:lnSpc>
+            </a:pPr>
+            <a:r>
+              <a:rPr lang="zh-CN" altLang="en-US" b="1" dirty="0"/>
+              <a:t>本地仓库</a:t>
+            </a:r>
+            <a:r>
+              <a:rPr lang="zh-CN" altLang="en-US" dirty="0"/>
+              <a:t>：处理一个特性并将文件提交到一个分支</a:t>
+            </a:r>
+            <a:r>
+              <a:rPr lang="en-US" altLang="zh-CN" dirty="0"/>
+              <a:t>(</a:t>
+            </a:r>
+            <a:r>
+              <a:rPr lang="zh-CN" altLang="en-US" dirty="0"/>
+              <a:t>主分支或任何其他分支</a:t>
+            </a:r>
+            <a:r>
+              <a:rPr lang="en-US" altLang="zh-CN" dirty="0"/>
+              <a:t>)</a:t>
+            </a:r>
+            <a:r>
+              <a:rPr lang="zh-CN" altLang="en-US" dirty="0"/>
+              <a:t>；</a:t>
+            </a:r>
+            <a:r>
+              <a:rPr lang="en-US" altLang="zh-CN" dirty="0"/>
+              <a:t>【</a:t>
+            </a:r>
+            <a:r>
+              <a:rPr lang="zh-CN" altLang="en-US" dirty="0"/>
+              <a:t>上一章节已详细叙述该过程。</a:t>
+            </a:r>
+            <a:r>
+              <a:rPr lang="en-US" altLang="zh-CN" dirty="0"/>
+              <a:t>】</a:t>
+            </a:r>
+          </a:p>
+          <a:p>
+            <a:pPr lvl="1">
+              <a:lnSpc>
+                <a:spcPct val="125000"/>
+              </a:lnSpc>
+            </a:pPr>
+            <a:r>
+              <a:rPr lang="zh-CN" altLang="en-US" b="1" dirty="0"/>
+              <a:t>本地 </a:t>
+            </a:r>
+            <a:r>
+              <a:rPr lang="en-US" altLang="zh-CN" b="1" dirty="0"/>
+              <a:t>-&gt; </a:t>
+            </a:r>
+            <a:r>
+              <a:rPr lang="zh-CN" altLang="en-US" b="1" dirty="0"/>
+              <a:t>远端</a:t>
+            </a:r>
+            <a:r>
+              <a:rPr lang="zh-CN" altLang="en-US" dirty="0"/>
+              <a:t>：将历史提交推向</a:t>
+            </a:r>
+            <a:r>
+              <a:rPr lang="en-US" altLang="zh-CN" dirty="0"/>
+              <a:t>(push)</a:t>
+            </a:r>
+            <a:r>
+              <a:rPr lang="zh-CN" altLang="en-US" dirty="0"/>
+              <a:t>远程存储库；</a:t>
+            </a:r>
+            <a:endParaRPr lang="en-US" altLang="zh-CN" dirty="0"/>
+          </a:p>
+          <a:p>
+            <a:pPr lvl="1">
+              <a:lnSpc>
+                <a:spcPct val="125000"/>
+              </a:lnSpc>
+            </a:pPr>
+            <a:r>
+              <a:rPr lang="zh-CN" altLang="en-US" b="1" dirty="0"/>
+              <a:t>远端 </a:t>
+            </a:r>
+            <a:r>
+              <a:rPr lang="en-US" altLang="zh-CN" b="1" dirty="0"/>
+              <a:t>-&gt; </a:t>
+            </a:r>
+            <a:r>
+              <a:rPr lang="zh-CN" altLang="en-US" b="1" dirty="0"/>
+              <a:t>本地</a:t>
+            </a:r>
+            <a:r>
+              <a:rPr lang="zh-CN" altLang="en-US" dirty="0"/>
+              <a:t>：其他开发人员将你的提交拉入</a:t>
+            </a:r>
+            <a:r>
+              <a:rPr lang="en-US" altLang="zh-CN" dirty="0"/>
+              <a:t>(pull)</a:t>
+            </a:r>
+            <a:r>
+              <a:rPr lang="zh-CN" altLang="en-US" dirty="0"/>
+              <a:t>到他们的计算机上，得到该项目的最新版本；</a:t>
+            </a:r>
+            <a:endParaRPr lang="en-US" altLang="zh-CN" dirty="0"/>
+          </a:p>
+        </p:txBody>
+      </p:sp>
+    </p:spTree>
+    <p:extLst>
+      <p:ext uri="{BB962C8B-B14F-4D97-AF65-F5344CB8AC3E}">
+        <p14:creationId xmlns:p14="http://schemas.microsoft.com/office/powerpoint/2010/main" val="2525233038"/>
+      </p:ext>
+    </p:extLst>
+  </p:cSld>
+  <p:clrMapOvr>
+    <a:masterClrMapping/>
+  </p:clrMapOvr>
+</p:sld>
+</file>
+
+<file path=ppt/slides/slide26.xml><?xml version="1.0" encoding="utf-8"?>
+<p:sld xmlns:a="http://schemas.openxmlformats.org/drawingml/2006/main" xmlns:r="http://schemas.openxmlformats.org/officeDocument/2006/relationships" xmlns:p="http://schemas.openxmlformats.org/presentationml/2006/main">
+  <p:cSld>
+    <p:spTree>
+      <p:nvGrpSpPr>
+        <p:cNvPr id="1" name=""/>
+        <p:cNvGrpSpPr/>
+        <p:nvPr/>
+      </p:nvGrpSpPr>
+      <p:grpSpPr>
+        <a:xfrm>
+          <a:off x="0" y="0"/>
+          <a:ext cx="0" cy="0"/>
+          <a:chOff x="0" y="0"/>
+          <a:chExt cx="0" cy="0"/>
+        </a:xfrm>
+      </p:grpSpPr>
+      <p:sp>
+        <p:nvSpPr>
+          <p:cNvPr id="4" name="灯片编号占位符 3"/>
+          <p:cNvSpPr>
+            <a:spLocks noGrp="1"/>
+          </p:cNvSpPr>
+          <p:nvPr>
+            <p:ph type="sldNum" sz="quarter" idx="12"/>
+          </p:nvPr>
+        </p:nvSpPr>
+        <p:spPr/>
+        <p:txBody>
+          <a:bodyPr/>
+          <a:lstStyle/>
+          <a:p>
+            <a:pPr>
+              <a:defRPr/>
+            </a:pPr>
+            <a:fld id="{5F2A2E64-0435-4335-8CCE-EE46D16D8B12}" type="slidenum">
+              <a:rPr lang="zh-CN" altLang="en-US" smtClean="0"/>
+              <a:pPr>
+                <a:defRPr/>
+              </a:pPr>
+              <a:t>26</a:t>
+            </a:fld>
+            <a:endParaRPr lang="zh-CN" altLang="en-US" dirty="0"/>
+          </a:p>
+        </p:txBody>
+      </p:sp>
+      <p:sp>
+        <p:nvSpPr>
+          <p:cNvPr id="6" name="标题 2"/>
+          <p:cNvSpPr>
+            <a:spLocks noGrp="1"/>
+          </p:cNvSpPr>
+          <p:nvPr>
+            <p:ph type="title"/>
+          </p:nvPr>
+        </p:nvSpPr>
+        <p:spPr>
+          <a:xfrm>
+            <a:off x="3503712" y="260648"/>
+            <a:ext cx="5760640" cy="418058"/>
+          </a:xfrm>
+        </p:spPr>
+        <p:txBody>
+          <a:bodyPr>
+            <a:noAutofit/>
+          </a:bodyPr>
+          <a:lstStyle/>
+          <a:p>
+            <a:pPr algn="ctr"/>
+            <a:r>
+              <a:rPr lang="en-US" altLang="zh-CN" b="1" dirty="0">
+                <a:solidFill>
+                  <a:schemeClr val="bg1"/>
+                </a:solidFill>
+                <a:latin typeface="+mn-lt"/>
+              </a:rPr>
+              <a:t>Local Repo</a:t>
+            </a:r>
+            <a:endParaRPr lang="zh-CN" altLang="en-US" b="1" dirty="0">
+              <a:solidFill>
+                <a:schemeClr val="bg1"/>
+              </a:solidFill>
+              <a:latin typeface="+mn-lt"/>
+            </a:endParaRPr>
+          </a:p>
+        </p:txBody>
+      </p:sp>
+      <p:sp>
+        <p:nvSpPr>
+          <p:cNvPr id="5" name="内容占位符 4">
+            <a:extLst>
+              <a:ext uri="{FF2B5EF4-FFF2-40B4-BE49-F238E27FC236}">
+                <a16:creationId xmlns:a16="http://schemas.microsoft.com/office/drawing/2014/main" id="{D1F876F4-09C8-43EB-9898-EEB3AE25C516}"/>
+              </a:ext>
+            </a:extLst>
+          </p:cNvPr>
+          <p:cNvSpPr>
+            <a:spLocks noGrp="1"/>
+          </p:cNvSpPr>
+          <p:nvPr>
+            <p:ph idx="1"/>
+          </p:nvPr>
+        </p:nvSpPr>
+        <p:spPr/>
+        <p:txBody>
+          <a:bodyPr>
+            <a:normAutofit/>
+          </a:bodyPr>
+          <a:lstStyle/>
+          <a:p>
+            <a:pPr>
+              <a:lnSpc>
+                <a:spcPct val="125000"/>
+              </a:lnSpc>
+            </a:pPr>
+            <a:r>
+              <a:rPr lang="zh-CN" altLang="en-US" sz="3200" dirty="0"/>
+              <a:t>最后讨论本地仓库与远端仓库交互的操作</a:t>
+            </a:r>
+            <a:endParaRPr lang="en-US" altLang="zh-CN" sz="3200" dirty="0"/>
+          </a:p>
+          <a:p>
+            <a:pPr lvl="1">
+              <a:lnSpc>
+                <a:spcPct val="125000"/>
+              </a:lnSpc>
+            </a:pPr>
+            <a:r>
+              <a:rPr lang="zh-CN" altLang="en-US" sz="2000" dirty="0"/>
+              <a:t>创建远程仓库 </a:t>
+            </a:r>
+            <a:r>
+              <a:rPr lang="en-US" altLang="zh-CN" sz="2000" dirty="0"/>
+              <a:t>(GitHub</a:t>
+            </a:r>
+            <a:r>
+              <a:rPr lang="zh-CN" altLang="en-US" sz="2000" dirty="0"/>
+              <a:t>、</a:t>
+            </a:r>
+            <a:r>
+              <a:rPr lang="en-US" altLang="zh-CN" sz="2000" dirty="0"/>
+              <a:t>Gitlab</a:t>
+            </a:r>
+            <a:r>
+              <a:rPr lang="zh-CN" altLang="en-US" sz="2000" dirty="0"/>
+              <a:t>、</a:t>
+            </a:r>
+            <a:r>
+              <a:rPr lang="en-US" altLang="zh-CN" sz="2000" dirty="0" err="1"/>
+              <a:t>Gitee</a:t>
+            </a:r>
+            <a:r>
+              <a:rPr lang="en-US" altLang="zh-CN" sz="2000" dirty="0"/>
+              <a:t>)</a:t>
+            </a:r>
+          </a:p>
+          <a:p>
+            <a:pPr lvl="1">
+              <a:lnSpc>
+                <a:spcPct val="125000"/>
+              </a:lnSpc>
+            </a:pPr>
+            <a:r>
+              <a:rPr lang="zh-CN" altLang="en-US" sz="2000" dirty="0"/>
+              <a:t>将远程仓库与本地仓库绑定</a:t>
+            </a:r>
+            <a:endParaRPr lang="en-US" altLang="zh-CN" sz="2000" dirty="0"/>
+          </a:p>
+          <a:p>
+            <a:pPr lvl="1">
+              <a:lnSpc>
+                <a:spcPct val="125000"/>
+              </a:lnSpc>
+            </a:pPr>
+            <a:r>
+              <a:rPr lang="zh-CN" altLang="en-US" sz="2000" dirty="0"/>
+              <a:t>将本地仓库代码更新推至 </a:t>
+            </a:r>
+            <a:r>
+              <a:rPr lang="en-US" altLang="zh-CN" sz="2000" dirty="0"/>
+              <a:t>(push) </a:t>
+            </a:r>
+            <a:r>
+              <a:rPr lang="zh-CN" altLang="en-US" sz="2000" dirty="0"/>
+              <a:t>远程仓库</a:t>
+            </a:r>
+            <a:endParaRPr lang="en-US" altLang="zh-CN" sz="2000" dirty="0"/>
+          </a:p>
+          <a:p>
+            <a:pPr lvl="1">
+              <a:lnSpc>
+                <a:spcPct val="125000"/>
+              </a:lnSpc>
+            </a:pPr>
+            <a:r>
+              <a:rPr lang="zh-CN" altLang="en-US" sz="2000" dirty="0"/>
+              <a:t>将远程仓库更新拉入本地 </a:t>
+            </a:r>
+            <a:r>
+              <a:rPr lang="en-US" altLang="zh-CN" sz="2000" dirty="0"/>
+              <a:t>(pull) </a:t>
+            </a:r>
+            <a:r>
+              <a:rPr lang="zh-CN" altLang="en-US" sz="2000" dirty="0"/>
+              <a:t>仓库</a:t>
+            </a:r>
+            <a:endParaRPr lang="en-US" altLang="zh-CN" sz="2000" dirty="0"/>
+          </a:p>
+          <a:p>
+            <a:pPr lvl="1">
+              <a:lnSpc>
+                <a:spcPct val="125000"/>
+              </a:lnSpc>
+            </a:pPr>
+            <a:r>
+              <a:rPr lang="zh-CN" altLang="en-US" sz="2000" dirty="0"/>
+              <a:t>克隆 </a:t>
+            </a:r>
+            <a:r>
+              <a:rPr lang="en-US" altLang="zh-CN" sz="2000" dirty="0"/>
+              <a:t>(clone) </a:t>
+            </a:r>
+            <a:r>
+              <a:rPr lang="zh-CN" altLang="en-US" sz="2000" dirty="0"/>
+              <a:t>远程仓库</a:t>
+            </a:r>
+            <a:endParaRPr lang="en-US" altLang="zh-CN" sz="2000" dirty="0"/>
+          </a:p>
+          <a:p>
+            <a:pPr lvl="1">
+              <a:lnSpc>
+                <a:spcPct val="125000"/>
+              </a:lnSpc>
+            </a:pPr>
+            <a:r>
+              <a:rPr lang="en-US" altLang="zh-CN" sz="2000" dirty="0"/>
+              <a:t>clone </a:t>
+            </a:r>
+            <a:r>
+              <a:rPr lang="zh-CN" altLang="en-US" sz="2000" dirty="0"/>
+              <a:t>和 </a:t>
+            </a:r>
+            <a:r>
+              <a:rPr lang="en-US" altLang="zh-CN" sz="2000" dirty="0"/>
+              <a:t>pull </a:t>
+            </a:r>
+            <a:r>
+              <a:rPr lang="zh-CN" altLang="en-US" sz="2000" dirty="0"/>
+              <a:t>的区别</a:t>
+            </a:r>
+            <a:endParaRPr lang="en-US" altLang="zh-CN" sz="2000" dirty="0"/>
+          </a:p>
+          <a:p>
+            <a:pPr lvl="1">
+              <a:lnSpc>
+                <a:spcPct val="125000"/>
+              </a:lnSpc>
+            </a:pPr>
+            <a:endParaRPr lang="en-US" altLang="zh-CN" sz="2000" dirty="0"/>
+          </a:p>
+          <a:p>
+            <a:pPr lvl="1">
+              <a:lnSpc>
+                <a:spcPct val="125000"/>
+              </a:lnSpc>
+            </a:pPr>
+            <a:endParaRPr lang="en-US" altLang="zh-CN" sz="2000" dirty="0"/>
+          </a:p>
+        </p:txBody>
+      </p:sp>
+    </p:spTree>
+    <p:extLst>
+      <p:ext uri="{BB962C8B-B14F-4D97-AF65-F5344CB8AC3E}">
+        <p14:creationId xmlns:p14="http://schemas.microsoft.com/office/powerpoint/2010/main" val="3735852465"/>
+      </p:ext>
+    </p:extLst>
+  </p:cSld>
+  <p:clrMapOvr>
+    <a:masterClrMapping/>
+  </p:clrMapOvr>
+</p:sld>
+</file>
+
+<file path=ppt/slides/slide27.xml><?xml version="1.0" encoding="utf-8"?>
+<p:sld xmlns:a="http://schemas.openxmlformats.org/drawingml/2006/main" xmlns:r="http://schemas.openxmlformats.org/officeDocument/2006/relationships" xmlns:p="http://schemas.openxmlformats.org/presentationml/2006/main">
+  <p:cSld>
+    <p:spTree>
+      <p:nvGrpSpPr>
+        <p:cNvPr id="1" name=""/>
+        <p:cNvGrpSpPr/>
+        <p:nvPr/>
+      </p:nvGrpSpPr>
+      <p:grpSpPr>
+        <a:xfrm>
+          <a:off x="0" y="0"/>
+          <a:ext cx="0" cy="0"/>
+          <a:chOff x="0" y="0"/>
+          <a:chExt cx="0" cy="0"/>
+        </a:xfrm>
+      </p:grpSpPr>
+      <p:sp>
+        <p:nvSpPr>
+          <p:cNvPr id="4" name="灯片编号占位符 3"/>
+          <p:cNvSpPr>
+            <a:spLocks noGrp="1"/>
+          </p:cNvSpPr>
+          <p:nvPr>
+            <p:ph type="sldNum" sz="quarter" idx="12"/>
+          </p:nvPr>
+        </p:nvSpPr>
+        <p:spPr/>
+        <p:txBody>
+          <a:bodyPr/>
+          <a:lstStyle/>
+          <a:p>
+            <a:pPr>
+              <a:defRPr/>
+            </a:pPr>
+            <a:fld id="{5F2A2E64-0435-4335-8CCE-EE46D16D8B12}" type="slidenum">
+              <a:rPr lang="zh-CN" altLang="en-US" smtClean="0"/>
+              <a:pPr>
+                <a:defRPr/>
+              </a:pPr>
+              <a:t>27</a:t>
+            </a:fld>
+            <a:endParaRPr lang="zh-CN" altLang="en-US" dirty="0"/>
+          </a:p>
+        </p:txBody>
+      </p:sp>
+      <p:sp>
+        <p:nvSpPr>
+          <p:cNvPr id="6" name="标题 2"/>
+          <p:cNvSpPr>
+            <a:spLocks noGrp="1"/>
+          </p:cNvSpPr>
+          <p:nvPr>
+            <p:ph type="title"/>
+          </p:nvPr>
+        </p:nvSpPr>
+        <p:spPr>
+          <a:xfrm>
+            <a:off x="1199456" y="260648"/>
+            <a:ext cx="10992544" cy="418058"/>
+          </a:xfrm>
+        </p:spPr>
+        <p:txBody>
+          <a:bodyPr>
+            <a:noAutofit/>
+          </a:bodyPr>
+          <a:lstStyle/>
+          <a:p>
+            <a:pPr algn="ctr"/>
+            <a:r>
+              <a:rPr lang="en-US" altLang="zh-CN" sz="3200" b="1" dirty="0">
+                <a:solidFill>
+                  <a:schemeClr val="bg1"/>
+                </a:solidFill>
+                <a:latin typeface="+mn-lt"/>
+              </a:rPr>
+              <a:t>Push and Pull </a:t>
+            </a:r>
+            <a:br>
+              <a:rPr lang="en-US" altLang="zh-CN" sz="3200" b="1" dirty="0">
+                <a:solidFill>
+                  <a:schemeClr val="bg1"/>
+                </a:solidFill>
+                <a:latin typeface="+mn-lt"/>
+              </a:rPr>
+            </a:br>
+            <a:r>
+              <a:rPr lang="en-US" altLang="zh-CN" sz="3200" b="1" dirty="0">
+                <a:solidFill>
+                  <a:schemeClr val="bg1"/>
+                </a:solidFill>
+                <a:latin typeface="+mn-lt"/>
+              </a:rPr>
+              <a:t>To and From a Remote Repository</a:t>
+            </a:r>
+          </a:p>
+        </p:txBody>
+      </p:sp>
+      <p:sp>
+        <p:nvSpPr>
+          <p:cNvPr id="5" name="内容占位符 4">
+            <a:extLst>
+              <a:ext uri="{FF2B5EF4-FFF2-40B4-BE49-F238E27FC236}">
+                <a16:creationId xmlns:a16="http://schemas.microsoft.com/office/drawing/2014/main" id="{D1F876F4-09C8-43EB-9898-EEB3AE25C516}"/>
+              </a:ext>
+            </a:extLst>
+          </p:cNvPr>
+          <p:cNvSpPr>
+            <a:spLocks noGrp="1"/>
+          </p:cNvSpPr>
+          <p:nvPr>
+            <p:ph idx="1"/>
+          </p:nvPr>
+        </p:nvSpPr>
+        <p:spPr/>
+        <p:txBody>
+          <a:bodyPr>
+            <a:normAutofit/>
+          </a:bodyPr>
+          <a:lstStyle/>
+          <a:p>
+            <a:pPr>
+              <a:lnSpc>
+                <a:spcPct val="125000"/>
+              </a:lnSpc>
+            </a:pPr>
+            <a:r>
+              <a:rPr lang="zh-CN" altLang="en-US" sz="3200" dirty="0"/>
+              <a:t>创建远程仓库</a:t>
+            </a:r>
+            <a:endParaRPr lang="en-US" altLang="zh-CN" sz="3200" dirty="0"/>
+          </a:p>
+          <a:p>
+            <a:pPr>
+              <a:lnSpc>
+                <a:spcPct val="125000"/>
+              </a:lnSpc>
+            </a:pPr>
+            <a:endParaRPr lang="en-US" altLang="zh-CN" sz="2000" dirty="0"/>
+          </a:p>
+          <a:p>
+            <a:pPr lvl="1">
+              <a:lnSpc>
+                <a:spcPct val="125000"/>
+              </a:lnSpc>
+            </a:pPr>
+            <a:endParaRPr lang="en-US" altLang="zh-CN" sz="2000" dirty="0"/>
+          </a:p>
+        </p:txBody>
+      </p:sp>
+      <p:pic>
+        <p:nvPicPr>
+          <p:cNvPr id="3" name="图片 2">
+            <a:extLst>
+              <a:ext uri="{FF2B5EF4-FFF2-40B4-BE49-F238E27FC236}">
+                <a16:creationId xmlns:a16="http://schemas.microsoft.com/office/drawing/2014/main" id="{17FF4289-D1AA-406D-BCFB-DDAC9673F4B7}"/>
+              </a:ext>
+            </a:extLst>
+          </p:cNvPr>
+          <p:cNvPicPr>
+            <a:picLocks noChangeAspect="1"/>
+          </p:cNvPicPr>
+          <p:nvPr/>
+        </p:nvPicPr>
+        <p:blipFill>
+          <a:blip r:embed="rId3"/>
+          <a:stretch>
+            <a:fillRect/>
+          </a:stretch>
+        </p:blipFill>
+        <p:spPr>
+          <a:xfrm>
+            <a:off x="1199456" y="2964075"/>
+            <a:ext cx="2505075" cy="2143125"/>
+          </a:xfrm>
+          <a:prstGeom prst="rect">
+            <a:avLst/>
+          </a:prstGeom>
+        </p:spPr>
+      </p:pic>
+      <p:pic>
+        <p:nvPicPr>
+          <p:cNvPr id="7" name="图片 6">
+            <a:extLst>
+              <a:ext uri="{FF2B5EF4-FFF2-40B4-BE49-F238E27FC236}">
+                <a16:creationId xmlns:a16="http://schemas.microsoft.com/office/drawing/2014/main" id="{6747752F-C59C-4DDF-A1D5-40908F16BEB2}"/>
+              </a:ext>
+            </a:extLst>
+          </p:cNvPr>
+          <p:cNvPicPr>
+            <a:picLocks noChangeAspect="1"/>
+          </p:cNvPicPr>
+          <p:nvPr/>
+        </p:nvPicPr>
+        <p:blipFill>
+          <a:blip r:embed="rId4"/>
+          <a:stretch>
+            <a:fillRect/>
+          </a:stretch>
+        </p:blipFill>
+        <p:spPr>
+          <a:xfrm>
+            <a:off x="5226010" y="1407507"/>
+            <a:ext cx="4756190" cy="5107200"/>
+          </a:xfrm>
+          <a:prstGeom prst="rect">
+            <a:avLst/>
+          </a:prstGeom>
+        </p:spPr>
+      </p:pic>
+    </p:spTree>
+    <p:extLst>
+      <p:ext uri="{BB962C8B-B14F-4D97-AF65-F5344CB8AC3E}">
+        <p14:creationId xmlns:p14="http://schemas.microsoft.com/office/powerpoint/2010/main" val="2843455555"/>
+      </p:ext>
+    </p:extLst>
+  </p:cSld>
+  <p:clrMapOvr>
+    <a:masterClrMapping/>
+  </p:clrMapOvr>
+</p:sld>
+</file>
+
+<file path=ppt/slides/slide28.xml><?xml version="1.0" encoding="utf-8"?>
+<p:sld xmlns:a="http://schemas.openxmlformats.org/drawingml/2006/main" xmlns:r="http://schemas.openxmlformats.org/officeDocument/2006/relationships" xmlns:p="http://schemas.openxmlformats.org/presentationml/2006/main">
+  <p:cSld>
+    <p:spTree>
+      <p:nvGrpSpPr>
+        <p:cNvPr id="1" name=""/>
+        <p:cNvGrpSpPr/>
+        <p:nvPr/>
+      </p:nvGrpSpPr>
+      <p:grpSpPr>
+        <a:xfrm>
+          <a:off x="0" y="0"/>
+          <a:ext cx="0" cy="0"/>
+          <a:chOff x="0" y="0"/>
+          <a:chExt cx="0" cy="0"/>
+        </a:xfrm>
+      </p:grpSpPr>
+      <p:sp>
+        <p:nvSpPr>
+          <p:cNvPr id="4" name="灯片编号占位符 3"/>
+          <p:cNvSpPr>
+            <a:spLocks noGrp="1"/>
+          </p:cNvSpPr>
+          <p:nvPr>
+            <p:ph type="sldNum" sz="quarter" idx="12"/>
+          </p:nvPr>
+        </p:nvSpPr>
+        <p:spPr/>
+        <p:txBody>
+          <a:bodyPr/>
+          <a:lstStyle/>
+          <a:p>
+            <a:pPr>
+              <a:defRPr/>
+            </a:pPr>
+            <a:fld id="{5F2A2E64-0435-4335-8CCE-EE46D16D8B12}" type="slidenum">
+              <a:rPr lang="zh-CN" altLang="en-US" smtClean="0"/>
+              <a:pPr>
+                <a:defRPr/>
+              </a:pPr>
+              <a:t>28</a:t>
+            </a:fld>
+            <a:endParaRPr lang="zh-CN" altLang="en-US" dirty="0"/>
+          </a:p>
+        </p:txBody>
+      </p:sp>
+      <p:sp>
+        <p:nvSpPr>
+          <p:cNvPr id="6" name="标题 2"/>
+          <p:cNvSpPr>
+            <a:spLocks noGrp="1"/>
+          </p:cNvSpPr>
+          <p:nvPr>
+            <p:ph type="title"/>
+          </p:nvPr>
+        </p:nvSpPr>
+        <p:spPr>
+          <a:xfrm>
+            <a:off x="1199456" y="260648"/>
+            <a:ext cx="10992544" cy="418058"/>
+          </a:xfrm>
+        </p:spPr>
+        <p:txBody>
+          <a:bodyPr>
+            <a:noAutofit/>
+          </a:bodyPr>
+          <a:lstStyle/>
+          <a:p>
+            <a:pPr algn="ctr"/>
+            <a:r>
+              <a:rPr lang="en-US" altLang="zh-CN" sz="3200" b="1" dirty="0">
+                <a:solidFill>
+                  <a:schemeClr val="bg1"/>
+                </a:solidFill>
+                <a:latin typeface="+mn-lt"/>
+              </a:rPr>
+              <a:t>Push and Pull </a:t>
+            </a:r>
+            <a:br>
+              <a:rPr lang="en-US" altLang="zh-CN" sz="3200" b="1" dirty="0">
+                <a:solidFill>
+                  <a:schemeClr val="bg1"/>
+                </a:solidFill>
+                <a:latin typeface="+mn-lt"/>
+              </a:rPr>
+            </a:br>
+            <a:r>
+              <a:rPr lang="en-US" altLang="zh-CN" sz="3200" b="1" dirty="0">
+                <a:solidFill>
+                  <a:schemeClr val="bg1"/>
+                </a:solidFill>
+                <a:latin typeface="+mn-lt"/>
+              </a:rPr>
+              <a:t>To and From a Remote Repository</a:t>
+            </a:r>
+          </a:p>
+        </p:txBody>
+      </p:sp>
+      <p:sp>
+        <p:nvSpPr>
+          <p:cNvPr id="5" name="内容占位符 4">
+            <a:extLst>
+              <a:ext uri="{FF2B5EF4-FFF2-40B4-BE49-F238E27FC236}">
+                <a16:creationId xmlns:a16="http://schemas.microsoft.com/office/drawing/2014/main" id="{D1F876F4-09C8-43EB-9898-EEB3AE25C516}"/>
+              </a:ext>
+            </a:extLst>
+          </p:cNvPr>
+          <p:cNvSpPr>
+            <a:spLocks noGrp="1"/>
+          </p:cNvSpPr>
+          <p:nvPr>
+            <p:ph idx="1"/>
+          </p:nvPr>
+        </p:nvSpPr>
+        <p:spPr/>
+        <p:txBody>
+          <a:bodyPr>
+            <a:normAutofit/>
+          </a:bodyPr>
+          <a:lstStyle/>
+          <a:p>
+            <a:pPr>
+              <a:lnSpc>
+                <a:spcPct val="125000"/>
+              </a:lnSpc>
+            </a:pPr>
+            <a:r>
+              <a:rPr lang="zh-CN" altLang="en-US" sz="2400" dirty="0"/>
+              <a:t>将远程仓库与本地仓库绑定</a:t>
+            </a:r>
+            <a:endParaRPr lang="en-US" altLang="zh-CN" sz="2400" dirty="0"/>
+          </a:p>
+          <a:p>
+            <a:pPr lvl="1">
+              <a:lnSpc>
+                <a:spcPct val="125000"/>
+              </a:lnSpc>
+            </a:pPr>
+            <a:r>
+              <a:rPr lang="en-US" altLang="zh-CN" sz="2000" dirty="0"/>
+              <a:t>$ git remote add origin &lt;</a:t>
+            </a:r>
+            <a:r>
+              <a:rPr lang="en-US" altLang="zh-CN" sz="2000" dirty="0" err="1"/>
+              <a:t>remote_repo_HTTP_Link</a:t>
+            </a:r>
+            <a:r>
+              <a:rPr lang="en-US" altLang="zh-CN" sz="2000" dirty="0"/>
+              <a:t>&gt;	# </a:t>
+            </a:r>
+            <a:r>
+              <a:rPr lang="zh-CN" altLang="en-US" sz="2000" dirty="0"/>
+              <a:t>基于 </a:t>
+            </a:r>
+            <a:r>
+              <a:rPr lang="en-US" altLang="zh-CN" sz="2000" dirty="0"/>
+              <a:t>HTTP </a:t>
+            </a:r>
+            <a:r>
+              <a:rPr lang="zh-CN" altLang="en-US" sz="2000" dirty="0"/>
+              <a:t>协议</a:t>
+            </a:r>
+            <a:endParaRPr lang="en-US" altLang="zh-CN" sz="2000" dirty="0"/>
+          </a:p>
+          <a:p>
+            <a:pPr lvl="1">
+              <a:lnSpc>
+                <a:spcPct val="125000"/>
+              </a:lnSpc>
+            </a:pPr>
+            <a:r>
+              <a:rPr lang="en-US" altLang="zh-CN" sz="2000" dirty="0"/>
+              <a:t>$ git remote add origin &lt;</a:t>
+            </a:r>
+            <a:r>
+              <a:rPr lang="en-US" altLang="zh-CN" sz="2000" dirty="0" err="1"/>
+              <a:t>remote_repo_SSH_Link</a:t>
+            </a:r>
+            <a:r>
+              <a:rPr lang="en-US" altLang="zh-CN" sz="2000" dirty="0"/>
+              <a:t>&gt;	# </a:t>
+            </a:r>
+            <a:r>
+              <a:rPr lang="zh-CN" altLang="en-US" sz="2000" dirty="0"/>
+              <a:t>基于 </a:t>
+            </a:r>
+            <a:r>
+              <a:rPr lang="en-US" altLang="zh-CN" sz="2000" dirty="0"/>
+              <a:t>SSH </a:t>
+            </a:r>
+            <a:r>
+              <a:rPr lang="zh-CN" altLang="en-US" sz="2000" dirty="0"/>
+              <a:t>协议</a:t>
+            </a:r>
+            <a:endParaRPr lang="en-US" altLang="zh-CN" sz="2000" dirty="0"/>
+          </a:p>
+          <a:p>
+            <a:pPr lvl="1">
+              <a:lnSpc>
+                <a:spcPct val="125000"/>
+              </a:lnSpc>
+            </a:pPr>
+            <a:endParaRPr lang="en-US" altLang="zh-CN" sz="2000" dirty="0"/>
+          </a:p>
+          <a:p>
+            <a:pPr lvl="1">
+              <a:lnSpc>
+                <a:spcPct val="125000"/>
+              </a:lnSpc>
+            </a:pPr>
+            <a:r>
+              <a:rPr lang="zh-CN" altLang="en-US" sz="2000" dirty="0"/>
+              <a:t>给远程仓库取一个别名，一般用 </a:t>
+            </a:r>
+            <a:r>
+              <a:rPr lang="en-US" altLang="zh-CN" sz="2000" dirty="0"/>
+              <a:t>origin</a:t>
+            </a:r>
+            <a:r>
+              <a:rPr lang="zh-CN" altLang="en-US" sz="2000" dirty="0"/>
+              <a:t>，本地仓库通过别名识别远程仓库</a:t>
+            </a:r>
+            <a:endParaRPr lang="en-US" altLang="zh-CN" sz="2000" dirty="0"/>
+          </a:p>
+          <a:p>
+            <a:pPr lvl="1">
+              <a:lnSpc>
+                <a:spcPct val="125000"/>
+              </a:lnSpc>
+            </a:pPr>
+            <a:r>
+              <a:rPr lang="zh-CN" altLang="en-US" sz="2000" dirty="0"/>
+              <a:t>基于 </a:t>
+            </a:r>
+            <a:r>
+              <a:rPr lang="en-US" altLang="zh-CN" sz="2000" dirty="0"/>
+              <a:t>HTTP </a:t>
+            </a:r>
+            <a:r>
+              <a:rPr lang="zh-CN" altLang="en-US" sz="2000" dirty="0"/>
+              <a:t>协议，每次 </a:t>
+            </a:r>
+            <a:r>
+              <a:rPr lang="en-US" altLang="zh-CN" sz="2000" dirty="0"/>
+              <a:t>push </a:t>
+            </a:r>
+            <a:r>
+              <a:rPr lang="zh-CN" altLang="en-US" sz="2000" dirty="0"/>
+              <a:t>都需要输入用户账号和密码</a:t>
+            </a:r>
+            <a:endParaRPr lang="en-US" altLang="zh-CN" sz="2000" dirty="0"/>
+          </a:p>
+          <a:p>
+            <a:pPr lvl="1">
+              <a:lnSpc>
+                <a:spcPct val="125000"/>
+              </a:lnSpc>
+            </a:pPr>
+            <a:r>
+              <a:rPr lang="zh-CN" altLang="en-US" sz="2000" dirty="0"/>
+              <a:t>基于 </a:t>
+            </a:r>
+            <a:r>
+              <a:rPr lang="en-US" altLang="zh-CN" sz="2000" dirty="0"/>
+              <a:t>SSH </a:t>
+            </a:r>
+            <a:r>
+              <a:rPr lang="zh-CN" altLang="en-US" sz="2000" dirty="0"/>
+              <a:t>协议，设置好 </a:t>
+            </a:r>
+            <a:r>
+              <a:rPr lang="en-US" altLang="zh-CN" sz="2000" dirty="0"/>
+              <a:t>SSH </a:t>
+            </a:r>
+            <a:r>
+              <a:rPr lang="zh-CN" altLang="en-US" sz="2000" dirty="0"/>
+              <a:t>公钥 后每次 </a:t>
+            </a:r>
+            <a:r>
+              <a:rPr lang="en-US" altLang="zh-CN" sz="2000" dirty="0"/>
+              <a:t>push </a:t>
+            </a:r>
+            <a:r>
+              <a:rPr lang="zh-CN" altLang="en-US" sz="2000" dirty="0"/>
+              <a:t>无须输入账号密码（具体</a:t>
+            </a:r>
+            <a:r>
+              <a:rPr lang="zh-CN" altLang="en-US" sz="2000" dirty="0">
+                <a:hlinkClick r:id="rId3"/>
+              </a:rPr>
+              <a:t>详见</a:t>
+            </a:r>
+            <a:r>
+              <a:rPr lang="zh-CN" altLang="en-US" sz="2000" dirty="0"/>
+              <a:t>）</a:t>
+            </a:r>
+            <a:endParaRPr lang="en-US" altLang="zh-CN" sz="2000" dirty="0"/>
+          </a:p>
+          <a:p>
+            <a:pPr>
+              <a:lnSpc>
+                <a:spcPct val="125000"/>
+              </a:lnSpc>
+            </a:pPr>
+            <a:endParaRPr lang="en-US" altLang="zh-CN" sz="3200" dirty="0"/>
+          </a:p>
+          <a:p>
+            <a:pPr>
+              <a:lnSpc>
+                <a:spcPct val="125000"/>
+              </a:lnSpc>
+            </a:pPr>
+            <a:endParaRPr lang="en-US" altLang="zh-CN" sz="2000" dirty="0"/>
+          </a:p>
+          <a:p>
+            <a:pPr lvl="1">
+              <a:lnSpc>
+                <a:spcPct val="125000"/>
+              </a:lnSpc>
+            </a:pPr>
+            <a:endParaRPr lang="en-US" altLang="zh-CN" sz="2000" dirty="0"/>
+          </a:p>
+        </p:txBody>
+      </p:sp>
+    </p:spTree>
+    <p:extLst>
+      <p:ext uri="{BB962C8B-B14F-4D97-AF65-F5344CB8AC3E}">
+        <p14:creationId xmlns:p14="http://schemas.microsoft.com/office/powerpoint/2010/main" val="1295446762"/>
+      </p:ext>
+    </p:extLst>
+  </p:cSld>
+  <p:clrMapOvr>
+    <a:masterClrMapping/>
+  </p:clrMapOvr>
+</p:sld>
+</file>
+
+<file path=ppt/slides/slide29.xml><?xml version="1.0" encoding="utf-8"?>
+<p:sld xmlns:a="http://schemas.openxmlformats.org/drawingml/2006/main" xmlns:r="http://schemas.openxmlformats.org/officeDocument/2006/relationships" xmlns:p="http://schemas.openxmlformats.org/presentationml/2006/main">
+  <p:cSld>
+    <p:spTree>
+      <p:nvGrpSpPr>
+        <p:cNvPr id="1" name=""/>
+        <p:cNvGrpSpPr/>
+        <p:nvPr/>
+      </p:nvGrpSpPr>
+      <p:grpSpPr>
+        <a:xfrm>
+          <a:off x="0" y="0"/>
+          <a:ext cx="0" cy="0"/>
+          <a:chOff x="0" y="0"/>
+          <a:chExt cx="0" cy="0"/>
+        </a:xfrm>
+      </p:grpSpPr>
+      <p:sp>
+        <p:nvSpPr>
+          <p:cNvPr id="4" name="灯片编号占位符 3"/>
+          <p:cNvSpPr>
+            <a:spLocks noGrp="1"/>
+          </p:cNvSpPr>
+          <p:nvPr>
+            <p:ph type="sldNum" sz="quarter" idx="12"/>
+          </p:nvPr>
+        </p:nvSpPr>
+        <p:spPr/>
+        <p:txBody>
+          <a:bodyPr/>
+          <a:lstStyle/>
+          <a:p>
+            <a:pPr>
+              <a:defRPr/>
+            </a:pPr>
+            <a:fld id="{5F2A2E64-0435-4335-8CCE-EE46D16D8B12}" type="slidenum">
+              <a:rPr lang="zh-CN" altLang="en-US" smtClean="0"/>
+              <a:pPr>
+                <a:defRPr/>
+              </a:pPr>
+              <a:t>29</a:t>
+            </a:fld>
+            <a:endParaRPr lang="zh-CN" altLang="en-US" dirty="0"/>
+          </a:p>
+        </p:txBody>
+      </p:sp>
+      <p:sp>
+        <p:nvSpPr>
+          <p:cNvPr id="6" name="标题 2"/>
+          <p:cNvSpPr>
+            <a:spLocks noGrp="1"/>
+          </p:cNvSpPr>
+          <p:nvPr>
+            <p:ph type="title"/>
+          </p:nvPr>
+        </p:nvSpPr>
+        <p:spPr>
+          <a:xfrm>
+            <a:off x="1199456" y="260648"/>
+            <a:ext cx="10992544" cy="418058"/>
+          </a:xfrm>
+        </p:spPr>
+        <p:txBody>
+          <a:bodyPr>
+            <a:noAutofit/>
+          </a:bodyPr>
+          <a:lstStyle/>
+          <a:p>
+            <a:pPr algn="ctr"/>
+            <a:r>
+              <a:rPr lang="en-US" altLang="zh-CN" sz="3200" b="1" dirty="0">
+                <a:solidFill>
+                  <a:schemeClr val="bg1"/>
+                </a:solidFill>
+                <a:latin typeface="+mn-lt"/>
+              </a:rPr>
+              <a:t>Push and Pull </a:t>
+            </a:r>
+            <a:br>
+              <a:rPr lang="en-US" altLang="zh-CN" sz="3200" b="1" dirty="0">
+                <a:solidFill>
+                  <a:schemeClr val="bg1"/>
+                </a:solidFill>
+                <a:latin typeface="+mn-lt"/>
+              </a:rPr>
+            </a:br>
+            <a:r>
+              <a:rPr lang="en-US" altLang="zh-CN" sz="3200" b="1" dirty="0">
+                <a:solidFill>
+                  <a:schemeClr val="bg1"/>
+                </a:solidFill>
+                <a:latin typeface="+mn-lt"/>
+              </a:rPr>
+              <a:t>To and From a Remote Repository</a:t>
+            </a:r>
+          </a:p>
+        </p:txBody>
+      </p:sp>
+      <p:sp>
+        <p:nvSpPr>
+          <p:cNvPr id="5" name="内容占位符 4">
+            <a:extLst>
+              <a:ext uri="{FF2B5EF4-FFF2-40B4-BE49-F238E27FC236}">
+                <a16:creationId xmlns:a16="http://schemas.microsoft.com/office/drawing/2014/main" id="{D1F876F4-09C8-43EB-9898-EEB3AE25C516}"/>
+              </a:ext>
+            </a:extLst>
+          </p:cNvPr>
+          <p:cNvSpPr>
+            <a:spLocks noGrp="1"/>
+          </p:cNvSpPr>
+          <p:nvPr>
+            <p:ph idx="1"/>
+          </p:nvPr>
+        </p:nvSpPr>
+        <p:spPr/>
+        <p:txBody>
+          <a:bodyPr>
+            <a:normAutofit fontScale="92500" lnSpcReduction="20000"/>
+          </a:bodyPr>
+          <a:lstStyle/>
+          <a:p>
+            <a:pPr>
+              <a:lnSpc>
+                <a:spcPct val="125000"/>
+              </a:lnSpc>
+            </a:pPr>
+            <a:r>
+              <a:rPr lang="zh-CN" altLang="en-US" sz="3200" dirty="0"/>
+              <a:t>将本地仓库代码更新推至 </a:t>
+            </a:r>
+            <a:r>
+              <a:rPr lang="en-US" altLang="zh-CN" sz="3200" dirty="0"/>
+              <a:t>(push) </a:t>
+            </a:r>
+            <a:r>
+              <a:rPr lang="zh-CN" altLang="en-US" sz="3200" dirty="0"/>
+              <a:t>远程仓库</a:t>
+            </a:r>
+            <a:endParaRPr lang="en-US" altLang="zh-CN" sz="3200" dirty="0"/>
+          </a:p>
+          <a:p>
+            <a:pPr lvl="1">
+              <a:lnSpc>
+                <a:spcPct val="125000"/>
+              </a:lnSpc>
+            </a:pPr>
+            <a:r>
+              <a:rPr lang="en-US" altLang="zh-CN" dirty="0"/>
+              <a:t>$ git push &lt;</a:t>
+            </a:r>
+            <a:r>
+              <a:rPr lang="en-US" altLang="zh-CN" dirty="0" err="1"/>
+              <a:t>alias_remote_repo</a:t>
+            </a:r>
+            <a:r>
+              <a:rPr lang="en-US" altLang="zh-CN" dirty="0"/>
+              <a:t>&gt; &lt;</a:t>
+            </a:r>
+            <a:r>
+              <a:rPr lang="en-US" altLang="zh-CN" dirty="0" err="1"/>
+              <a:t>local_repo_branch</a:t>
+            </a:r>
+            <a:r>
+              <a:rPr lang="en-US" altLang="zh-CN" dirty="0"/>
+              <a:t>&gt;</a:t>
+            </a:r>
+          </a:p>
+          <a:p>
+            <a:pPr lvl="1">
+              <a:lnSpc>
+                <a:spcPct val="125000"/>
+              </a:lnSpc>
+            </a:pPr>
+            <a:r>
+              <a:rPr lang="en-US" altLang="zh-CN" dirty="0"/>
+              <a:t>$</a:t>
+            </a:r>
+            <a:r>
+              <a:rPr lang="zh-CN" altLang="en-US" dirty="0"/>
+              <a:t> </a:t>
+            </a:r>
+            <a:r>
+              <a:rPr lang="en-US" altLang="zh-CN" dirty="0"/>
+              <a:t>git push -u origin master			# -u </a:t>
+            </a:r>
+            <a:r>
+              <a:rPr lang="zh-CN" altLang="en-US" dirty="0"/>
+              <a:t>意味着下次直接敲 </a:t>
+            </a:r>
+            <a:r>
+              <a:rPr lang="en-US" altLang="zh-CN" dirty="0"/>
+              <a:t>git push </a:t>
+            </a:r>
+            <a:r>
+              <a:rPr lang="zh-CN" altLang="en-US" dirty="0"/>
+              <a:t>即可</a:t>
+            </a:r>
+            <a:endParaRPr lang="en-US" altLang="zh-CN" dirty="0"/>
+          </a:p>
+          <a:p>
+            <a:pPr lvl="1">
+              <a:lnSpc>
+                <a:spcPct val="125000"/>
+              </a:lnSpc>
+            </a:pPr>
+            <a:r>
+              <a:rPr lang="en-US" altLang="zh-CN" dirty="0"/>
+              <a:t>$</a:t>
+            </a:r>
+            <a:r>
+              <a:rPr lang="zh-CN" altLang="en-US" dirty="0"/>
+              <a:t> </a:t>
+            </a:r>
+            <a:r>
+              <a:rPr lang="en-US" altLang="zh-CN" dirty="0"/>
+              <a:t>git push --set-upstream origin master	# </a:t>
+            </a:r>
+            <a:r>
+              <a:rPr lang="zh-CN" altLang="en-US" dirty="0"/>
+              <a:t>等价于上一命令</a:t>
+            </a:r>
+            <a:endParaRPr lang="en-US" altLang="zh-CN" dirty="0"/>
+          </a:p>
+          <a:p>
+            <a:pPr lvl="1">
+              <a:lnSpc>
+                <a:spcPct val="125000"/>
+              </a:lnSpc>
+            </a:pPr>
+            <a:endParaRPr lang="en-US" altLang="zh-CN" sz="2800" dirty="0"/>
+          </a:p>
+          <a:p>
+            <a:pPr>
+              <a:lnSpc>
+                <a:spcPct val="125000"/>
+              </a:lnSpc>
+            </a:pPr>
+            <a:r>
+              <a:rPr lang="zh-CN" altLang="en-US" sz="3200" dirty="0"/>
+              <a:t>将远程仓库更新拉入本地 </a:t>
+            </a:r>
+            <a:r>
+              <a:rPr lang="en-US" altLang="zh-CN" sz="3200" dirty="0"/>
+              <a:t>(pull) </a:t>
+            </a:r>
+            <a:r>
+              <a:rPr lang="zh-CN" altLang="en-US" sz="3200" dirty="0"/>
+              <a:t>仓库</a:t>
+            </a:r>
+            <a:endParaRPr lang="en-US" altLang="zh-CN" sz="3200" dirty="0"/>
+          </a:p>
+          <a:p>
+            <a:pPr lvl="1">
+              <a:lnSpc>
+                <a:spcPct val="125000"/>
+              </a:lnSpc>
+            </a:pPr>
+            <a:r>
+              <a:rPr lang="en-US" altLang="zh-CN" dirty="0"/>
+              <a:t>$ git pull </a:t>
+            </a:r>
+          </a:p>
+          <a:p>
+            <a:pPr lvl="1">
+              <a:lnSpc>
+                <a:spcPct val="125000"/>
+              </a:lnSpc>
+            </a:pPr>
+            <a:r>
+              <a:rPr lang="en-US" altLang="zh-CN" dirty="0"/>
+              <a:t>$ git fetch; git merge			# </a:t>
+            </a:r>
+            <a:r>
+              <a:rPr lang="zh-CN" altLang="en-US" dirty="0"/>
+              <a:t>等价于上一命令</a:t>
+            </a:r>
+            <a:endParaRPr lang="en-US" altLang="zh-CN" dirty="0"/>
+          </a:p>
+          <a:p>
+            <a:pPr lvl="1">
+              <a:lnSpc>
+                <a:spcPct val="125000"/>
+              </a:lnSpc>
+            </a:pPr>
+            <a:r>
+              <a:rPr lang="en-US" altLang="zh-CN" dirty="0"/>
+              <a:t>$</a:t>
+            </a:r>
+            <a:r>
+              <a:rPr lang="zh-CN" altLang="en-US" dirty="0"/>
+              <a:t> </a:t>
+            </a:r>
+            <a:r>
+              <a:rPr lang="en-US" altLang="zh-CN" dirty="0"/>
+              <a:t>git pull --allow-unrelated-histories 	# </a:t>
+            </a:r>
+            <a:r>
+              <a:rPr lang="zh-CN" altLang="en-US" dirty="0"/>
+              <a:t>合并两个不相关的项目</a:t>
+            </a:r>
+            <a:endParaRPr lang="en-US" altLang="zh-CN" dirty="0"/>
+          </a:p>
+          <a:p>
+            <a:pPr algn="ctr">
+              <a:lnSpc>
+                <a:spcPct val="125000"/>
+              </a:lnSpc>
+            </a:pPr>
+            <a:endParaRPr lang="en-US" altLang="zh-CN" sz="3200" dirty="0"/>
+          </a:p>
+        </p:txBody>
+      </p:sp>
+    </p:spTree>
+    <p:extLst>
+      <p:ext uri="{BB962C8B-B14F-4D97-AF65-F5344CB8AC3E}">
+        <p14:creationId xmlns:p14="http://schemas.microsoft.com/office/powerpoint/2010/main" val="2139546276"/>
+      </p:ext>
+    </p:extLst>
+  </p:cSld>
+  <p:clrMapOvr>
+    <a:masterClrMapping/>
+  </p:clrMapOvr>
+</p:sld>
+</file>
+
+<file path=ppt/slides/slide3.xml><?xml version="1.0" encoding="utf-8"?>
+<p:sld xmlns:a="http://schemas.openxmlformats.org/drawingml/2006/main" xmlns:r="http://schemas.openxmlformats.org/officeDocument/2006/relationships" xmlns:p="http://schemas.openxmlformats.org/presentationml/2006/main">
+  <p:cSld>
+    <p:spTree>
+      <p:nvGrpSpPr>
+        <p:cNvPr id="1" name=""/>
+        <p:cNvGrpSpPr/>
+        <p:nvPr/>
+      </p:nvGrpSpPr>
+      <p:grpSpPr>
+        <a:xfrm>
+          <a:off x="0" y="0"/>
+          <a:ext cx="0" cy="0"/>
+          <a:chOff x="0" y="0"/>
+          <a:chExt cx="0" cy="0"/>
+        </a:xfrm>
+      </p:grpSpPr>
+      <p:sp>
+        <p:nvSpPr>
+          <p:cNvPr id="9" name="内容占位符 8">
+            <a:extLst>
+              <a:ext uri="{FF2B5EF4-FFF2-40B4-BE49-F238E27FC236}">
+                <a16:creationId xmlns:a16="http://schemas.microsoft.com/office/drawing/2014/main" id="{5888FF9F-FC10-4882-9D1E-BC462633EBD1}"/>
+              </a:ext>
+            </a:extLst>
+          </p:cNvPr>
+          <p:cNvSpPr>
+            <a:spLocks noGrp="1"/>
+          </p:cNvSpPr>
+          <p:nvPr>
+            <p:ph idx="1"/>
+          </p:nvPr>
+        </p:nvSpPr>
+        <p:spPr/>
+        <p:txBody>
+          <a:bodyPr/>
+          <a:lstStyle/>
+          <a:p>
+            <a:pPr>
+              <a:lnSpc>
+                <a:spcPct val="150000"/>
+              </a:lnSpc>
+            </a:pPr>
+            <a:r>
+              <a:rPr lang="en-US" altLang="zh-CN" b="1" dirty="0">
+                <a:solidFill>
+                  <a:schemeClr val="tx1"/>
+                </a:solidFill>
+                <a:latin typeface="等线" panose="02010600030101010101" pitchFamily="2" charset="-122"/>
+                <a:ea typeface="等线" panose="02010600030101010101" pitchFamily="2" charset="-122"/>
+              </a:rPr>
+              <a:t>Git </a:t>
+            </a:r>
+            <a:r>
+              <a:rPr lang="zh-CN" altLang="en-US" b="1" dirty="0">
+                <a:solidFill>
+                  <a:schemeClr val="tx1"/>
+                </a:solidFill>
+                <a:latin typeface="等线" panose="02010600030101010101" pitchFamily="2" charset="-122"/>
+                <a:ea typeface="等线" panose="02010600030101010101" pitchFamily="2" charset="-122"/>
+              </a:rPr>
+              <a:t>的使用需求</a:t>
+            </a:r>
+            <a:endParaRPr lang="en-US" altLang="zh-CN" b="1" dirty="0">
+              <a:solidFill>
+                <a:schemeClr val="tx1"/>
+              </a:solidFill>
+              <a:latin typeface="等线" panose="02010600030101010101" pitchFamily="2" charset="-122"/>
+              <a:ea typeface="等线" panose="02010600030101010101" pitchFamily="2" charset="-122"/>
+            </a:endParaRPr>
+          </a:p>
+          <a:p>
+            <a:pPr>
+              <a:lnSpc>
+                <a:spcPct val="150000"/>
+              </a:lnSpc>
+            </a:pPr>
+            <a:r>
+              <a:rPr lang="en-US" altLang="zh-CN" dirty="0">
+                <a:solidFill>
+                  <a:schemeClr val="tx1"/>
+                </a:solidFill>
+                <a:latin typeface="等线" panose="02010600030101010101" pitchFamily="2" charset="-122"/>
+                <a:ea typeface="等线" panose="02010600030101010101" pitchFamily="2" charset="-122"/>
+              </a:rPr>
+              <a:t>Git </a:t>
+            </a:r>
+            <a:r>
+              <a:rPr lang="zh-CN" altLang="en-US" dirty="0">
+                <a:solidFill>
+                  <a:schemeClr val="tx1"/>
+                </a:solidFill>
+                <a:latin typeface="等线" panose="02010600030101010101" pitchFamily="2" charset="-122"/>
+                <a:ea typeface="等线" panose="02010600030101010101" pitchFamily="2" charset="-122"/>
+              </a:rPr>
+              <a:t>的基本概念</a:t>
+            </a:r>
+            <a:endParaRPr lang="en-US" altLang="zh-CN" dirty="0">
+              <a:solidFill>
+                <a:schemeClr val="tx1"/>
+              </a:solidFill>
+              <a:latin typeface="等线" panose="02010600030101010101" pitchFamily="2" charset="-122"/>
+              <a:ea typeface="等线" panose="02010600030101010101" pitchFamily="2" charset="-122"/>
+            </a:endParaRPr>
+          </a:p>
+          <a:p>
+            <a:pPr>
+              <a:lnSpc>
+                <a:spcPct val="150000"/>
+              </a:lnSpc>
+            </a:pPr>
+            <a:r>
+              <a:rPr lang="en-US" altLang="zh-CN" dirty="0">
+                <a:solidFill>
+                  <a:schemeClr val="tx1"/>
+                </a:solidFill>
+                <a:latin typeface="等线" panose="02010600030101010101" pitchFamily="2" charset="-122"/>
+                <a:ea typeface="等线" panose="02010600030101010101" pitchFamily="2" charset="-122"/>
+              </a:rPr>
+              <a:t>Git </a:t>
+            </a:r>
+            <a:r>
+              <a:rPr lang="zh-CN" altLang="en-US" dirty="0">
+                <a:solidFill>
+                  <a:schemeClr val="tx1"/>
+                </a:solidFill>
+                <a:latin typeface="等线" panose="02010600030101010101" pitchFamily="2" charset="-122"/>
+                <a:ea typeface="等线" panose="02010600030101010101" pitchFamily="2" charset="-122"/>
+              </a:rPr>
+              <a:t>的使用方法</a:t>
+            </a:r>
+            <a:endParaRPr lang="en-US" altLang="zh-CN" dirty="0">
+              <a:solidFill>
+                <a:schemeClr val="tx1"/>
+              </a:solidFill>
+              <a:latin typeface="等线" panose="02010600030101010101" pitchFamily="2" charset="-122"/>
+              <a:ea typeface="等线" panose="02010600030101010101" pitchFamily="2" charset="-122"/>
+            </a:endParaRPr>
+          </a:p>
+          <a:p>
+            <a:pPr lvl="1">
+              <a:lnSpc>
+                <a:spcPct val="150000"/>
+              </a:lnSpc>
+            </a:pPr>
+            <a:r>
+              <a:rPr lang="zh-CN" altLang="en-US" dirty="0">
+                <a:solidFill>
+                  <a:schemeClr val="tx1"/>
+                </a:solidFill>
+                <a:latin typeface="等线" panose="02010600030101010101" pitchFamily="2" charset="-122"/>
+                <a:ea typeface="等线" panose="02010600030101010101" pitchFamily="2" charset="-122"/>
+              </a:rPr>
+              <a:t>本地仓库</a:t>
+            </a:r>
+            <a:endParaRPr lang="en-US" altLang="zh-CN" dirty="0">
+              <a:solidFill>
+                <a:schemeClr val="tx1"/>
+              </a:solidFill>
+              <a:latin typeface="等线" panose="02010600030101010101" pitchFamily="2" charset="-122"/>
+              <a:ea typeface="等线" panose="02010600030101010101" pitchFamily="2" charset="-122"/>
+            </a:endParaRPr>
+          </a:p>
+          <a:p>
+            <a:pPr lvl="1">
+              <a:lnSpc>
+                <a:spcPct val="150000"/>
+              </a:lnSpc>
+            </a:pPr>
+            <a:r>
+              <a:rPr lang="zh-CN" altLang="en-US" dirty="0">
+                <a:solidFill>
+                  <a:schemeClr val="tx1"/>
+                </a:solidFill>
+                <a:latin typeface="等线" panose="02010600030101010101" pitchFamily="2" charset="-122"/>
+                <a:ea typeface="等线" panose="02010600030101010101" pitchFamily="2" charset="-122"/>
+              </a:rPr>
+              <a:t>远程仓库</a:t>
+            </a:r>
+            <a:endParaRPr lang="en-US" altLang="zh-CN" dirty="0">
+              <a:solidFill>
+                <a:schemeClr val="tx1"/>
+              </a:solidFill>
+              <a:latin typeface="等线" panose="02010600030101010101" pitchFamily="2" charset="-122"/>
+              <a:ea typeface="等线" panose="02010600030101010101" pitchFamily="2" charset="-122"/>
+            </a:endParaRPr>
+          </a:p>
+          <a:p>
+            <a:pPr>
+              <a:lnSpc>
+                <a:spcPct val="150000"/>
+              </a:lnSpc>
+            </a:pPr>
+            <a:r>
+              <a:rPr lang="en-US" altLang="zh-CN" dirty="0">
+                <a:solidFill>
+                  <a:schemeClr val="tx1"/>
+                </a:solidFill>
+                <a:latin typeface="等线" panose="02010600030101010101" pitchFamily="2" charset="-122"/>
+                <a:ea typeface="等线" panose="02010600030101010101" pitchFamily="2" charset="-122"/>
+              </a:rPr>
+              <a:t>Git </a:t>
+            </a:r>
+            <a:r>
+              <a:rPr lang="zh-CN" altLang="en-US" dirty="0">
+                <a:solidFill>
+                  <a:schemeClr val="tx1"/>
+                </a:solidFill>
+                <a:latin typeface="等线" panose="02010600030101010101" pitchFamily="2" charset="-122"/>
+                <a:ea typeface="等线" panose="02010600030101010101" pitchFamily="2" charset="-122"/>
+              </a:rPr>
+              <a:t>其他学习资源</a:t>
+            </a:r>
+          </a:p>
+        </p:txBody>
+      </p:sp>
+      <p:sp>
+        <p:nvSpPr>
+          <p:cNvPr id="4" name="灯片编号占位符 3"/>
+          <p:cNvSpPr>
+            <a:spLocks noGrp="1"/>
+          </p:cNvSpPr>
+          <p:nvPr>
+            <p:ph type="sldNum" sz="quarter" idx="12"/>
+          </p:nvPr>
+        </p:nvSpPr>
+        <p:spPr/>
+        <p:txBody>
+          <a:bodyPr/>
+          <a:lstStyle/>
+          <a:p>
+            <a:pPr>
+              <a:defRPr/>
+            </a:pPr>
+            <a:fld id="{5F2A2E64-0435-4335-8CCE-EE46D16D8B12}" type="slidenum">
+              <a:rPr lang="zh-CN" altLang="en-US" smtClean="0"/>
+              <a:pPr>
+                <a:defRPr/>
+              </a:pPr>
+              <a:t>3</a:t>
+            </a:fld>
+            <a:endParaRPr lang="zh-CN" altLang="en-US"/>
+          </a:p>
+        </p:txBody>
+      </p:sp>
+      <p:sp>
+        <p:nvSpPr>
+          <p:cNvPr id="6" name="Rectangle 1"/>
+          <p:cNvSpPr>
+            <a:spLocks noChangeArrowheads="1"/>
+          </p:cNvSpPr>
+          <p:nvPr/>
+        </p:nvSpPr>
+        <p:spPr bwMode="auto">
+          <a:xfrm>
+            <a:off x="1524003" y="-461665"/>
+            <a:ext cx="9168156" cy="923330"/>
+          </a:xfrm>
+          <a:prstGeom prst="rect">
+            <a:avLst/>
+          </a:prstGeom>
+          <a:noFill/>
+          <a:ln>
+            <a:noFill/>
+          </a:ln>
+          <a:effectLst/>
+          <a:extLst>
+            <a:ext uri="{909E8E84-426E-40DD-AFC4-6F175D3DCCD1}">
+              <a14:hiddenFill xmlns:a14="http://schemas.microsoft.com/office/drawing/2010/main">
+                <a:solidFill>
+                  <a:schemeClr val="accent1"/>
+                </a:solidFill>
+              </a14:hiddenFill>
+            </a:ext>
+            <a:ext uri="{91240B29-F687-4F45-9708-019B960494DF}">
+              <a14:hiddenLine xmlns:a14="http://schemas.microsoft.com/office/drawing/2010/main" w="9525">
+                <a:solidFill>
+                  <a:schemeClr val="tx1"/>
+                </a:solidFill>
+                <a:miter lim="800000"/>
+                <a:headEnd/>
+                <a:tailEnd/>
+              </a14:hiddenLine>
+            </a:ext>
+            <a:ext uri="{AF507438-7753-43E0-B8FC-AC1667EBCBE1}">
+              <a14:hiddenEffects xmlns:a14="http://schemas.microsoft.com/office/drawing/2010/main">
+                <a:effectLst>
+                  <a:outerShdw dist="35921" dir="2700000" algn="ctr" rotWithShape="0">
+                    <a:schemeClr val="bg2"/>
+                  </a:outerShdw>
+                </a:effectLst>
+              </a14:hiddenEffects>
+            </a:ext>
+          </a:extLst>
+        </p:spPr>
+        <p:txBody>
+          <a:bodyPr vert="horz" wrap="square" lIns="91440" tIns="45720" rIns="91440" bIns="45720" numCol="1" anchor="ctr" anchorCtr="0" compatLnSpc="1">
+            <a:prstTxWarp prst="textNoShape">
+              <a:avLst/>
+            </a:prstTxWarp>
+            <a:spAutoFit/>
+          </a:bodyPr>
+          <a:lstStyle/>
+          <a:p>
+            <a:pPr eaLnBrk="0" hangingPunct="0"/>
+            <a:br>
+              <a:rPr lang="zh-CN" altLang="zh-CN"/>
+            </a:br>
+            <a:br>
+              <a:rPr lang="zh-CN" altLang="zh-CN"/>
+            </a:br>
+            <a:endParaRPr lang="zh-CN" altLang="zh-CN"/>
+          </a:p>
+        </p:txBody>
+      </p:sp>
+      <p:sp>
+        <p:nvSpPr>
+          <p:cNvPr id="10" name="标题 2">
+            <a:extLst>
+              <a:ext uri="{FF2B5EF4-FFF2-40B4-BE49-F238E27FC236}">
+                <a16:creationId xmlns:a16="http://schemas.microsoft.com/office/drawing/2014/main" id="{50991A52-36BE-44A6-81CC-319CF598EC92}"/>
+              </a:ext>
+            </a:extLst>
+          </p:cNvPr>
+          <p:cNvSpPr txBox="1">
+            <a:spLocks/>
+          </p:cNvSpPr>
+          <p:nvPr/>
+        </p:nvSpPr>
+        <p:spPr bwMode="auto">
+          <a:xfrm>
+            <a:off x="3503712" y="260648"/>
+            <a:ext cx="5760640" cy="418058"/>
+          </a:xfrm>
+          <a:prstGeom prst="rect">
+            <a:avLst/>
+          </a:prstGeom>
+          <a:noFill/>
+          <a:ln>
+            <a:noFill/>
+          </a:ln>
+          <a:extLst>
+            <a:ext uri="{909E8E84-426E-40DD-AFC4-6F175D3DCCD1}">
+              <a14:hiddenFill xmlns:a14="http://schemas.microsoft.com/office/drawing/2010/main">
+                <a:solidFill>
+                  <a:srgbClr val="FFFFFF"/>
+                </a:solidFill>
+              </a14:hiddenFill>
+            </a:ext>
+            <a:ext uri="{91240B29-F687-4F45-9708-019B960494DF}">
+              <a14:hiddenLine xmlns:a14="http://schemas.microsoft.com/office/drawing/2010/main" w="9525">
+                <a:solidFill>
+                  <a:srgbClr val="000000"/>
+                </a:solidFill>
+                <a:miter lim="800000"/>
+                <a:headEnd/>
+                <a:tailEnd/>
+              </a14:hiddenLine>
+            </a:ext>
+          </a:extLst>
+        </p:spPr>
+        <p:txBody>
+          <a:bodyPr vert="horz" wrap="square" lIns="91440" tIns="45720" rIns="91440" bIns="45720" numCol="1" anchor="ctr" anchorCtr="0" compatLnSpc="1">
+            <a:noAutofit/>
+          </a:bodyPr>
+          <a:lstStyle>
+            <a:lvl1pPr algn="l" rtl="0" fontAlgn="base">
+              <a:spcBef>
+                <a:spcPct val="0"/>
+              </a:spcBef>
+              <a:spcAft>
+                <a:spcPct val="0"/>
+              </a:spcAft>
+              <a:defRPr sz="3200" kern="1200">
+                <a:solidFill>
+                  <a:schemeClr val="bg1"/>
+                </a:solidFill>
+                <a:latin typeface="黑体" panose="02010609060101010101" pitchFamily="2" charset="-122"/>
+                <a:ea typeface="黑体" panose="02010609060101010101" pitchFamily="2" charset="-122"/>
+                <a:cs typeface="+mj-cs"/>
+              </a:defRPr>
+            </a:lvl1pPr>
+            <a:lvl2pPr algn="ctr" rtl="0" fontAlgn="base">
+              <a:spcBef>
+                <a:spcPct val="0"/>
+              </a:spcBef>
+              <a:spcAft>
+                <a:spcPct val="0"/>
+              </a:spcAft>
+              <a:defRPr sz="4400">
+                <a:solidFill>
+                  <a:schemeClr val="tx1"/>
+                </a:solidFill>
+                <a:latin typeface="Calibri" panose="020F0502020204030204" pitchFamily="34" charset="0"/>
+                <a:ea typeface="宋体" panose="02010600030101010101" pitchFamily="2" charset="-122"/>
+              </a:defRPr>
+            </a:lvl2pPr>
+            <a:lvl3pPr algn="ctr" rtl="0" fontAlgn="base">
+              <a:spcBef>
+                <a:spcPct val="0"/>
+              </a:spcBef>
+              <a:spcAft>
+                <a:spcPct val="0"/>
+              </a:spcAft>
+              <a:defRPr sz="4400">
+                <a:solidFill>
+                  <a:schemeClr val="tx1"/>
+                </a:solidFill>
+                <a:latin typeface="Calibri" panose="020F0502020204030204" pitchFamily="34" charset="0"/>
+                <a:ea typeface="宋体" panose="02010600030101010101" pitchFamily="2" charset="-122"/>
+              </a:defRPr>
+            </a:lvl3pPr>
+            <a:lvl4pPr algn="ctr" rtl="0" fontAlgn="base">
+              <a:spcBef>
+                <a:spcPct val="0"/>
+              </a:spcBef>
+              <a:spcAft>
+                <a:spcPct val="0"/>
+              </a:spcAft>
+              <a:defRPr sz="4400">
+                <a:solidFill>
+                  <a:schemeClr val="tx1"/>
+                </a:solidFill>
+                <a:latin typeface="Calibri" panose="020F0502020204030204" pitchFamily="34" charset="0"/>
+                <a:ea typeface="宋体" panose="02010600030101010101" pitchFamily="2" charset="-122"/>
+              </a:defRPr>
+            </a:lvl4pPr>
+            <a:lvl5pPr algn="ctr" rtl="0" fontAlgn="base">
+              <a:spcBef>
+                <a:spcPct val="0"/>
+              </a:spcBef>
+              <a:spcAft>
+                <a:spcPct val="0"/>
+              </a:spcAft>
+              <a:defRPr sz="4400">
+                <a:solidFill>
+                  <a:schemeClr val="tx1"/>
+                </a:solidFill>
+                <a:latin typeface="Calibri" panose="020F0502020204030204" pitchFamily="34" charset="0"/>
+                <a:ea typeface="宋体" panose="02010600030101010101" pitchFamily="2" charset="-122"/>
+              </a:defRPr>
+            </a:lvl5pPr>
+            <a:lvl6pPr marL="457200" algn="ctr" rtl="0" fontAlgn="base">
+              <a:spcBef>
+                <a:spcPct val="0"/>
+              </a:spcBef>
+              <a:spcAft>
+                <a:spcPct val="0"/>
+              </a:spcAft>
+              <a:defRPr sz="4400">
+                <a:solidFill>
+                  <a:schemeClr val="tx1"/>
+                </a:solidFill>
+                <a:latin typeface="Calibri" panose="020F0502020204030204" pitchFamily="34" charset="0"/>
+                <a:ea typeface="宋体" panose="02010600030101010101" pitchFamily="2" charset="-122"/>
+              </a:defRPr>
+            </a:lvl6pPr>
+            <a:lvl7pPr marL="914400" algn="ctr" rtl="0" fontAlgn="base">
+              <a:spcBef>
+                <a:spcPct val="0"/>
+              </a:spcBef>
+              <a:spcAft>
+                <a:spcPct val="0"/>
+              </a:spcAft>
+              <a:defRPr sz="4400">
+                <a:solidFill>
+                  <a:schemeClr val="tx1"/>
+                </a:solidFill>
+                <a:latin typeface="Calibri" panose="020F0502020204030204" pitchFamily="34" charset="0"/>
+                <a:ea typeface="宋体" panose="02010600030101010101" pitchFamily="2" charset="-122"/>
+              </a:defRPr>
+            </a:lvl7pPr>
+            <a:lvl8pPr marL="1371600" algn="ctr" rtl="0" fontAlgn="base">
+              <a:spcBef>
+                <a:spcPct val="0"/>
+              </a:spcBef>
+              <a:spcAft>
+                <a:spcPct val="0"/>
+              </a:spcAft>
+              <a:defRPr sz="4400">
+                <a:solidFill>
+                  <a:schemeClr val="tx1"/>
+                </a:solidFill>
+                <a:latin typeface="Calibri" panose="020F0502020204030204" pitchFamily="34" charset="0"/>
+                <a:ea typeface="宋体" panose="02010600030101010101" pitchFamily="2" charset="-122"/>
+              </a:defRPr>
+            </a:lvl8pPr>
+            <a:lvl9pPr marL="1828800" algn="ctr" rtl="0" fontAlgn="base">
+              <a:spcBef>
+                <a:spcPct val="0"/>
+              </a:spcBef>
+              <a:spcAft>
+                <a:spcPct val="0"/>
+              </a:spcAft>
+              <a:defRPr sz="4400">
+                <a:solidFill>
+                  <a:schemeClr val="tx1"/>
+                </a:solidFill>
+                <a:latin typeface="Calibri" panose="020F0502020204030204" pitchFamily="34" charset="0"/>
+                <a:ea typeface="宋体" panose="02010600030101010101" pitchFamily="2" charset="-122"/>
+              </a:defRPr>
+            </a:lvl9pPr>
+          </a:lstStyle>
+          <a:p>
+            <a:pPr algn="ctr"/>
+            <a:r>
+              <a:rPr lang="en-US" altLang="zh-CN" sz="4400" b="1" dirty="0">
+                <a:latin typeface="+mn-lt"/>
+              </a:rPr>
+              <a:t>Outline</a:t>
+            </a:r>
+            <a:endParaRPr lang="zh-CN" altLang="en-US" sz="4400" b="1" dirty="0">
+              <a:latin typeface="+mn-lt"/>
+            </a:endParaRPr>
+          </a:p>
+        </p:txBody>
+      </p:sp>
+    </p:spTree>
+    <p:extLst>
+      <p:ext uri="{BB962C8B-B14F-4D97-AF65-F5344CB8AC3E}">
         <p14:creationId xmlns:p14="http://schemas.microsoft.com/office/powerpoint/2010/main" val="1795526427"/>
+      </p:ext>
+    </p:extLst>
+  </p:cSld>
+  <p:clrMapOvr>
+    <a:masterClrMapping/>
+  </p:clrMapOvr>
+</p:sld>
+</file>
+
+<file path=ppt/slides/slide30.xml><?xml version="1.0" encoding="utf-8"?>
+<p:sld xmlns:a="http://schemas.openxmlformats.org/drawingml/2006/main" xmlns:r="http://schemas.openxmlformats.org/officeDocument/2006/relationships" xmlns:p="http://schemas.openxmlformats.org/presentationml/2006/main">
+  <p:cSld>
+    <p:spTree>
+      <p:nvGrpSpPr>
+        <p:cNvPr id="1" name=""/>
+        <p:cNvGrpSpPr/>
+        <p:nvPr/>
+      </p:nvGrpSpPr>
+      <p:grpSpPr>
+        <a:xfrm>
+          <a:off x="0" y="0"/>
+          <a:ext cx="0" cy="0"/>
+          <a:chOff x="0" y="0"/>
+          <a:chExt cx="0" cy="0"/>
+        </a:xfrm>
+      </p:grpSpPr>
+      <p:sp>
+        <p:nvSpPr>
+          <p:cNvPr id="4" name="灯片编号占位符 3"/>
+          <p:cNvSpPr>
+            <a:spLocks noGrp="1"/>
+          </p:cNvSpPr>
+          <p:nvPr>
+            <p:ph type="sldNum" sz="quarter" idx="12"/>
+          </p:nvPr>
+        </p:nvSpPr>
+        <p:spPr/>
+        <p:txBody>
+          <a:bodyPr/>
+          <a:lstStyle/>
+          <a:p>
+            <a:pPr>
+              <a:defRPr/>
+            </a:pPr>
+            <a:fld id="{5F2A2E64-0435-4335-8CCE-EE46D16D8B12}" type="slidenum">
+              <a:rPr lang="zh-CN" altLang="en-US" smtClean="0"/>
+              <a:pPr>
+                <a:defRPr/>
+              </a:pPr>
+              <a:t>30</a:t>
+            </a:fld>
+            <a:endParaRPr lang="zh-CN" altLang="en-US" dirty="0"/>
+          </a:p>
+        </p:txBody>
+      </p:sp>
+      <p:sp>
+        <p:nvSpPr>
+          <p:cNvPr id="6" name="标题 2"/>
+          <p:cNvSpPr>
+            <a:spLocks noGrp="1"/>
+          </p:cNvSpPr>
+          <p:nvPr>
+            <p:ph type="title"/>
+          </p:nvPr>
+        </p:nvSpPr>
+        <p:spPr>
+          <a:xfrm>
+            <a:off x="1199456" y="260648"/>
+            <a:ext cx="10992544" cy="418058"/>
+          </a:xfrm>
+        </p:spPr>
+        <p:txBody>
+          <a:bodyPr>
+            <a:noAutofit/>
+          </a:bodyPr>
+          <a:lstStyle/>
+          <a:p>
+            <a:pPr algn="ctr"/>
+            <a:r>
+              <a:rPr lang="en-US" altLang="zh-CN" sz="3200" b="1" dirty="0">
+                <a:solidFill>
+                  <a:schemeClr val="bg1"/>
+                </a:solidFill>
+                <a:latin typeface="+mn-lt"/>
+              </a:rPr>
+              <a:t>Push and Pull </a:t>
+            </a:r>
+            <a:br>
+              <a:rPr lang="en-US" altLang="zh-CN" sz="3200" b="1" dirty="0">
+                <a:solidFill>
+                  <a:schemeClr val="bg1"/>
+                </a:solidFill>
+                <a:latin typeface="+mn-lt"/>
+              </a:rPr>
+            </a:br>
+            <a:r>
+              <a:rPr lang="en-US" altLang="zh-CN" sz="3200" b="1" dirty="0">
+                <a:solidFill>
+                  <a:schemeClr val="bg1"/>
+                </a:solidFill>
+                <a:latin typeface="+mn-lt"/>
+              </a:rPr>
+              <a:t>To and From a Remote Repository</a:t>
+            </a:r>
+          </a:p>
+        </p:txBody>
+      </p:sp>
+      <p:sp>
+        <p:nvSpPr>
+          <p:cNvPr id="5" name="内容占位符 4">
+            <a:extLst>
+              <a:ext uri="{FF2B5EF4-FFF2-40B4-BE49-F238E27FC236}">
+                <a16:creationId xmlns:a16="http://schemas.microsoft.com/office/drawing/2014/main" id="{D1F876F4-09C8-43EB-9898-EEB3AE25C516}"/>
+              </a:ext>
+            </a:extLst>
+          </p:cNvPr>
+          <p:cNvSpPr>
+            <a:spLocks noGrp="1"/>
+          </p:cNvSpPr>
+          <p:nvPr>
+            <p:ph idx="1"/>
+          </p:nvPr>
+        </p:nvSpPr>
+        <p:spPr/>
+        <p:txBody>
+          <a:bodyPr>
+            <a:normAutofit/>
+          </a:bodyPr>
+          <a:lstStyle/>
+          <a:p>
+            <a:pPr>
+              <a:lnSpc>
+                <a:spcPct val="125000"/>
+              </a:lnSpc>
+            </a:pPr>
+            <a:r>
+              <a:rPr lang="zh-CN" altLang="en-US" sz="3200" dirty="0"/>
+              <a:t>克隆 </a:t>
+            </a:r>
+            <a:r>
+              <a:rPr lang="en-US" altLang="zh-CN" sz="3200" dirty="0"/>
+              <a:t>(clone) </a:t>
+            </a:r>
+            <a:r>
+              <a:rPr lang="zh-CN" altLang="en-US" sz="3200" dirty="0"/>
+              <a:t>远程仓库</a:t>
+            </a:r>
+            <a:endParaRPr lang="en-US" altLang="zh-CN" sz="3200" dirty="0"/>
+          </a:p>
+          <a:p>
+            <a:pPr lvl="1">
+              <a:lnSpc>
+                <a:spcPct val="125000"/>
+              </a:lnSpc>
+            </a:pPr>
+            <a:r>
+              <a:rPr lang="en-US" altLang="zh-CN" dirty="0"/>
+              <a:t>$ git clone &lt;link&gt;</a:t>
+            </a:r>
+          </a:p>
+          <a:p>
+            <a:pPr lvl="1">
+              <a:lnSpc>
+                <a:spcPct val="125000"/>
+              </a:lnSpc>
+            </a:pPr>
+            <a:r>
+              <a:rPr lang="en-US" altLang="zh-CN" dirty="0"/>
+              <a:t>$ git clone &lt;link&gt; &lt;</a:t>
+            </a:r>
+            <a:r>
+              <a:rPr lang="en-US" altLang="zh-CN" dirty="0" err="1"/>
+              <a:t>local_proj_name</a:t>
+            </a:r>
+            <a:r>
+              <a:rPr lang="en-US" altLang="zh-CN" dirty="0"/>
+              <a:t>&gt; 	# </a:t>
+            </a:r>
+            <a:r>
+              <a:rPr lang="zh-CN" altLang="en-US" dirty="0"/>
+              <a:t>可以给本地仓库取个喜欢的名字</a:t>
+            </a:r>
+            <a:endParaRPr lang="en-US" altLang="zh-CN" dirty="0"/>
+          </a:p>
+          <a:p>
+            <a:pPr lvl="1">
+              <a:lnSpc>
+                <a:spcPct val="125000"/>
+              </a:lnSpc>
+            </a:pPr>
+            <a:endParaRPr lang="en-US" altLang="zh-CN" sz="2000" dirty="0"/>
+          </a:p>
+        </p:txBody>
+      </p:sp>
+    </p:spTree>
+    <p:extLst>
+      <p:ext uri="{BB962C8B-B14F-4D97-AF65-F5344CB8AC3E}">
+        <p14:creationId xmlns:p14="http://schemas.microsoft.com/office/powerpoint/2010/main" val="1682164746"/>
+      </p:ext>
+    </p:extLst>
+  </p:cSld>
+  <p:clrMapOvr>
+    <a:masterClrMapping/>
+  </p:clrMapOvr>
+</p:sld>
+</file>
+
+<file path=ppt/slides/slide31.xml><?xml version="1.0" encoding="utf-8"?>
+<p:sld xmlns:a="http://schemas.openxmlformats.org/drawingml/2006/main" xmlns:r="http://schemas.openxmlformats.org/officeDocument/2006/relationships" xmlns:p="http://schemas.openxmlformats.org/presentationml/2006/main">
+  <p:cSld>
+    <p:spTree>
+      <p:nvGrpSpPr>
+        <p:cNvPr id="1" name=""/>
+        <p:cNvGrpSpPr/>
+        <p:nvPr/>
+      </p:nvGrpSpPr>
+      <p:grpSpPr>
+        <a:xfrm>
+          <a:off x="0" y="0"/>
+          <a:ext cx="0" cy="0"/>
+          <a:chOff x="0" y="0"/>
+          <a:chExt cx="0" cy="0"/>
+        </a:xfrm>
+      </p:grpSpPr>
+      <p:sp>
+        <p:nvSpPr>
+          <p:cNvPr id="4" name="灯片编号占位符 3"/>
+          <p:cNvSpPr>
+            <a:spLocks noGrp="1"/>
+          </p:cNvSpPr>
+          <p:nvPr>
+            <p:ph type="sldNum" sz="quarter" idx="12"/>
+          </p:nvPr>
+        </p:nvSpPr>
+        <p:spPr/>
+        <p:txBody>
+          <a:bodyPr/>
+          <a:lstStyle/>
+          <a:p>
+            <a:pPr>
+              <a:defRPr/>
+            </a:pPr>
+            <a:fld id="{5F2A2E64-0435-4335-8CCE-EE46D16D8B12}" type="slidenum">
+              <a:rPr lang="zh-CN" altLang="en-US" smtClean="0"/>
+              <a:pPr>
+                <a:defRPr/>
+              </a:pPr>
+              <a:t>31</a:t>
+            </a:fld>
+            <a:endParaRPr lang="zh-CN" altLang="en-US" dirty="0"/>
+          </a:p>
+        </p:txBody>
+      </p:sp>
+      <p:sp>
+        <p:nvSpPr>
+          <p:cNvPr id="6" name="标题 2"/>
+          <p:cNvSpPr>
+            <a:spLocks noGrp="1"/>
+          </p:cNvSpPr>
+          <p:nvPr>
+            <p:ph type="title"/>
+          </p:nvPr>
+        </p:nvSpPr>
+        <p:spPr>
+          <a:xfrm>
+            <a:off x="1199456" y="260648"/>
+            <a:ext cx="10992544" cy="418058"/>
+          </a:xfrm>
+        </p:spPr>
+        <p:txBody>
+          <a:bodyPr>
+            <a:noAutofit/>
+          </a:bodyPr>
+          <a:lstStyle/>
+          <a:p>
+            <a:pPr algn="ctr"/>
+            <a:r>
+              <a:rPr lang="en-US" altLang="zh-CN" sz="3200" b="1" dirty="0">
+                <a:solidFill>
+                  <a:schemeClr val="bg1"/>
+                </a:solidFill>
+                <a:latin typeface="+mn-lt"/>
+              </a:rPr>
+              <a:t>Push and Pull </a:t>
+            </a:r>
+            <a:br>
+              <a:rPr lang="en-US" altLang="zh-CN" sz="3200" b="1" dirty="0">
+                <a:solidFill>
+                  <a:schemeClr val="bg1"/>
+                </a:solidFill>
+                <a:latin typeface="+mn-lt"/>
+              </a:rPr>
+            </a:br>
+            <a:r>
+              <a:rPr lang="en-US" altLang="zh-CN" sz="3200" b="1" dirty="0">
+                <a:solidFill>
+                  <a:schemeClr val="bg1"/>
+                </a:solidFill>
+                <a:latin typeface="+mn-lt"/>
+              </a:rPr>
+              <a:t>To and From a Remote Repository</a:t>
+            </a:r>
+          </a:p>
+        </p:txBody>
+      </p:sp>
+      <p:sp>
+        <p:nvSpPr>
+          <p:cNvPr id="5" name="内容占位符 4">
+            <a:extLst>
+              <a:ext uri="{FF2B5EF4-FFF2-40B4-BE49-F238E27FC236}">
+                <a16:creationId xmlns:a16="http://schemas.microsoft.com/office/drawing/2014/main" id="{D1F876F4-09C8-43EB-9898-EEB3AE25C516}"/>
+              </a:ext>
+            </a:extLst>
+          </p:cNvPr>
+          <p:cNvSpPr>
+            <a:spLocks noGrp="1"/>
+          </p:cNvSpPr>
+          <p:nvPr>
+            <p:ph idx="1"/>
+          </p:nvPr>
+        </p:nvSpPr>
+        <p:spPr/>
+        <p:txBody>
+          <a:bodyPr>
+            <a:normAutofit lnSpcReduction="10000"/>
+          </a:bodyPr>
+          <a:lstStyle/>
+          <a:p>
+            <a:pPr>
+              <a:lnSpc>
+                <a:spcPct val="125000"/>
+              </a:lnSpc>
+            </a:pPr>
+            <a:r>
+              <a:rPr lang="en-US" altLang="zh-CN" sz="3200" dirty="0"/>
+              <a:t>clone </a:t>
+            </a:r>
+            <a:r>
+              <a:rPr lang="zh-CN" altLang="en-US" sz="3200" dirty="0"/>
+              <a:t>和 </a:t>
+            </a:r>
+            <a:r>
+              <a:rPr lang="en-US" altLang="zh-CN" sz="3200" dirty="0"/>
+              <a:t>pull </a:t>
+            </a:r>
+            <a:r>
+              <a:rPr lang="zh-CN" altLang="en-US" sz="3200" dirty="0"/>
+              <a:t>的区别</a:t>
+            </a:r>
+            <a:endParaRPr lang="en-US" altLang="zh-CN" sz="3200" dirty="0"/>
+          </a:p>
+          <a:p>
+            <a:pPr lvl="1">
+              <a:lnSpc>
+                <a:spcPct val="125000"/>
+              </a:lnSpc>
+            </a:pPr>
+            <a:r>
+              <a:rPr lang="zh-CN" altLang="en-US" sz="2800" dirty="0"/>
+              <a:t>当 </a:t>
+            </a:r>
+            <a:r>
+              <a:rPr lang="en-US" altLang="zh-CN" sz="2800" dirty="0"/>
+              <a:t>clone </a:t>
+            </a:r>
+            <a:r>
+              <a:rPr lang="zh-CN" altLang="en-US" sz="2800" dirty="0"/>
+              <a:t>一个远程仓库，</a:t>
+            </a:r>
+            <a:r>
+              <a:rPr lang="en-US" altLang="zh-CN" sz="2800" dirty="0"/>
+              <a:t>Git </a:t>
+            </a:r>
+            <a:r>
+              <a:rPr lang="zh-CN" altLang="en-US" sz="2800" dirty="0"/>
+              <a:t>将</a:t>
+            </a:r>
+            <a:endParaRPr lang="en-US" altLang="zh-CN" sz="2800" dirty="0"/>
+          </a:p>
+          <a:p>
+            <a:pPr lvl="2">
+              <a:lnSpc>
+                <a:spcPct val="125000"/>
+              </a:lnSpc>
+            </a:pPr>
+            <a:r>
+              <a:rPr lang="zh-CN" altLang="en-US" sz="2400" dirty="0"/>
+              <a:t>下载整个项目到指定目录中</a:t>
+            </a:r>
+            <a:endParaRPr lang="en-US" altLang="zh-CN" sz="2400" dirty="0"/>
+          </a:p>
+          <a:p>
+            <a:pPr lvl="2">
+              <a:lnSpc>
+                <a:spcPct val="125000"/>
+              </a:lnSpc>
+            </a:pPr>
+            <a:r>
+              <a:rPr lang="zh-CN" altLang="en-US" sz="2400" dirty="0"/>
+              <a:t>在该目录下创建一个名为</a:t>
+            </a:r>
+            <a:r>
+              <a:rPr lang="en-US" altLang="zh-CN" sz="2400" dirty="0"/>
+              <a:t>origin</a:t>
+            </a:r>
+            <a:r>
+              <a:rPr lang="zh-CN" altLang="en-US" sz="2400" dirty="0"/>
+              <a:t>的远程仓库，并将其指向传入的</a:t>
+            </a:r>
+            <a:r>
+              <a:rPr lang="en-US" altLang="zh-CN" sz="2400" dirty="0"/>
+              <a:t>URL</a:t>
+            </a:r>
+          </a:p>
+          <a:p>
+            <a:pPr lvl="2">
+              <a:lnSpc>
+                <a:spcPct val="125000"/>
+              </a:lnSpc>
+            </a:pPr>
+            <a:endParaRPr lang="en-US" altLang="zh-CN" sz="2400" dirty="0"/>
+          </a:p>
+          <a:p>
+            <a:pPr lvl="1">
+              <a:lnSpc>
+                <a:spcPct val="125000"/>
+              </a:lnSpc>
+            </a:pPr>
+            <a:r>
+              <a:rPr lang="zh-CN" altLang="en-US" sz="2800" dirty="0"/>
+              <a:t>当运行 </a:t>
+            </a:r>
+            <a:r>
+              <a:rPr lang="en-US" altLang="zh-CN" sz="2800" dirty="0"/>
+              <a:t>pull </a:t>
+            </a:r>
+            <a:r>
+              <a:rPr lang="zh-CN" altLang="en-US" sz="2800" dirty="0"/>
+              <a:t>命令时，</a:t>
+            </a:r>
+            <a:r>
+              <a:rPr lang="en-US" altLang="zh-CN" sz="2800" dirty="0"/>
+              <a:t>Git </a:t>
+            </a:r>
+            <a:r>
+              <a:rPr lang="zh-CN" altLang="en-US" sz="2800" dirty="0"/>
+              <a:t>将</a:t>
+            </a:r>
+            <a:endParaRPr lang="en-US" altLang="zh-CN" sz="2800" dirty="0"/>
+          </a:p>
+          <a:p>
+            <a:pPr lvl="2">
+              <a:lnSpc>
+                <a:spcPct val="125000"/>
+              </a:lnSpc>
+            </a:pPr>
+            <a:r>
+              <a:rPr lang="zh-CN" altLang="en-US" sz="2400" dirty="0"/>
+              <a:t>拉出当前分支中的远程更改到本地的 </a:t>
+            </a:r>
+            <a:r>
+              <a:rPr lang="en-US" altLang="zh-CN" sz="2400" dirty="0"/>
+              <a:t>origin </a:t>
+            </a:r>
+            <a:r>
+              <a:rPr lang="zh-CN" altLang="en-US" sz="2400" dirty="0"/>
+              <a:t>远程仓库 </a:t>
+            </a:r>
+            <a:r>
+              <a:rPr lang="en-US" altLang="zh-CN" sz="2400" dirty="0"/>
+              <a:t>(git fetch)</a:t>
+            </a:r>
+          </a:p>
+          <a:p>
+            <a:pPr lvl="2">
+              <a:lnSpc>
+                <a:spcPct val="125000"/>
+              </a:lnSpc>
+            </a:pPr>
+            <a:r>
+              <a:rPr lang="zh-CN" altLang="en-US" sz="2400" dirty="0"/>
+              <a:t>把 </a:t>
+            </a:r>
+            <a:r>
+              <a:rPr lang="en-US" altLang="zh-CN" sz="2400" dirty="0"/>
+              <a:t>origin </a:t>
+            </a:r>
+            <a:r>
+              <a:rPr lang="zh-CN" altLang="en-US" sz="2400" dirty="0"/>
+              <a:t>远程仓库的更新合并至本地仓库 </a:t>
+            </a:r>
+            <a:r>
+              <a:rPr lang="en-US" altLang="zh-CN" sz="2400" dirty="0"/>
+              <a:t>(git merge)</a:t>
+            </a:r>
+            <a:endParaRPr lang="zh-CN" altLang="en-US" sz="2400" dirty="0"/>
+          </a:p>
+          <a:p>
+            <a:pPr lvl="1">
+              <a:lnSpc>
+                <a:spcPct val="125000"/>
+              </a:lnSpc>
+            </a:pPr>
+            <a:endParaRPr lang="en-US" altLang="zh-CN" sz="2000" dirty="0"/>
+          </a:p>
+        </p:txBody>
+      </p:sp>
+    </p:spTree>
+    <p:extLst>
+      <p:ext uri="{BB962C8B-B14F-4D97-AF65-F5344CB8AC3E}">
+        <p14:creationId xmlns:p14="http://schemas.microsoft.com/office/powerpoint/2010/main" val="864423931"/>
+      </p:ext>
+    </p:extLst>
+  </p:cSld>
+  <p:clrMapOvr>
+    <a:masterClrMapping/>
+  </p:clrMapOvr>
+</p:sld>
+</file>
+
+<file path=ppt/slides/slide32.xml><?xml version="1.0" encoding="utf-8"?>
+<p:sld xmlns:a="http://schemas.openxmlformats.org/drawingml/2006/main" xmlns:r="http://schemas.openxmlformats.org/officeDocument/2006/relationships" xmlns:p="http://schemas.openxmlformats.org/presentationml/2006/main">
+  <p:cSld>
+    <p:spTree>
+      <p:nvGrpSpPr>
+        <p:cNvPr id="1" name=""/>
+        <p:cNvGrpSpPr/>
+        <p:nvPr/>
+      </p:nvGrpSpPr>
+      <p:grpSpPr>
+        <a:xfrm>
+          <a:off x="0" y="0"/>
+          <a:ext cx="0" cy="0"/>
+          <a:chOff x="0" y="0"/>
+          <a:chExt cx="0" cy="0"/>
+        </a:xfrm>
+      </p:grpSpPr>
+      <p:sp>
+        <p:nvSpPr>
+          <p:cNvPr id="9" name="内容占位符 8">
+            <a:extLst>
+              <a:ext uri="{FF2B5EF4-FFF2-40B4-BE49-F238E27FC236}">
+                <a16:creationId xmlns:a16="http://schemas.microsoft.com/office/drawing/2014/main" id="{5888FF9F-FC10-4882-9D1E-BC462633EBD1}"/>
+              </a:ext>
+            </a:extLst>
+          </p:cNvPr>
+          <p:cNvSpPr>
+            <a:spLocks noGrp="1"/>
+          </p:cNvSpPr>
+          <p:nvPr>
+            <p:ph idx="1"/>
+          </p:nvPr>
+        </p:nvSpPr>
+        <p:spPr/>
+        <p:txBody>
+          <a:bodyPr/>
+          <a:lstStyle/>
+          <a:p>
+            <a:pPr>
+              <a:lnSpc>
+                <a:spcPct val="150000"/>
+              </a:lnSpc>
+            </a:pPr>
+            <a:r>
+              <a:rPr lang="en-US" altLang="zh-CN" dirty="0">
+                <a:solidFill>
+                  <a:schemeClr val="tx1"/>
+                </a:solidFill>
+                <a:latin typeface="等线" panose="02010600030101010101" pitchFamily="2" charset="-122"/>
+                <a:ea typeface="等线" panose="02010600030101010101" pitchFamily="2" charset="-122"/>
+              </a:rPr>
+              <a:t>Git </a:t>
+            </a:r>
+            <a:r>
+              <a:rPr lang="zh-CN" altLang="en-US" dirty="0">
+                <a:solidFill>
+                  <a:schemeClr val="tx1"/>
+                </a:solidFill>
+                <a:latin typeface="等线" panose="02010600030101010101" pitchFamily="2" charset="-122"/>
+                <a:ea typeface="等线" panose="02010600030101010101" pitchFamily="2" charset="-122"/>
+              </a:rPr>
+              <a:t>的使用需求</a:t>
+            </a:r>
+            <a:endParaRPr lang="en-US" altLang="zh-CN" dirty="0">
+              <a:solidFill>
+                <a:schemeClr val="tx1"/>
+              </a:solidFill>
+              <a:latin typeface="等线" panose="02010600030101010101" pitchFamily="2" charset="-122"/>
+              <a:ea typeface="等线" panose="02010600030101010101" pitchFamily="2" charset="-122"/>
+            </a:endParaRPr>
+          </a:p>
+          <a:p>
+            <a:pPr>
+              <a:lnSpc>
+                <a:spcPct val="150000"/>
+              </a:lnSpc>
+            </a:pPr>
+            <a:r>
+              <a:rPr lang="en-US" altLang="zh-CN" dirty="0">
+                <a:solidFill>
+                  <a:schemeClr val="tx1"/>
+                </a:solidFill>
+                <a:latin typeface="等线" panose="02010600030101010101" pitchFamily="2" charset="-122"/>
+                <a:ea typeface="等线" panose="02010600030101010101" pitchFamily="2" charset="-122"/>
+              </a:rPr>
+              <a:t>Git </a:t>
+            </a:r>
+            <a:r>
+              <a:rPr lang="zh-CN" altLang="en-US" dirty="0">
+                <a:solidFill>
+                  <a:schemeClr val="tx1"/>
+                </a:solidFill>
+                <a:latin typeface="等线" panose="02010600030101010101" pitchFamily="2" charset="-122"/>
+                <a:ea typeface="等线" panose="02010600030101010101" pitchFamily="2" charset="-122"/>
+              </a:rPr>
+              <a:t>的基本概念</a:t>
+            </a:r>
+            <a:endParaRPr lang="en-US" altLang="zh-CN" dirty="0">
+              <a:solidFill>
+                <a:schemeClr val="tx1"/>
+              </a:solidFill>
+              <a:latin typeface="等线" panose="02010600030101010101" pitchFamily="2" charset="-122"/>
+              <a:ea typeface="等线" panose="02010600030101010101" pitchFamily="2" charset="-122"/>
+            </a:endParaRPr>
+          </a:p>
+          <a:p>
+            <a:pPr>
+              <a:lnSpc>
+                <a:spcPct val="150000"/>
+              </a:lnSpc>
+            </a:pPr>
+            <a:r>
+              <a:rPr lang="en-US" altLang="zh-CN" dirty="0">
+                <a:solidFill>
+                  <a:schemeClr val="tx1"/>
+                </a:solidFill>
+                <a:latin typeface="等线" panose="02010600030101010101" pitchFamily="2" charset="-122"/>
+                <a:ea typeface="等线" panose="02010600030101010101" pitchFamily="2" charset="-122"/>
+              </a:rPr>
+              <a:t>Git </a:t>
+            </a:r>
+            <a:r>
+              <a:rPr lang="zh-CN" altLang="en-US" dirty="0">
+                <a:solidFill>
+                  <a:schemeClr val="tx1"/>
+                </a:solidFill>
+                <a:latin typeface="等线" panose="02010600030101010101" pitchFamily="2" charset="-122"/>
+                <a:ea typeface="等线" panose="02010600030101010101" pitchFamily="2" charset="-122"/>
+              </a:rPr>
+              <a:t>的使用方法</a:t>
+            </a:r>
+            <a:endParaRPr lang="en-US" altLang="zh-CN" dirty="0">
+              <a:solidFill>
+                <a:schemeClr val="tx1"/>
+              </a:solidFill>
+              <a:latin typeface="等线" panose="02010600030101010101" pitchFamily="2" charset="-122"/>
+              <a:ea typeface="等线" panose="02010600030101010101" pitchFamily="2" charset="-122"/>
+            </a:endParaRPr>
+          </a:p>
+          <a:p>
+            <a:pPr lvl="1">
+              <a:lnSpc>
+                <a:spcPct val="150000"/>
+              </a:lnSpc>
+            </a:pPr>
+            <a:r>
+              <a:rPr lang="zh-CN" altLang="en-US" dirty="0">
+                <a:solidFill>
+                  <a:schemeClr val="tx1"/>
+                </a:solidFill>
+                <a:latin typeface="等线" panose="02010600030101010101" pitchFamily="2" charset="-122"/>
+                <a:ea typeface="等线" panose="02010600030101010101" pitchFamily="2" charset="-122"/>
+              </a:rPr>
+              <a:t>本地仓库</a:t>
+            </a:r>
+            <a:endParaRPr lang="en-US" altLang="zh-CN" dirty="0">
+              <a:solidFill>
+                <a:schemeClr val="tx1"/>
+              </a:solidFill>
+              <a:latin typeface="等线" panose="02010600030101010101" pitchFamily="2" charset="-122"/>
+              <a:ea typeface="等线" panose="02010600030101010101" pitchFamily="2" charset="-122"/>
+            </a:endParaRPr>
+          </a:p>
+          <a:p>
+            <a:pPr lvl="1">
+              <a:lnSpc>
+                <a:spcPct val="150000"/>
+              </a:lnSpc>
+            </a:pPr>
+            <a:r>
+              <a:rPr lang="zh-CN" altLang="en-US" dirty="0">
+                <a:solidFill>
+                  <a:schemeClr val="tx1"/>
+                </a:solidFill>
+                <a:latin typeface="等线" panose="02010600030101010101" pitchFamily="2" charset="-122"/>
+                <a:ea typeface="等线" panose="02010600030101010101" pitchFamily="2" charset="-122"/>
+              </a:rPr>
+              <a:t>远程仓库</a:t>
+            </a:r>
+            <a:endParaRPr lang="en-US" altLang="zh-CN" dirty="0">
+              <a:solidFill>
+                <a:schemeClr val="tx1"/>
+              </a:solidFill>
+              <a:latin typeface="等线" panose="02010600030101010101" pitchFamily="2" charset="-122"/>
+              <a:ea typeface="等线" panose="02010600030101010101" pitchFamily="2" charset="-122"/>
+            </a:endParaRPr>
+          </a:p>
+          <a:p>
+            <a:pPr>
+              <a:lnSpc>
+                <a:spcPct val="150000"/>
+              </a:lnSpc>
+            </a:pPr>
+            <a:r>
+              <a:rPr lang="en-US" altLang="zh-CN" b="1" dirty="0">
+                <a:solidFill>
+                  <a:schemeClr val="tx1"/>
+                </a:solidFill>
+                <a:latin typeface="等线" panose="02010600030101010101" pitchFamily="2" charset="-122"/>
+                <a:ea typeface="等线" panose="02010600030101010101" pitchFamily="2" charset="-122"/>
+              </a:rPr>
+              <a:t>Git </a:t>
+            </a:r>
+            <a:r>
+              <a:rPr lang="zh-CN" altLang="en-US" b="1" dirty="0">
+                <a:solidFill>
+                  <a:schemeClr val="tx1"/>
+                </a:solidFill>
+                <a:latin typeface="等线" panose="02010600030101010101" pitchFamily="2" charset="-122"/>
+                <a:ea typeface="等线" panose="02010600030101010101" pitchFamily="2" charset="-122"/>
+              </a:rPr>
+              <a:t>其他学习资源</a:t>
+            </a:r>
+          </a:p>
+        </p:txBody>
+      </p:sp>
+      <p:sp>
+        <p:nvSpPr>
+          <p:cNvPr id="4" name="灯片编号占位符 3"/>
+          <p:cNvSpPr>
+            <a:spLocks noGrp="1"/>
+          </p:cNvSpPr>
+          <p:nvPr>
+            <p:ph type="sldNum" sz="quarter" idx="12"/>
+          </p:nvPr>
+        </p:nvSpPr>
+        <p:spPr/>
+        <p:txBody>
+          <a:bodyPr/>
+          <a:lstStyle/>
+          <a:p>
+            <a:pPr>
+              <a:defRPr/>
+            </a:pPr>
+            <a:fld id="{5F2A2E64-0435-4335-8CCE-EE46D16D8B12}" type="slidenum">
+              <a:rPr lang="zh-CN" altLang="en-US" smtClean="0"/>
+              <a:pPr>
+                <a:defRPr/>
+              </a:pPr>
+              <a:t>32</a:t>
+            </a:fld>
+            <a:endParaRPr lang="zh-CN" altLang="en-US"/>
+          </a:p>
+        </p:txBody>
+      </p:sp>
+      <p:sp>
+        <p:nvSpPr>
+          <p:cNvPr id="6" name="Rectangle 1"/>
+          <p:cNvSpPr>
+            <a:spLocks noChangeArrowheads="1"/>
+          </p:cNvSpPr>
+          <p:nvPr/>
+        </p:nvSpPr>
+        <p:spPr bwMode="auto">
+          <a:xfrm>
+            <a:off x="1524003" y="-461665"/>
+            <a:ext cx="9168156" cy="923330"/>
+          </a:xfrm>
+          <a:prstGeom prst="rect">
+            <a:avLst/>
+          </a:prstGeom>
+          <a:noFill/>
+          <a:ln>
+            <a:noFill/>
+          </a:ln>
+          <a:effectLst/>
+          <a:extLst>
+            <a:ext uri="{909E8E84-426E-40DD-AFC4-6F175D3DCCD1}">
+              <a14:hiddenFill xmlns:a14="http://schemas.microsoft.com/office/drawing/2010/main">
+                <a:solidFill>
+                  <a:schemeClr val="accent1"/>
+                </a:solidFill>
+              </a14:hiddenFill>
+            </a:ext>
+            <a:ext uri="{91240B29-F687-4F45-9708-019B960494DF}">
+              <a14:hiddenLine xmlns:a14="http://schemas.microsoft.com/office/drawing/2010/main" w="9525">
+                <a:solidFill>
+                  <a:schemeClr val="tx1"/>
+                </a:solidFill>
+                <a:miter lim="800000"/>
+                <a:headEnd/>
+                <a:tailEnd/>
+              </a14:hiddenLine>
+            </a:ext>
+            <a:ext uri="{AF507438-7753-43E0-B8FC-AC1667EBCBE1}">
+              <a14:hiddenEffects xmlns:a14="http://schemas.microsoft.com/office/drawing/2010/main">
+                <a:effectLst>
+                  <a:outerShdw dist="35921" dir="2700000" algn="ctr" rotWithShape="0">
+                    <a:schemeClr val="bg2"/>
+                  </a:outerShdw>
+                </a:effectLst>
+              </a14:hiddenEffects>
+            </a:ext>
+          </a:extLst>
+        </p:spPr>
+        <p:txBody>
+          <a:bodyPr vert="horz" wrap="square" lIns="91440" tIns="45720" rIns="91440" bIns="45720" numCol="1" anchor="ctr" anchorCtr="0" compatLnSpc="1">
+            <a:prstTxWarp prst="textNoShape">
+              <a:avLst/>
+            </a:prstTxWarp>
+            <a:spAutoFit/>
+          </a:bodyPr>
+          <a:lstStyle/>
+          <a:p>
+            <a:pPr eaLnBrk="0" hangingPunct="0"/>
+            <a:br>
+              <a:rPr lang="zh-CN" altLang="zh-CN"/>
+            </a:br>
+            <a:br>
+              <a:rPr lang="zh-CN" altLang="zh-CN"/>
+            </a:br>
+            <a:endParaRPr lang="zh-CN" altLang="zh-CN"/>
+          </a:p>
+        </p:txBody>
+      </p:sp>
+      <p:sp>
+        <p:nvSpPr>
+          <p:cNvPr id="10" name="标题 2">
+            <a:extLst>
+              <a:ext uri="{FF2B5EF4-FFF2-40B4-BE49-F238E27FC236}">
+                <a16:creationId xmlns:a16="http://schemas.microsoft.com/office/drawing/2014/main" id="{50991A52-36BE-44A6-81CC-319CF598EC92}"/>
+              </a:ext>
+            </a:extLst>
+          </p:cNvPr>
+          <p:cNvSpPr txBox="1">
+            <a:spLocks/>
+          </p:cNvSpPr>
+          <p:nvPr/>
+        </p:nvSpPr>
+        <p:spPr bwMode="auto">
+          <a:xfrm>
+            <a:off x="3503712" y="260648"/>
+            <a:ext cx="5760640" cy="418058"/>
+          </a:xfrm>
+          <a:prstGeom prst="rect">
+            <a:avLst/>
+          </a:prstGeom>
+          <a:noFill/>
+          <a:ln>
+            <a:noFill/>
+          </a:ln>
+          <a:extLst>
+            <a:ext uri="{909E8E84-426E-40DD-AFC4-6F175D3DCCD1}">
+              <a14:hiddenFill xmlns:a14="http://schemas.microsoft.com/office/drawing/2010/main">
+                <a:solidFill>
+                  <a:srgbClr val="FFFFFF"/>
+                </a:solidFill>
+              </a14:hiddenFill>
+            </a:ext>
+            <a:ext uri="{91240B29-F687-4F45-9708-019B960494DF}">
+              <a14:hiddenLine xmlns:a14="http://schemas.microsoft.com/office/drawing/2010/main" w="9525">
+                <a:solidFill>
+                  <a:srgbClr val="000000"/>
+                </a:solidFill>
+                <a:miter lim="800000"/>
+                <a:headEnd/>
+                <a:tailEnd/>
+              </a14:hiddenLine>
+            </a:ext>
+          </a:extLst>
+        </p:spPr>
+        <p:txBody>
+          <a:bodyPr vert="horz" wrap="square" lIns="91440" tIns="45720" rIns="91440" bIns="45720" numCol="1" anchor="ctr" anchorCtr="0" compatLnSpc="1">
+            <a:noAutofit/>
+          </a:bodyPr>
+          <a:lstStyle>
+            <a:lvl1pPr algn="l" rtl="0" fontAlgn="base">
+              <a:spcBef>
+                <a:spcPct val="0"/>
+              </a:spcBef>
+              <a:spcAft>
+                <a:spcPct val="0"/>
+              </a:spcAft>
+              <a:defRPr sz="3200" kern="1200">
+                <a:solidFill>
+                  <a:schemeClr val="bg1"/>
+                </a:solidFill>
+                <a:latin typeface="黑体" panose="02010609060101010101" pitchFamily="2" charset="-122"/>
+                <a:ea typeface="黑体" panose="02010609060101010101" pitchFamily="2" charset="-122"/>
+                <a:cs typeface="+mj-cs"/>
+              </a:defRPr>
+            </a:lvl1pPr>
+            <a:lvl2pPr algn="ctr" rtl="0" fontAlgn="base">
+              <a:spcBef>
+                <a:spcPct val="0"/>
+              </a:spcBef>
+              <a:spcAft>
+                <a:spcPct val="0"/>
+              </a:spcAft>
+              <a:defRPr sz="4400">
+                <a:solidFill>
+                  <a:schemeClr val="tx1"/>
+                </a:solidFill>
+                <a:latin typeface="Calibri" panose="020F0502020204030204" pitchFamily="34" charset="0"/>
+                <a:ea typeface="宋体" panose="02010600030101010101" pitchFamily="2" charset="-122"/>
+              </a:defRPr>
+            </a:lvl2pPr>
+            <a:lvl3pPr algn="ctr" rtl="0" fontAlgn="base">
+              <a:spcBef>
+                <a:spcPct val="0"/>
+              </a:spcBef>
+              <a:spcAft>
+                <a:spcPct val="0"/>
+              </a:spcAft>
+              <a:defRPr sz="4400">
+                <a:solidFill>
+                  <a:schemeClr val="tx1"/>
+                </a:solidFill>
+                <a:latin typeface="Calibri" panose="020F0502020204030204" pitchFamily="34" charset="0"/>
+                <a:ea typeface="宋体" panose="02010600030101010101" pitchFamily="2" charset="-122"/>
+              </a:defRPr>
+            </a:lvl3pPr>
+            <a:lvl4pPr algn="ctr" rtl="0" fontAlgn="base">
+              <a:spcBef>
+                <a:spcPct val="0"/>
+              </a:spcBef>
+              <a:spcAft>
+                <a:spcPct val="0"/>
+              </a:spcAft>
+              <a:defRPr sz="4400">
+                <a:solidFill>
+                  <a:schemeClr val="tx1"/>
+                </a:solidFill>
+                <a:latin typeface="Calibri" panose="020F0502020204030204" pitchFamily="34" charset="0"/>
+                <a:ea typeface="宋体" panose="02010600030101010101" pitchFamily="2" charset="-122"/>
+              </a:defRPr>
+            </a:lvl4pPr>
+            <a:lvl5pPr algn="ctr" rtl="0" fontAlgn="base">
+              <a:spcBef>
+                <a:spcPct val="0"/>
+              </a:spcBef>
+              <a:spcAft>
+                <a:spcPct val="0"/>
+              </a:spcAft>
+              <a:defRPr sz="4400">
+                <a:solidFill>
+                  <a:schemeClr val="tx1"/>
+                </a:solidFill>
+                <a:latin typeface="Calibri" panose="020F0502020204030204" pitchFamily="34" charset="0"/>
+                <a:ea typeface="宋体" panose="02010600030101010101" pitchFamily="2" charset="-122"/>
+              </a:defRPr>
+            </a:lvl5pPr>
+            <a:lvl6pPr marL="457200" algn="ctr" rtl="0" fontAlgn="base">
+              <a:spcBef>
+                <a:spcPct val="0"/>
+              </a:spcBef>
+              <a:spcAft>
+                <a:spcPct val="0"/>
+              </a:spcAft>
+              <a:defRPr sz="4400">
+                <a:solidFill>
+                  <a:schemeClr val="tx1"/>
+                </a:solidFill>
+                <a:latin typeface="Calibri" panose="020F0502020204030204" pitchFamily="34" charset="0"/>
+                <a:ea typeface="宋体" panose="02010600030101010101" pitchFamily="2" charset="-122"/>
+              </a:defRPr>
+            </a:lvl6pPr>
+            <a:lvl7pPr marL="914400" algn="ctr" rtl="0" fontAlgn="base">
+              <a:spcBef>
+                <a:spcPct val="0"/>
+              </a:spcBef>
+              <a:spcAft>
+                <a:spcPct val="0"/>
+              </a:spcAft>
+              <a:defRPr sz="4400">
+                <a:solidFill>
+                  <a:schemeClr val="tx1"/>
+                </a:solidFill>
+                <a:latin typeface="Calibri" panose="020F0502020204030204" pitchFamily="34" charset="0"/>
+                <a:ea typeface="宋体" panose="02010600030101010101" pitchFamily="2" charset="-122"/>
+              </a:defRPr>
+            </a:lvl7pPr>
+            <a:lvl8pPr marL="1371600" algn="ctr" rtl="0" fontAlgn="base">
+              <a:spcBef>
+                <a:spcPct val="0"/>
+              </a:spcBef>
+              <a:spcAft>
+                <a:spcPct val="0"/>
+              </a:spcAft>
+              <a:defRPr sz="4400">
+                <a:solidFill>
+                  <a:schemeClr val="tx1"/>
+                </a:solidFill>
+                <a:latin typeface="Calibri" panose="020F0502020204030204" pitchFamily="34" charset="0"/>
+                <a:ea typeface="宋体" panose="02010600030101010101" pitchFamily="2" charset="-122"/>
+              </a:defRPr>
+            </a:lvl8pPr>
+            <a:lvl9pPr marL="1828800" algn="ctr" rtl="0" fontAlgn="base">
+              <a:spcBef>
+                <a:spcPct val="0"/>
+              </a:spcBef>
+              <a:spcAft>
+                <a:spcPct val="0"/>
+              </a:spcAft>
+              <a:defRPr sz="4400">
+                <a:solidFill>
+                  <a:schemeClr val="tx1"/>
+                </a:solidFill>
+                <a:latin typeface="Calibri" panose="020F0502020204030204" pitchFamily="34" charset="0"/>
+                <a:ea typeface="宋体" panose="02010600030101010101" pitchFamily="2" charset="-122"/>
+              </a:defRPr>
+            </a:lvl9pPr>
+          </a:lstStyle>
+          <a:p>
+            <a:pPr algn="ctr"/>
+            <a:r>
+              <a:rPr lang="en-US" altLang="zh-CN" sz="4400" b="1" dirty="0">
+                <a:latin typeface="+mn-lt"/>
+              </a:rPr>
+              <a:t>Outline</a:t>
+            </a:r>
+            <a:endParaRPr lang="zh-CN" altLang="en-US" sz="4400" b="1" dirty="0">
+              <a:latin typeface="+mn-lt"/>
+            </a:endParaRPr>
+          </a:p>
+        </p:txBody>
+      </p:sp>
+    </p:spTree>
+    <p:extLst>
+      <p:ext uri="{BB962C8B-B14F-4D97-AF65-F5344CB8AC3E}">
+        <p14:creationId xmlns:p14="http://schemas.microsoft.com/office/powerpoint/2010/main" val="82243397"/>
+      </p:ext>
+    </p:extLst>
+  </p:cSld>
+  <p:clrMapOvr>
+    <a:masterClrMapping/>
+  </p:clrMapOvr>
+</p:sld>
+</file>
+
+<file path=ppt/slides/slide33.xml><?xml version="1.0" encoding="utf-8"?>
+<p:sld xmlns:a="http://schemas.openxmlformats.org/drawingml/2006/main" xmlns:r="http://schemas.openxmlformats.org/officeDocument/2006/relationships" xmlns:p="http://schemas.openxmlformats.org/presentationml/2006/main">
+  <p:cSld>
+    <p:spTree>
+      <p:nvGrpSpPr>
+        <p:cNvPr id="1" name=""/>
+        <p:cNvGrpSpPr/>
+        <p:nvPr/>
+      </p:nvGrpSpPr>
+      <p:grpSpPr>
+        <a:xfrm>
+          <a:off x="0" y="0"/>
+          <a:ext cx="0" cy="0"/>
+          <a:chOff x="0" y="0"/>
+          <a:chExt cx="0" cy="0"/>
+        </a:xfrm>
+      </p:grpSpPr>
+      <p:sp>
+        <p:nvSpPr>
+          <p:cNvPr id="4" name="灯片编号占位符 3"/>
+          <p:cNvSpPr>
+            <a:spLocks noGrp="1"/>
+          </p:cNvSpPr>
+          <p:nvPr>
+            <p:ph type="sldNum" sz="quarter" idx="12"/>
+          </p:nvPr>
+        </p:nvSpPr>
+        <p:spPr/>
+        <p:txBody>
+          <a:bodyPr/>
+          <a:lstStyle/>
+          <a:p>
+            <a:pPr>
+              <a:defRPr/>
+            </a:pPr>
+            <a:fld id="{5F2A2E64-0435-4335-8CCE-EE46D16D8B12}" type="slidenum">
+              <a:rPr lang="zh-CN" altLang="en-US" smtClean="0"/>
+              <a:pPr>
+                <a:defRPr/>
+              </a:pPr>
+              <a:t>33</a:t>
+            </a:fld>
+            <a:endParaRPr lang="zh-CN" altLang="en-US" dirty="0"/>
+          </a:p>
+        </p:txBody>
+      </p:sp>
+      <p:sp>
+        <p:nvSpPr>
+          <p:cNvPr id="6" name="标题 2"/>
+          <p:cNvSpPr>
+            <a:spLocks noGrp="1"/>
+          </p:cNvSpPr>
+          <p:nvPr>
+            <p:ph type="title"/>
+          </p:nvPr>
+        </p:nvSpPr>
+        <p:spPr>
+          <a:xfrm>
+            <a:off x="3503712" y="260648"/>
+            <a:ext cx="5760640" cy="418058"/>
+          </a:xfrm>
+        </p:spPr>
+        <p:txBody>
+          <a:bodyPr>
+            <a:noAutofit/>
+          </a:bodyPr>
+          <a:lstStyle/>
+          <a:p>
+            <a:pPr algn="ctr"/>
+            <a:r>
+              <a:rPr lang="en-US" altLang="zh-CN" b="1" dirty="0">
+                <a:solidFill>
+                  <a:schemeClr val="bg1"/>
+                </a:solidFill>
+                <a:latin typeface="+mn-lt"/>
+              </a:rPr>
+              <a:t>Resources</a:t>
+            </a:r>
+            <a:endParaRPr lang="zh-CN" altLang="en-US" sz="3600" b="1" dirty="0">
+              <a:solidFill>
+                <a:schemeClr val="bg1"/>
+              </a:solidFill>
+              <a:latin typeface="+mn-lt"/>
+            </a:endParaRPr>
+          </a:p>
+        </p:txBody>
+      </p:sp>
+      <p:sp>
+        <p:nvSpPr>
+          <p:cNvPr id="5" name="内容占位符 4">
+            <a:extLst>
+              <a:ext uri="{FF2B5EF4-FFF2-40B4-BE49-F238E27FC236}">
+                <a16:creationId xmlns:a16="http://schemas.microsoft.com/office/drawing/2014/main" id="{D1F876F4-09C8-43EB-9898-EEB3AE25C516}"/>
+              </a:ext>
+            </a:extLst>
+          </p:cNvPr>
+          <p:cNvSpPr>
+            <a:spLocks noGrp="1"/>
+          </p:cNvSpPr>
+          <p:nvPr>
+            <p:ph idx="1"/>
+          </p:nvPr>
+        </p:nvSpPr>
+        <p:spPr/>
+        <p:txBody>
+          <a:bodyPr>
+            <a:normAutofit fontScale="92500" lnSpcReduction="20000"/>
+          </a:bodyPr>
+          <a:lstStyle/>
+          <a:p>
+            <a:pPr>
+              <a:lnSpc>
+                <a:spcPct val="125000"/>
+              </a:lnSpc>
+            </a:pPr>
+            <a:r>
+              <a:rPr lang="en-US" altLang="zh-CN" dirty="0">
+                <a:hlinkClick r:id="rId3"/>
+              </a:rPr>
+              <a:t>https://guides.github.com/activities/hello-world/</a:t>
+            </a:r>
+            <a:endParaRPr lang="en-US" altLang="zh-CN" dirty="0"/>
+          </a:p>
+          <a:p>
+            <a:pPr lvl="1">
+              <a:lnSpc>
+                <a:spcPct val="125000"/>
+              </a:lnSpc>
+            </a:pPr>
+            <a:r>
+              <a:rPr lang="en-US" altLang="zh-CN" dirty="0"/>
+              <a:t>GitHub </a:t>
+            </a:r>
+            <a:r>
+              <a:rPr lang="zh-CN" altLang="en-US" dirty="0"/>
+              <a:t>提供的一个简短概述</a:t>
+            </a:r>
+            <a:endParaRPr lang="en-US" altLang="zh-CN" dirty="0"/>
+          </a:p>
+          <a:p>
+            <a:pPr>
+              <a:lnSpc>
+                <a:spcPct val="125000"/>
+              </a:lnSpc>
+            </a:pPr>
+            <a:r>
+              <a:rPr lang="en-US" altLang="zh-CN" dirty="0">
+                <a:hlinkClick r:id="rId4"/>
+              </a:rPr>
+              <a:t>https://try.github.io/</a:t>
+            </a:r>
+            <a:endParaRPr lang="en-US" altLang="zh-CN" dirty="0"/>
+          </a:p>
+          <a:p>
+            <a:pPr lvl="1">
+              <a:lnSpc>
+                <a:spcPct val="125000"/>
+              </a:lnSpc>
+            </a:pPr>
+            <a:r>
+              <a:rPr lang="en-US" altLang="zh-CN" dirty="0"/>
+              <a:t>GitHub </a:t>
+            </a:r>
+            <a:r>
+              <a:rPr lang="zh-CN" altLang="en-US" dirty="0"/>
+              <a:t>提供的一个在线交互教程</a:t>
+            </a:r>
+            <a:endParaRPr lang="en-US" altLang="zh-CN" dirty="0"/>
+          </a:p>
+          <a:p>
+            <a:pPr>
+              <a:lnSpc>
+                <a:spcPct val="125000"/>
+              </a:lnSpc>
+            </a:pPr>
+            <a:r>
+              <a:rPr lang="en-US" altLang="zh-CN" dirty="0">
+                <a:hlinkClick r:id="rId5"/>
+              </a:rPr>
+              <a:t>https://www.ruanyifeng.com/blog/2015/12/git-cheat-sheet.html</a:t>
+            </a:r>
+            <a:endParaRPr lang="en-US" altLang="zh-CN" dirty="0"/>
+          </a:p>
+          <a:p>
+            <a:pPr lvl="1">
+              <a:lnSpc>
+                <a:spcPct val="125000"/>
+              </a:lnSpc>
+            </a:pPr>
+            <a:r>
+              <a:rPr lang="zh-CN" altLang="en-US" dirty="0"/>
+              <a:t>阮一峰总结的 </a:t>
+            </a:r>
+            <a:r>
+              <a:rPr lang="en-US" altLang="zh-CN" dirty="0"/>
+              <a:t>Git Cheat Sheet</a:t>
+            </a:r>
+          </a:p>
+          <a:p>
+            <a:pPr>
+              <a:lnSpc>
+                <a:spcPct val="125000"/>
+              </a:lnSpc>
+            </a:pPr>
+            <a:r>
+              <a:rPr lang="en-US" altLang="zh-CN" dirty="0">
+                <a:hlinkClick r:id="rId6"/>
+              </a:rPr>
+              <a:t>https://git-scm.com/docs/gittutorial</a:t>
+            </a:r>
+            <a:endParaRPr lang="en-US" altLang="zh-CN" dirty="0"/>
+          </a:p>
+          <a:p>
+            <a:pPr>
+              <a:lnSpc>
+                <a:spcPct val="125000"/>
+              </a:lnSpc>
+            </a:pPr>
+            <a:r>
+              <a:rPr lang="en-US" altLang="zh-CN" dirty="0">
+                <a:hlinkClick r:id="rId7"/>
+              </a:rPr>
+              <a:t>http://www.vogella.com/tutorials/Git/article.html</a:t>
+            </a:r>
+            <a:endParaRPr lang="en-US" altLang="zh-CN" dirty="0"/>
+          </a:p>
+          <a:p>
+            <a:pPr lvl="1">
+              <a:lnSpc>
+                <a:spcPct val="125000"/>
+              </a:lnSpc>
+            </a:pPr>
+            <a:r>
+              <a:rPr lang="zh-CN" altLang="en-US" dirty="0"/>
+              <a:t>以上两个均是非常详细（长）的教程</a:t>
+            </a:r>
+            <a:endParaRPr lang="en-US" altLang="zh-CN" dirty="0"/>
+          </a:p>
+          <a:p>
+            <a:endParaRPr lang="en-US" altLang="zh-CN" dirty="0"/>
+          </a:p>
+        </p:txBody>
+      </p:sp>
+    </p:spTree>
+    <p:extLst>
+      <p:ext uri="{BB962C8B-B14F-4D97-AF65-F5344CB8AC3E}">
+        <p14:creationId xmlns:p14="http://schemas.microsoft.com/office/powerpoint/2010/main" val="2834078066"/>
+      </p:ext>
+    </p:extLst>
+  </p:cSld>
+  <p:clrMapOvr>
+    <a:masterClrMapping/>
+  </p:clrMapOvr>
+</p:sld>
+</file>
+
+<file path=ppt/slides/slide34.xml><?xml version="1.0" encoding="utf-8"?>
+<p:sld xmlns:a="http://schemas.openxmlformats.org/drawingml/2006/main" xmlns:r="http://schemas.openxmlformats.org/officeDocument/2006/relationships" xmlns:p="http://schemas.openxmlformats.org/presentationml/2006/main">
+  <p:cSld>
+    <p:spTree>
+      <p:nvGrpSpPr>
+        <p:cNvPr id="1" name=""/>
+        <p:cNvGrpSpPr/>
+        <p:nvPr/>
+      </p:nvGrpSpPr>
+      <p:grpSpPr>
+        <a:xfrm>
+          <a:off x="0" y="0"/>
+          <a:ext cx="0" cy="0"/>
+          <a:chOff x="0" y="0"/>
+          <a:chExt cx="0" cy="0"/>
+        </a:xfrm>
+      </p:grpSpPr>
+      <p:sp>
+        <p:nvSpPr>
+          <p:cNvPr id="4" name="灯片编号占位符 3"/>
+          <p:cNvSpPr>
+            <a:spLocks noGrp="1"/>
+          </p:cNvSpPr>
+          <p:nvPr>
+            <p:ph type="sldNum" sz="quarter" idx="12"/>
+          </p:nvPr>
+        </p:nvSpPr>
+        <p:spPr/>
+        <p:txBody>
+          <a:bodyPr/>
+          <a:lstStyle/>
+          <a:p>
+            <a:pPr>
+              <a:defRPr/>
+            </a:pPr>
+            <a:fld id="{5F2A2E64-0435-4335-8CCE-EE46D16D8B12}" type="slidenum">
+              <a:rPr lang="zh-CN" altLang="en-US" smtClean="0"/>
+              <a:pPr>
+                <a:defRPr/>
+              </a:pPr>
+              <a:t>34</a:t>
+            </a:fld>
+            <a:endParaRPr lang="zh-CN" altLang="en-US" dirty="0"/>
+          </a:p>
+        </p:txBody>
+      </p:sp>
+      <p:sp>
+        <p:nvSpPr>
+          <p:cNvPr id="6" name="标题 2"/>
+          <p:cNvSpPr>
+            <a:spLocks noGrp="1"/>
+          </p:cNvSpPr>
+          <p:nvPr>
+            <p:ph type="title"/>
+          </p:nvPr>
+        </p:nvSpPr>
+        <p:spPr>
+          <a:xfrm>
+            <a:off x="3503712" y="260648"/>
+            <a:ext cx="5760640" cy="418058"/>
+          </a:xfrm>
+        </p:spPr>
+        <p:txBody>
+          <a:bodyPr>
+            <a:noAutofit/>
+          </a:bodyPr>
+          <a:lstStyle/>
+          <a:p>
+            <a:pPr algn="ctr"/>
+            <a:r>
+              <a:rPr lang="en-US" altLang="zh-CN" b="1" dirty="0">
+                <a:solidFill>
+                  <a:schemeClr val="bg1"/>
+                </a:solidFill>
+                <a:latin typeface="+mn-lt"/>
+              </a:rPr>
+              <a:t>Resources</a:t>
+            </a:r>
+            <a:endParaRPr lang="zh-CN" altLang="en-US" sz="3600" b="1" dirty="0">
+              <a:solidFill>
+                <a:schemeClr val="bg1"/>
+              </a:solidFill>
+              <a:latin typeface="+mn-lt"/>
+            </a:endParaRPr>
+          </a:p>
+        </p:txBody>
+      </p:sp>
+      <p:sp>
+        <p:nvSpPr>
+          <p:cNvPr id="5" name="内容占位符 4">
+            <a:extLst>
+              <a:ext uri="{FF2B5EF4-FFF2-40B4-BE49-F238E27FC236}">
+                <a16:creationId xmlns:a16="http://schemas.microsoft.com/office/drawing/2014/main" id="{D1F876F4-09C8-43EB-9898-EEB3AE25C516}"/>
+              </a:ext>
+            </a:extLst>
+          </p:cNvPr>
+          <p:cNvSpPr>
+            <a:spLocks noGrp="1"/>
+          </p:cNvSpPr>
+          <p:nvPr>
+            <p:ph idx="1"/>
+          </p:nvPr>
+        </p:nvSpPr>
+        <p:spPr/>
+        <p:txBody>
+          <a:bodyPr>
+            <a:normAutofit/>
+          </a:bodyPr>
+          <a:lstStyle/>
+          <a:p>
+            <a:pPr>
+              <a:lnSpc>
+                <a:spcPct val="125000"/>
+              </a:lnSpc>
+            </a:pPr>
+            <a:r>
+              <a:rPr lang="en-US" altLang="zh-CN" dirty="0">
+                <a:hlinkClick r:id="rId3"/>
+              </a:rPr>
+              <a:t>https://oschina.gitee.io/learn-git-branching/</a:t>
+            </a:r>
+            <a:endParaRPr lang="en-US" altLang="zh-CN" dirty="0"/>
+          </a:p>
+          <a:p>
+            <a:pPr lvl="1">
+              <a:lnSpc>
+                <a:spcPct val="125000"/>
+              </a:lnSpc>
+            </a:pPr>
+            <a:r>
+              <a:rPr lang="zh-CN" altLang="en-US" dirty="0"/>
+              <a:t>开源中国提供的在线傻瓜教程</a:t>
+            </a:r>
+            <a:endParaRPr lang="en-US" altLang="zh-CN" dirty="0"/>
+          </a:p>
+          <a:p>
+            <a:pPr>
+              <a:lnSpc>
+                <a:spcPct val="125000"/>
+              </a:lnSpc>
+            </a:pPr>
+            <a:r>
+              <a:rPr lang="en-US" altLang="zh-CN" dirty="0">
+                <a:hlinkClick r:id="rId4"/>
+              </a:rPr>
+              <a:t>https://rubygarage.org/blog/most-basic-git-commands-with-examples</a:t>
+            </a:r>
+            <a:endParaRPr lang="en-US" altLang="zh-CN" dirty="0"/>
+          </a:p>
+          <a:p>
+            <a:pPr lvl="1">
+              <a:lnSpc>
+                <a:spcPct val="125000"/>
+              </a:lnSpc>
+            </a:pPr>
+            <a:r>
+              <a:rPr lang="zh-CN" altLang="en-US" dirty="0"/>
+              <a:t>非常好的 </a:t>
+            </a:r>
+            <a:r>
+              <a:rPr lang="en-US" altLang="zh-CN" dirty="0"/>
+              <a:t>Git </a:t>
+            </a:r>
+            <a:r>
+              <a:rPr lang="zh-CN" altLang="en-US" dirty="0"/>
+              <a:t>短教程</a:t>
+            </a:r>
+            <a:endParaRPr lang="en-US" altLang="zh-CN" dirty="0"/>
+          </a:p>
+          <a:p>
+            <a:pPr>
+              <a:lnSpc>
+                <a:spcPct val="125000"/>
+              </a:lnSpc>
+            </a:pPr>
+            <a:endParaRPr lang="en-US" altLang="zh-CN" dirty="0"/>
+          </a:p>
+          <a:p>
+            <a:pPr>
+              <a:lnSpc>
+                <a:spcPct val="125000"/>
+              </a:lnSpc>
+            </a:pPr>
+            <a:r>
+              <a:rPr lang="en-US" altLang="zh-CN" b="1" dirty="0"/>
+              <a:t>Docs</a:t>
+            </a:r>
+            <a:r>
+              <a:rPr lang="zh-CN" altLang="en-US" b="1" dirty="0"/>
+              <a:t>内的其他补充文档也是极好的</a:t>
+            </a:r>
+            <a:endParaRPr lang="en-US" altLang="zh-CN" b="1" dirty="0"/>
+          </a:p>
+        </p:txBody>
+      </p:sp>
+    </p:spTree>
+    <p:extLst>
+      <p:ext uri="{BB962C8B-B14F-4D97-AF65-F5344CB8AC3E}">
+        <p14:creationId xmlns:p14="http://schemas.microsoft.com/office/powerpoint/2010/main" val="3160904756"/>
+      </p:ext>
+    </p:extLst>
+  </p:cSld>
+  <p:clrMapOvr>
+    <a:masterClrMapping/>
+  </p:clrMapOvr>
+</p:sld>
+</file>
+
+<file path=ppt/slides/slide35.xml><?xml version="1.0" encoding="utf-8"?>
+<p:sld xmlns:a="http://schemas.openxmlformats.org/drawingml/2006/main" xmlns:r="http://schemas.openxmlformats.org/officeDocument/2006/relationships" xmlns:p="http://schemas.openxmlformats.org/presentationml/2006/main">
+  <p:cSld>
+    <p:spTree>
+      <p:nvGrpSpPr>
+        <p:cNvPr id="1" name=""/>
+        <p:cNvGrpSpPr/>
+        <p:nvPr/>
+      </p:nvGrpSpPr>
+      <p:grpSpPr>
+        <a:xfrm>
+          <a:off x="0" y="0"/>
+          <a:ext cx="0" cy="0"/>
+          <a:chOff x="0" y="0"/>
+          <a:chExt cx="0" cy="0"/>
+        </a:xfrm>
+      </p:grpSpPr>
+      <p:sp>
+        <p:nvSpPr>
+          <p:cNvPr id="4" name="灯片编号占位符 3"/>
+          <p:cNvSpPr>
+            <a:spLocks noGrp="1"/>
+          </p:cNvSpPr>
+          <p:nvPr>
+            <p:ph type="sldNum" sz="quarter" idx="12"/>
+          </p:nvPr>
+        </p:nvSpPr>
+        <p:spPr/>
+        <p:txBody>
+          <a:bodyPr/>
+          <a:lstStyle/>
+          <a:p>
+            <a:pPr>
+              <a:defRPr/>
+            </a:pPr>
+            <a:fld id="{5F2A2E64-0435-4335-8CCE-EE46D16D8B12}" type="slidenum">
+              <a:rPr lang="zh-CN" altLang="en-US" smtClean="0"/>
+              <a:pPr>
+                <a:defRPr/>
+              </a:pPr>
+              <a:t>35</a:t>
+            </a:fld>
+            <a:endParaRPr lang="zh-CN" altLang="en-US" dirty="0"/>
+          </a:p>
+        </p:txBody>
+      </p:sp>
+      <p:sp>
+        <p:nvSpPr>
+          <p:cNvPr id="6" name="标题 2"/>
+          <p:cNvSpPr>
+            <a:spLocks noGrp="1"/>
+          </p:cNvSpPr>
+          <p:nvPr>
+            <p:ph type="title"/>
+          </p:nvPr>
+        </p:nvSpPr>
+        <p:spPr>
+          <a:xfrm>
+            <a:off x="3503712" y="260648"/>
+            <a:ext cx="5760640" cy="418058"/>
+          </a:xfrm>
+        </p:spPr>
+        <p:txBody>
+          <a:bodyPr>
+            <a:noAutofit/>
+          </a:bodyPr>
+          <a:lstStyle/>
+          <a:p>
+            <a:pPr algn="ctr"/>
+            <a:r>
+              <a:rPr lang="en-US" altLang="zh-CN" b="1" dirty="0">
+                <a:solidFill>
+                  <a:schemeClr val="bg1"/>
+                </a:solidFill>
+                <a:latin typeface="+mn-lt"/>
+              </a:rPr>
+              <a:t>Takeaways</a:t>
+            </a:r>
+            <a:endParaRPr lang="zh-CN" altLang="en-US" sz="3600" b="1" dirty="0">
+              <a:solidFill>
+                <a:schemeClr val="bg1"/>
+              </a:solidFill>
+              <a:latin typeface="+mn-lt"/>
+            </a:endParaRPr>
+          </a:p>
+        </p:txBody>
+      </p:sp>
+      <p:sp>
+        <p:nvSpPr>
+          <p:cNvPr id="5" name="内容占位符 4">
+            <a:extLst>
+              <a:ext uri="{FF2B5EF4-FFF2-40B4-BE49-F238E27FC236}">
+                <a16:creationId xmlns:a16="http://schemas.microsoft.com/office/drawing/2014/main" id="{D1F876F4-09C8-43EB-9898-EEB3AE25C516}"/>
+              </a:ext>
+            </a:extLst>
+          </p:cNvPr>
+          <p:cNvSpPr>
+            <a:spLocks noGrp="1"/>
+          </p:cNvSpPr>
+          <p:nvPr>
+            <p:ph idx="1"/>
+          </p:nvPr>
+        </p:nvSpPr>
+        <p:spPr/>
+        <p:txBody>
+          <a:bodyPr>
+            <a:normAutofit fontScale="92500" lnSpcReduction="10000"/>
+          </a:bodyPr>
+          <a:lstStyle/>
+          <a:p>
+            <a:pPr>
+              <a:lnSpc>
+                <a:spcPct val="125000"/>
+              </a:lnSpc>
+            </a:pPr>
+            <a:r>
+              <a:rPr lang="zh-CN" altLang="en-US" dirty="0"/>
+              <a:t>介绍了 </a:t>
+            </a:r>
+            <a:r>
+              <a:rPr lang="en-US" altLang="zh-CN" dirty="0"/>
+              <a:t>Git </a:t>
+            </a:r>
+            <a:r>
+              <a:rPr lang="zh-CN" altLang="en-US" dirty="0"/>
+              <a:t>工具的使用需求</a:t>
+            </a:r>
+            <a:endParaRPr lang="en-US" altLang="zh-CN" dirty="0"/>
+          </a:p>
+          <a:p>
+            <a:pPr>
+              <a:lnSpc>
+                <a:spcPct val="125000"/>
+              </a:lnSpc>
+            </a:pPr>
+            <a:r>
+              <a:rPr lang="zh-CN" altLang="en-US" dirty="0"/>
+              <a:t>介绍了 </a:t>
+            </a:r>
+            <a:r>
+              <a:rPr lang="en-US" altLang="zh-CN" dirty="0"/>
+              <a:t>Git </a:t>
+            </a:r>
+            <a:r>
+              <a:rPr lang="zh-CN" altLang="en-US" dirty="0"/>
+              <a:t>的基本概念</a:t>
+            </a:r>
+            <a:endParaRPr lang="en-US" altLang="zh-CN" dirty="0"/>
+          </a:p>
+          <a:p>
+            <a:pPr lvl="1">
+              <a:lnSpc>
+                <a:spcPct val="125000"/>
+              </a:lnSpc>
+            </a:pPr>
+            <a:r>
+              <a:rPr lang="en-US" altLang="zh-CN" dirty="0"/>
+              <a:t>working directory, staging area/index, local repo, remote repo </a:t>
+            </a:r>
+          </a:p>
+          <a:p>
+            <a:pPr>
+              <a:lnSpc>
+                <a:spcPct val="125000"/>
+              </a:lnSpc>
+            </a:pPr>
+            <a:r>
+              <a:rPr lang="zh-CN" altLang="en-US" dirty="0"/>
+              <a:t>介绍了 </a:t>
+            </a:r>
+            <a:r>
+              <a:rPr lang="en-US" altLang="zh-CN" dirty="0"/>
+              <a:t>Git </a:t>
+            </a:r>
+            <a:r>
+              <a:rPr lang="zh-CN" altLang="en-US" dirty="0"/>
+              <a:t>的使用方法</a:t>
+            </a:r>
+            <a:endParaRPr lang="en-US" altLang="zh-CN" dirty="0"/>
+          </a:p>
+          <a:p>
+            <a:pPr lvl="1">
+              <a:lnSpc>
+                <a:spcPct val="125000"/>
+              </a:lnSpc>
+            </a:pPr>
+            <a:r>
+              <a:rPr lang="en-US" altLang="zh-CN" dirty="0"/>
+              <a:t>$ git add, git commit, git push, git pull, git clone</a:t>
+            </a:r>
+          </a:p>
+          <a:p>
+            <a:pPr lvl="1">
+              <a:lnSpc>
+                <a:spcPct val="125000"/>
+              </a:lnSpc>
+            </a:pPr>
+            <a:endParaRPr lang="en-US" altLang="zh-CN" dirty="0"/>
+          </a:p>
+          <a:p>
+            <a:pPr marL="0" indent="0">
+              <a:lnSpc>
+                <a:spcPct val="125000"/>
+              </a:lnSpc>
+              <a:buNone/>
+            </a:pPr>
+            <a:r>
+              <a:rPr lang="en-US" altLang="zh-CN" sz="6500" b="1" dirty="0"/>
+              <a:t> </a:t>
+            </a:r>
+            <a:endParaRPr lang="en-US" altLang="zh-CN" dirty="0"/>
+          </a:p>
+        </p:txBody>
+      </p:sp>
+    </p:spTree>
+    <p:extLst>
+      <p:ext uri="{BB962C8B-B14F-4D97-AF65-F5344CB8AC3E}">
+        <p14:creationId xmlns:p14="http://schemas.microsoft.com/office/powerpoint/2010/main" val="3118286165"/>
+      </p:ext>
+    </p:extLst>
+  </p:cSld>
+  <p:clrMapOvr>
+    <a:masterClrMapping/>
+  </p:clrMapOvr>
+</p:sld>
+</file>
+
+<file path=ppt/slides/slide36.xml><?xml version="1.0" encoding="utf-8"?>
+<p:sld xmlns:a="http://schemas.openxmlformats.org/drawingml/2006/main" xmlns:r="http://schemas.openxmlformats.org/officeDocument/2006/relationships" xmlns:p="http://schemas.openxmlformats.org/presentationml/2006/main">
+  <p:cSld>
+    <p:spTree>
+      <p:nvGrpSpPr>
+        <p:cNvPr id="1" name=""/>
+        <p:cNvGrpSpPr/>
+        <p:nvPr/>
+      </p:nvGrpSpPr>
+      <p:grpSpPr>
+        <a:xfrm>
+          <a:off x="0" y="0"/>
+          <a:ext cx="0" cy="0"/>
+          <a:chOff x="0" y="0"/>
+          <a:chExt cx="0" cy="0"/>
+        </a:xfrm>
+      </p:grpSpPr>
+      <p:sp>
+        <p:nvSpPr>
+          <p:cNvPr id="4" name="灯片编号占位符 3"/>
+          <p:cNvSpPr>
+            <a:spLocks noGrp="1"/>
+          </p:cNvSpPr>
+          <p:nvPr>
+            <p:ph type="sldNum" sz="quarter" idx="12"/>
+          </p:nvPr>
+        </p:nvSpPr>
+        <p:spPr/>
+        <p:txBody>
+          <a:bodyPr/>
+          <a:lstStyle/>
+          <a:p>
+            <a:pPr>
+              <a:defRPr/>
+            </a:pPr>
+            <a:fld id="{5F2A2E64-0435-4335-8CCE-EE46D16D8B12}" type="slidenum">
+              <a:rPr lang="zh-CN" altLang="en-US" smtClean="0"/>
+              <a:pPr>
+                <a:defRPr/>
+              </a:pPr>
+              <a:t>36</a:t>
+            </a:fld>
+            <a:endParaRPr lang="zh-CN" altLang="en-US" dirty="0"/>
+          </a:p>
+        </p:txBody>
+      </p:sp>
+      <p:sp>
+        <p:nvSpPr>
+          <p:cNvPr id="6" name="标题 2"/>
+          <p:cNvSpPr>
+            <a:spLocks noGrp="1"/>
+          </p:cNvSpPr>
+          <p:nvPr>
+            <p:ph type="title"/>
+          </p:nvPr>
+        </p:nvSpPr>
+        <p:spPr>
+          <a:xfrm>
+            <a:off x="3503712" y="260648"/>
+            <a:ext cx="5760640" cy="418058"/>
+          </a:xfrm>
+        </p:spPr>
+        <p:txBody>
+          <a:bodyPr>
+            <a:noAutofit/>
+          </a:bodyPr>
+          <a:lstStyle/>
+          <a:p>
+            <a:pPr algn="ctr"/>
+            <a:r>
+              <a:rPr lang="en-US" altLang="zh-CN" b="1" dirty="0">
+                <a:solidFill>
+                  <a:schemeClr val="bg1"/>
+                </a:solidFill>
+                <a:latin typeface="+mn-lt"/>
+              </a:rPr>
+              <a:t>Takeaways</a:t>
+            </a:r>
+            <a:endParaRPr lang="zh-CN" altLang="en-US" sz="3600" b="1" dirty="0">
+              <a:solidFill>
+                <a:schemeClr val="bg1"/>
+              </a:solidFill>
+              <a:latin typeface="+mn-lt"/>
+            </a:endParaRPr>
+          </a:p>
+        </p:txBody>
+      </p:sp>
+      <p:sp>
+        <p:nvSpPr>
+          <p:cNvPr id="5" name="内容占位符 4">
+            <a:extLst>
+              <a:ext uri="{FF2B5EF4-FFF2-40B4-BE49-F238E27FC236}">
+                <a16:creationId xmlns:a16="http://schemas.microsoft.com/office/drawing/2014/main" id="{D1F876F4-09C8-43EB-9898-EEB3AE25C516}"/>
+              </a:ext>
+            </a:extLst>
+          </p:cNvPr>
+          <p:cNvSpPr>
+            <a:spLocks noGrp="1"/>
+          </p:cNvSpPr>
+          <p:nvPr>
+            <p:ph idx="1"/>
+          </p:nvPr>
+        </p:nvSpPr>
+        <p:spPr/>
+        <p:txBody>
+          <a:bodyPr>
+            <a:normAutofit fontScale="92500" lnSpcReduction="10000"/>
+          </a:bodyPr>
+          <a:lstStyle/>
+          <a:p>
+            <a:pPr>
+              <a:lnSpc>
+                <a:spcPct val="125000"/>
+              </a:lnSpc>
+            </a:pPr>
+            <a:r>
+              <a:rPr lang="zh-CN" altLang="en-US" dirty="0"/>
+              <a:t>介绍了 </a:t>
+            </a:r>
+            <a:r>
+              <a:rPr lang="en-US" altLang="zh-CN" dirty="0"/>
+              <a:t>Git </a:t>
+            </a:r>
+            <a:r>
+              <a:rPr lang="zh-CN" altLang="en-US" dirty="0"/>
+              <a:t>工具的使用需求</a:t>
+            </a:r>
+            <a:endParaRPr lang="en-US" altLang="zh-CN" dirty="0"/>
+          </a:p>
+          <a:p>
+            <a:pPr>
+              <a:lnSpc>
+                <a:spcPct val="125000"/>
+              </a:lnSpc>
+            </a:pPr>
+            <a:r>
+              <a:rPr lang="zh-CN" altLang="en-US" dirty="0"/>
+              <a:t>介绍了 </a:t>
+            </a:r>
+            <a:r>
+              <a:rPr lang="en-US" altLang="zh-CN" dirty="0"/>
+              <a:t>Git </a:t>
+            </a:r>
+            <a:r>
+              <a:rPr lang="zh-CN" altLang="en-US" dirty="0"/>
+              <a:t>的基本概念</a:t>
+            </a:r>
+            <a:endParaRPr lang="en-US" altLang="zh-CN" dirty="0"/>
+          </a:p>
+          <a:p>
+            <a:pPr lvl="1">
+              <a:lnSpc>
+                <a:spcPct val="125000"/>
+              </a:lnSpc>
+            </a:pPr>
+            <a:r>
+              <a:rPr lang="en-US" altLang="zh-CN" dirty="0"/>
+              <a:t>working directory, staging area/index, local repo, remote repo </a:t>
+            </a:r>
+          </a:p>
+          <a:p>
+            <a:pPr>
+              <a:lnSpc>
+                <a:spcPct val="125000"/>
+              </a:lnSpc>
+            </a:pPr>
+            <a:r>
+              <a:rPr lang="zh-CN" altLang="en-US" dirty="0"/>
+              <a:t>介绍了 </a:t>
+            </a:r>
+            <a:r>
+              <a:rPr lang="en-US" altLang="zh-CN" dirty="0"/>
+              <a:t>Git </a:t>
+            </a:r>
+            <a:r>
+              <a:rPr lang="zh-CN" altLang="en-US" dirty="0"/>
+              <a:t>的使用方法</a:t>
+            </a:r>
+            <a:endParaRPr lang="en-US" altLang="zh-CN" dirty="0"/>
+          </a:p>
+          <a:p>
+            <a:pPr lvl="1">
+              <a:lnSpc>
+                <a:spcPct val="125000"/>
+              </a:lnSpc>
+            </a:pPr>
+            <a:r>
+              <a:rPr lang="en-US" altLang="zh-CN" dirty="0"/>
+              <a:t>$ git add, git commit, git push, git pull, git clone</a:t>
+            </a:r>
+          </a:p>
+          <a:p>
+            <a:pPr lvl="1">
+              <a:lnSpc>
+                <a:spcPct val="125000"/>
+              </a:lnSpc>
+            </a:pPr>
+            <a:endParaRPr lang="en-US" altLang="zh-CN" dirty="0"/>
+          </a:p>
+          <a:p>
+            <a:pPr>
+              <a:lnSpc>
+                <a:spcPct val="125000"/>
+              </a:lnSpc>
+            </a:pPr>
+            <a:r>
+              <a:rPr lang="en-US" altLang="zh-CN" sz="6500" b="1" dirty="0"/>
+              <a:t>Easy!</a:t>
+            </a:r>
+          </a:p>
+          <a:p>
+            <a:pPr lvl="1">
+              <a:lnSpc>
+                <a:spcPct val="125000"/>
+              </a:lnSpc>
+            </a:pPr>
+            <a:endParaRPr lang="en-US" altLang="zh-CN" dirty="0"/>
+          </a:p>
+        </p:txBody>
+      </p:sp>
+    </p:spTree>
+    <p:extLst>
+      <p:ext uri="{BB962C8B-B14F-4D97-AF65-F5344CB8AC3E}">
+        <p14:creationId xmlns:p14="http://schemas.microsoft.com/office/powerpoint/2010/main" val="4061638898"/>
+      </p:ext>
+    </p:extLst>
+  </p:cSld>
+  <p:clrMapOvr>
+    <a:masterClrMapping/>
+  </p:clrMapOvr>
+</p:sld>
+</file>
+
+<file path=ppt/slides/slide37.xml><?xml version="1.0" encoding="utf-8"?>
+<p:sld xmlns:a="http://schemas.openxmlformats.org/drawingml/2006/main" xmlns:r="http://schemas.openxmlformats.org/officeDocument/2006/relationships" xmlns:p="http://schemas.openxmlformats.org/presentationml/2006/main">
+  <p:cSld>
+    <p:spTree>
+      <p:nvGrpSpPr>
+        <p:cNvPr id="1" name=""/>
+        <p:cNvGrpSpPr/>
+        <p:nvPr/>
+      </p:nvGrpSpPr>
+      <p:grpSpPr>
+        <a:xfrm>
+          <a:off x="0" y="0"/>
+          <a:ext cx="0" cy="0"/>
+          <a:chOff x="0" y="0"/>
+          <a:chExt cx="0" cy="0"/>
+        </a:xfrm>
+      </p:grpSpPr>
+      <p:sp>
+        <p:nvSpPr>
+          <p:cNvPr id="4" name="灯片编号占位符 3"/>
+          <p:cNvSpPr>
+            <a:spLocks noGrp="1"/>
+          </p:cNvSpPr>
+          <p:nvPr>
+            <p:ph type="sldNum" sz="quarter" idx="12"/>
+          </p:nvPr>
+        </p:nvSpPr>
+        <p:spPr/>
+        <p:txBody>
+          <a:bodyPr/>
+          <a:lstStyle/>
+          <a:p>
+            <a:pPr>
+              <a:defRPr/>
+            </a:pPr>
+            <a:fld id="{5F2A2E64-0435-4335-8CCE-EE46D16D8B12}" type="slidenum">
+              <a:rPr lang="zh-CN" altLang="en-US" smtClean="0"/>
+              <a:pPr>
+                <a:defRPr/>
+              </a:pPr>
+              <a:t>37</a:t>
+            </a:fld>
+            <a:endParaRPr lang="zh-CN" altLang="en-US" dirty="0"/>
+          </a:p>
+        </p:txBody>
+      </p:sp>
+      <p:sp>
+        <p:nvSpPr>
+          <p:cNvPr id="6" name="标题 2"/>
+          <p:cNvSpPr>
+            <a:spLocks noGrp="1"/>
+          </p:cNvSpPr>
+          <p:nvPr>
+            <p:ph type="title"/>
+          </p:nvPr>
+        </p:nvSpPr>
+        <p:spPr>
+          <a:xfrm>
+            <a:off x="3503712" y="260648"/>
+            <a:ext cx="5760640" cy="418058"/>
+          </a:xfrm>
+        </p:spPr>
+        <p:txBody>
+          <a:bodyPr>
+            <a:noAutofit/>
+          </a:bodyPr>
+          <a:lstStyle/>
+          <a:p>
+            <a:pPr algn="ctr"/>
+            <a:r>
+              <a:rPr lang="en-US" altLang="zh-CN" b="1" dirty="0">
+                <a:solidFill>
+                  <a:schemeClr val="bg1"/>
+                </a:solidFill>
+                <a:latin typeface="+mn-lt"/>
+              </a:rPr>
+              <a:t>Fin.</a:t>
+            </a:r>
+            <a:endParaRPr lang="zh-CN" altLang="en-US" b="1" dirty="0">
+              <a:solidFill>
+                <a:schemeClr val="bg1"/>
+              </a:solidFill>
+              <a:latin typeface="+mn-lt"/>
+            </a:endParaRPr>
+          </a:p>
+        </p:txBody>
+      </p:sp>
+      <p:pic>
+        <p:nvPicPr>
+          <p:cNvPr id="3" name="内容占位符 2">
+            <a:extLst>
+              <a:ext uri="{FF2B5EF4-FFF2-40B4-BE49-F238E27FC236}">
+                <a16:creationId xmlns:a16="http://schemas.microsoft.com/office/drawing/2014/main" id="{E5B6F959-E64E-4855-BB1E-C43DC056F766}"/>
+              </a:ext>
+            </a:extLst>
+          </p:cNvPr>
+          <p:cNvPicPr>
+            <a:picLocks noGrp="1" noChangeAspect="1"/>
+          </p:cNvPicPr>
+          <p:nvPr>
+            <p:ph idx="1"/>
+          </p:nvPr>
+        </p:nvPicPr>
+        <p:blipFill>
+          <a:blip r:embed="rId3">
+            <a:extLst>
+              <a:ext uri="{28A0092B-C50C-407E-A947-70E740481C1C}">
+                <a14:useLocalDpi xmlns:a14="http://schemas.microsoft.com/office/drawing/2010/main" val="0"/>
+              </a:ext>
+            </a:extLst>
+          </a:blip>
+          <a:stretch>
+            <a:fillRect/>
+          </a:stretch>
+        </p:blipFill>
+        <p:spPr>
+          <a:xfrm>
+            <a:off x="3015407" y="1825625"/>
+            <a:ext cx="6161186" cy="4351338"/>
+          </a:xfrm>
+        </p:spPr>
+      </p:pic>
+    </p:spTree>
+    <p:extLst>
+      <p:ext uri="{BB962C8B-B14F-4D97-AF65-F5344CB8AC3E}">
+        <p14:creationId xmlns:p14="http://schemas.microsoft.com/office/powerpoint/2010/main" val="3732252959"/>
       </p:ext>
     </p:extLst>
   </p:cSld>

--- a/Git_Tutorial_ICAIS.pptx
+++ b/Git_Tutorial_ICAIS.pptx
@@ -379,7 +379,7 @@
               <a:pPr>
                 <a:defRPr/>
               </a:pPr>
-              <a:t>2020/8/29</a:t>
+              <a:t>2020/8/30</a:t>
             </a:fld>
             <a:endParaRPr lang="zh-CN" altLang="en-US"/>
           </a:p>
@@ -598,7 +598,7 @@
               <a:pPr>
                 <a:defRPr/>
               </a:pPr>
-              <a:t>2020/8/29</a:t>
+              <a:t>2020/8/30</a:t>
             </a:fld>
             <a:endParaRPr lang="zh-CN" altLang="en-US"/>
           </a:p>
@@ -4582,7 +4582,7 @@
             </a:pPr>
             <a:fld id="{896B7C9D-3DC5-437F-B505-71D6C523D9A7}" type="datetime1">
               <a:rPr lang="zh-CN" altLang="en-US" smtClean="0"/>
-              <a:t>2020/8/29</a:t>
+              <a:t>2020/8/30</a:t>
             </a:fld>
             <a:endParaRPr lang="zh-CN" altLang="en-US"/>
           </a:p>
@@ -4964,7 +4964,7 @@
             </a:pPr>
             <a:fld id="{66FCB55B-4178-48B6-AF5A-C0B03C0CEF90}" type="datetime1">
               <a:rPr lang="zh-CN" altLang="en-US" smtClean="0"/>
-              <a:t>2020/8/29</a:t>
+              <a:t>2020/8/30</a:t>
             </a:fld>
             <a:endParaRPr lang="zh-CN" altLang="en-US"/>
           </a:p>
@@ -5094,7 +5094,7 @@
             </a:pPr>
             <a:fld id="{6449E165-9249-4085-B925-96F638A08E07}" type="datetime1">
               <a:rPr lang="zh-CN" altLang="en-US" smtClean="0"/>
-              <a:t>2020/8/29</a:t>
+              <a:t>2020/8/30</a:t>
             </a:fld>
             <a:endParaRPr lang="zh-CN" altLang="en-US"/>
           </a:p>
@@ -5201,7 +5201,7 @@
             </a:pPr>
             <a:fld id="{74EBDEC9-676C-48D9-A127-D95DBEC98307}" type="datetime1">
               <a:rPr lang="zh-CN" altLang="en-US" smtClean="0"/>
-              <a:t>2020/8/29</a:t>
+              <a:t>2020/8/30</a:t>
             </a:fld>
             <a:endParaRPr lang="zh-CN" altLang="en-US"/>
           </a:p>
@@ -5490,7 +5490,7 @@
             </a:pPr>
             <a:fld id="{324D2B1D-569E-4223-8023-C110C5D38F5B}" type="datetime1">
               <a:rPr lang="zh-CN" altLang="en-US" smtClean="0"/>
-              <a:t>2020/8/29</a:t>
+              <a:t>2020/8/30</a:t>
             </a:fld>
             <a:endParaRPr lang="zh-CN" altLang="en-US"/>
           </a:p>
@@ -5759,7 +5759,7 @@
             </a:pPr>
             <a:fld id="{531DD059-358F-4479-B44A-3014B7FDC6B7}" type="datetime1">
               <a:rPr lang="zh-CN" altLang="en-US" smtClean="0"/>
-              <a:t>2020/8/29</a:t>
+              <a:t>2020/8/30</a:t>
             </a:fld>
             <a:endParaRPr lang="zh-CN" altLang="en-US"/>
           </a:p>
@@ -5941,7 +5941,7 @@
             </a:pPr>
             <a:fld id="{6C700E68-6B74-4CE9-B6BC-EBB05F2FDF1F}" type="datetime1">
               <a:rPr lang="zh-CN" altLang="en-US" smtClean="0"/>
-              <a:t>2020/8/29</a:t>
+              <a:t>2020/8/30</a:t>
             </a:fld>
             <a:endParaRPr lang="zh-CN" altLang="en-US"/>
           </a:p>
@@ -6133,7 +6133,7 @@
             </a:pPr>
             <a:fld id="{6A519196-4E17-44A2-9B5D-15A64642AA3E}" type="datetime1">
               <a:rPr lang="zh-CN" altLang="en-US" smtClean="0"/>
-              <a:t>2020/8/29</a:t>
+              <a:t>2020/8/30</a:t>
             </a:fld>
             <a:endParaRPr lang="zh-CN" altLang="en-US"/>
           </a:p>
@@ -6829,7 +6829,7 @@
             </a:pPr>
             <a:fld id="{3AD0B805-BB4E-448E-8014-4DEC130CA0C3}" type="datetime1">
               <a:rPr lang="zh-CN" altLang="en-US" smtClean="0"/>
-              <a:t>2020/8/29</a:t>
+              <a:t>2020/8/30</a:t>
             </a:fld>
             <a:endParaRPr lang="zh-CN" altLang="en-US"/>
           </a:p>
@@ -9494,7 +9494,7 @@
             </a:pPr>
             <a:fld id="{73D31EDC-EEE0-4694-AD5C-53E888961552}" type="datetime1">
               <a:rPr lang="zh-CN" altLang="en-US" smtClean="0"/>
-              <a:t>2020/8/29</a:t>
+              <a:t>2020/8/30</a:t>
             </a:fld>
             <a:endParaRPr lang="zh-CN" altLang="en-US"/>
           </a:p>
@@ -10020,7 +10020,7 @@
               <a:pPr>
                 <a:defRPr/>
               </a:pPr>
-              <a:t>2020/8/29</a:t>
+              <a:t>2020/8/30</a:t>
             </a:fld>
             <a:endParaRPr lang="zh-CN" altLang="en-US">
               <a:solidFill>
@@ -10947,7 +10947,7 @@
               <a:pPr>
                 <a:defRPr/>
               </a:pPr>
-              <a:t>2020/8/29</a:t>
+              <a:t>2020/8/30</a:t>
             </a:fld>
             <a:endParaRPr lang="zh-CN" altLang="en-US">
               <a:solidFill>
@@ -11224,7 +11224,7 @@
               <a:pPr>
                 <a:defRPr/>
               </a:pPr>
-              <a:t>2020/8/29</a:t>
+              <a:t>2020/8/30</a:t>
             </a:fld>
             <a:endParaRPr lang="zh-CN" altLang="en-US">
               <a:solidFill>
@@ -11636,7 +11636,7 @@
               <a:pPr>
                 <a:defRPr/>
               </a:pPr>
-              <a:t>2020/8/29</a:t>
+              <a:t>2020/8/30</a:t>
             </a:fld>
             <a:endParaRPr lang="zh-CN" altLang="en-US">
               <a:solidFill>
@@ -11799,7 +11799,7 @@
               <a:pPr>
                 <a:defRPr/>
               </a:pPr>
-              <a:t>2020/8/29</a:t>
+              <a:t>2020/8/30</a:t>
             </a:fld>
             <a:endParaRPr lang="zh-CN" altLang="en-US">
               <a:solidFill>
@@ -11939,7 +11939,7 @@
               <a:pPr>
                 <a:defRPr/>
               </a:pPr>
-              <a:t>2020/8/29</a:t>
+              <a:t>2020/8/30</a:t>
             </a:fld>
             <a:endParaRPr lang="zh-CN" altLang="en-US">
               <a:solidFill>
@@ -12261,7 +12261,7 @@
               <a:pPr>
                 <a:defRPr/>
               </a:pPr>
-              <a:t>2020/8/29</a:t>
+              <a:t>2020/8/30</a:t>
             </a:fld>
             <a:endParaRPr lang="zh-CN" altLang="en-US">
               <a:solidFill>
@@ -12568,7 +12568,7 @@
             </a:pPr>
             <a:fld id="{2D79415E-7F95-46DD-A1DB-FAED0E04FD81}" type="datetime1">
               <a:rPr lang="zh-CN" altLang="en-US" smtClean="0"/>
-              <a:t>2020/8/29</a:t>
+              <a:t>2020/8/30</a:t>
             </a:fld>
             <a:endParaRPr lang="zh-CN" altLang="en-US"/>
           </a:p>
@@ -12849,7 +12849,7 @@
               <a:pPr>
                 <a:defRPr/>
               </a:pPr>
-              <a:t>2020/8/29</a:t>
+              <a:t>2020/8/30</a:t>
             </a:fld>
             <a:endParaRPr lang="zh-CN" altLang="en-US">
               <a:solidFill>
@@ -13064,7 +13064,7 @@
               <a:pPr>
                 <a:defRPr/>
               </a:pPr>
-              <a:t>2020/8/29</a:t>
+              <a:t>2020/8/30</a:t>
             </a:fld>
             <a:endParaRPr lang="zh-CN" altLang="en-US">
               <a:solidFill>
@@ -13289,7 +13289,7 @@
               <a:pPr>
                 <a:defRPr/>
               </a:pPr>
-              <a:t>2020/8/29</a:t>
+              <a:t>2020/8/30</a:t>
             </a:fld>
             <a:endParaRPr lang="zh-CN" altLang="en-US">
               <a:solidFill>
@@ -13596,7 +13596,7 @@
             </a:pPr>
             <a:fld id="{3916BEAA-48AA-478F-952E-CEE3822242AD}" type="datetime1">
               <a:rPr lang="zh-CN" altLang="en-US" smtClean="0"/>
-              <a:t>2020/8/29</a:t>
+              <a:t>2020/8/30</a:t>
             </a:fld>
             <a:endParaRPr lang="zh-CN" altLang="en-US"/>
           </a:p>
@@ -13803,7 +13803,7 @@
             </a:pPr>
             <a:fld id="{2B5606E8-78AB-4C51-92BA-3FA113FE4D9F}" type="datetime1">
               <a:rPr lang="zh-CN" altLang="en-US" smtClean="0"/>
-              <a:t>2020/8/29</a:t>
+              <a:t>2020/8/30</a:t>
             </a:fld>
             <a:endParaRPr lang="zh-CN" altLang="en-US"/>
           </a:p>
@@ -13985,7 +13985,7 @@
             </a:pPr>
             <a:fld id="{25E7EAE0-120F-48F0-985D-137405672BC9}" type="datetime1">
               <a:rPr lang="zh-CN" altLang="en-US" smtClean="0"/>
-              <a:t>2020/8/29</a:t>
+              <a:t>2020/8/30</a:t>
             </a:fld>
             <a:endParaRPr lang="zh-CN" altLang="en-US"/>
           </a:p>
@@ -14297,7 +14297,7 @@
             </a:pPr>
             <a:fld id="{DE5DD34A-939B-4D5B-8F78-2180AA91B459}" type="datetime1">
               <a:rPr lang="zh-CN" altLang="en-US" smtClean="0"/>
-              <a:t>2020/8/29</a:t>
+              <a:t>2020/8/30</a:t>
             </a:fld>
             <a:endParaRPr lang="zh-CN" altLang="en-US"/>
           </a:p>
@@ -14541,7 +14541,7 @@
             </a:pPr>
             <a:fld id="{8A6BA8CE-2219-4714-B64B-6C487A10DDC4}" type="datetime1">
               <a:rPr lang="zh-CN" altLang="en-US" smtClean="0"/>
-              <a:t>2020/8/29</a:t>
+              <a:t>2020/8/30</a:t>
             </a:fld>
             <a:endParaRPr lang="zh-CN" altLang="en-US"/>
           </a:p>
@@ -14801,7 +14801,7 @@
             </a:pPr>
             <a:fld id="{454B7E8D-92C9-4803-8654-1F8666271737}" type="datetime1">
               <a:rPr lang="zh-CN" altLang="en-US" smtClean="0"/>
-              <a:t>2020/8/29</a:t>
+              <a:t>2020/8/30</a:t>
             </a:fld>
             <a:endParaRPr lang="zh-CN" altLang="en-US"/>
           </a:p>
@@ -15512,7 +15512,7 @@
             </a:pPr>
             <a:fld id="{0D4FB747-CD27-43C0-952F-B0D78EBD57E7}" type="datetime1">
               <a:rPr lang="zh-CN" altLang="en-US" smtClean="0"/>
-              <a:t>2020/8/29</a:t>
+              <a:t>2020/8/30</a:t>
             </a:fld>
             <a:endParaRPr lang="zh-CN" altLang="en-US"/>
           </a:p>
@@ -16222,7 +16222,7 @@
             </a:pPr>
             <a:fld id="{AAEDE515-741B-4AB3-8ABD-54FE1986096F}" type="datetime1">
               <a:rPr lang="zh-CN" altLang="en-US" smtClean="0"/>
-              <a:t>2020/8/29</a:t>
+              <a:t>2020/8/30</a:t>
             </a:fld>
             <a:endParaRPr lang="zh-CN" altLang="en-US"/>
           </a:p>
@@ -16932,7 +16932,7 @@
             </a:pPr>
             <a:fld id="{FF7B39FB-9B6A-492E-B5FF-E98E05E351E0}" type="datetime1">
               <a:rPr lang="zh-CN" altLang="en-US" smtClean="0"/>
-              <a:t>2020/8/29</a:t>
+              <a:t>2020/8/30</a:t>
             </a:fld>
             <a:endParaRPr lang="zh-CN" altLang="en-US"/>
           </a:p>
@@ -17593,7 +17593,7 @@
             </a:pPr>
             <a:fld id="{AFD6DC48-BE4A-4DFD-B6B2-884AA72AAEF9}" type="datetime1">
               <a:rPr lang="zh-CN" altLang="en-US" smtClean="0"/>
-              <a:t>2020/8/29</a:t>
+              <a:t>2020/8/30</a:t>
             </a:fld>
             <a:endParaRPr lang="zh-CN" altLang="en-US"/>
           </a:p>
@@ -18844,7 +18844,7 @@
               <a:pPr>
                 <a:defRPr/>
               </a:pPr>
-              <a:t>2020/8/29</a:t>
+              <a:t>2020/8/30</a:t>
             </a:fld>
             <a:endParaRPr lang="zh-CN" altLang="en-US">
               <a:solidFill>
@@ -22475,7 +22475,7 @@
             </a:r>
             <a:r>
               <a:rPr lang="en-US" altLang="zh-CN" sz="2000" dirty="0"/>
-              <a:t>&gt;	 	# </a:t>
+              <a:t>&gt;	# </a:t>
             </a:r>
             <a:r>
               <a:rPr lang="zh-CN" altLang="en-US" sz="2000" dirty="0"/>
@@ -22495,11 +22495,11 @@
             </a:r>
             <a:r>
               <a:rPr lang="en-US" altLang="zh-CN" sz="2000" dirty="0"/>
-              <a:t>.				# </a:t>
+              <a:t>.			# </a:t>
             </a:r>
             <a:r>
               <a:rPr lang="zh-CN" altLang="en-US" sz="2000" dirty="0"/>
-              <a:t>将当前整个文件夹放入暂存区</a:t>
+              <a:t>添加当前目录的所有文件到暂存区</a:t>
             </a:r>
             <a:endParaRPr lang="en-US" altLang="zh-CN" sz="2000" dirty="0"/>
           </a:p>
@@ -22515,7 +22515,7 @@
             </a:r>
             <a:r>
               <a:rPr lang="en-US" altLang="zh-CN" sz="2000" dirty="0"/>
-              <a:t>–all			# </a:t>
+              <a:t>–all		# </a:t>
             </a:r>
             <a:r>
               <a:rPr lang="zh-CN" altLang="en-US" sz="2000" dirty="0"/>
@@ -22556,13 +22556,12 @@
             </a:r>
             <a:r>
               <a:rPr lang="en-US" altLang="zh-CN" sz="2000" dirty="0"/>
-              <a:t>&gt;		# --cached </a:t>
+              <a:t>&gt;	# --cached </a:t>
             </a:r>
             <a:r>
               <a:rPr lang="zh-CN" altLang="en-US" sz="2000" dirty="0"/>
-              <a:t>选项，仅移出暂存区，并不删除文件</a:t>
-            </a:r>
-            <a:endParaRPr lang="en-US" altLang="zh-CN" sz="2000" dirty="0"/>
+              <a:t>选项，停止追踪文件，但该文件保留在工作区</a:t>
+            </a:r>
           </a:p>
           <a:p>
             <a:pPr lvl="1"/>
@@ -22584,7 +22583,7 @@
             </a:r>
             <a:r>
               <a:rPr lang="en-US" altLang="zh-CN" sz="2000" dirty="0"/>
-              <a:t>&gt;		# </a:t>
+              <a:t>&gt;	# </a:t>
             </a:r>
             <a:r>
               <a:rPr lang="zh-CN" altLang="en-US" sz="2000" dirty="0"/>
@@ -22612,11 +22611,11 @@
             </a:r>
             <a:r>
               <a:rPr lang="en-US" altLang="zh-CN" sz="2000" dirty="0"/>
-              <a:t>&gt;			#</a:t>
+              <a:t>&gt;		# </a:t>
             </a:r>
             <a:r>
               <a:rPr lang="zh-CN" altLang="en-US" sz="2000" dirty="0"/>
-              <a:t> 直接删除该文件</a:t>
+              <a:t>删除工作区文件，并且将这次删除放入暂存区</a:t>
             </a:r>
             <a:endParaRPr lang="en-US" altLang="zh-CN" sz="2000" dirty="0"/>
           </a:p>
@@ -28380,8 +28379,12 @@
               </a:lnSpc>
             </a:pPr>
             <a:r>
+              <a:rPr lang="zh-CN" altLang="en-US"/>
+              <a:t>阮一峰老师总结</a:t>
+            </a:r>
+            <a:r>
               <a:rPr lang="zh-CN" altLang="en-US" dirty="0"/>
-              <a:t>阮一峰总结的 </a:t>
+              <a:t>的 </a:t>
             </a:r>
             <a:r>
               <a:rPr lang="en-US" altLang="zh-CN" dirty="0"/>
@@ -28552,7 +28555,7 @@
         <p:spPr/>
         <p:txBody>
           <a:bodyPr>
-            <a:normAutofit/>
+            <a:normAutofit lnSpcReduction="10000"/>
           </a:bodyPr>
           <a:lstStyle/>
           <a:p>
@@ -28621,6 +28624,40 @@
                 <a:spcPct val="125000"/>
               </a:lnSpc>
             </a:pPr>
+            <a:r>
+              <a:rPr lang="en-US" altLang="zh-CN" dirty="0">
+                <a:hlinkClick r:id="rId5"/>
+              </a:rPr>
+              <a:t>https://gitee.com/all-about-git</a:t>
+            </a:r>
+            <a:endParaRPr lang="en-US" altLang="zh-CN" dirty="0"/>
+          </a:p>
+          <a:p>
+            <a:pPr lvl="1">
+              <a:lnSpc>
+                <a:spcPct val="125000"/>
+              </a:lnSpc>
+            </a:pPr>
+            <a:r>
+              <a:rPr lang="en-US" altLang="zh-CN" dirty="0" err="1"/>
+              <a:t>Gitee</a:t>
+            </a:r>
+            <a:r>
+              <a:rPr lang="en-US" altLang="zh-CN" dirty="0"/>
+              <a:t> </a:t>
+            </a:r>
+            <a:r>
+              <a:rPr lang="zh-CN" altLang="en-US" dirty="0"/>
+              <a:t>提供的 </a:t>
+            </a:r>
+            <a:r>
+              <a:rPr lang="en-US" altLang="zh-CN" dirty="0"/>
+              <a:t>Git </a:t>
+            </a:r>
+            <a:r>
+              <a:rPr lang="zh-CN" altLang="en-US" dirty="0"/>
+              <a:t>大全</a:t>
+            </a:r>
             <a:endParaRPr lang="en-US" altLang="zh-CN" dirty="0"/>
           </a:p>
           <a:p>
